--- a/IntroWorkshop/RBar_IntroII.pptx
+++ b/IntroWorkshop/RBar_IntroII.pptx
@@ -5,43 +5,45 @@
     <p:sldMasterId id="2147483660" r:id="rId1"/>
   </p:sldMasterIdLst>
   <p:notesMasterIdLst>
-    <p:notesMasterId r:id="rId36"/>
+    <p:notesMasterId r:id="rId38"/>
   </p:notesMasterIdLst>
   <p:sldIdLst>
-    <p:sldId id="518" r:id="rId2"/>
-    <p:sldId id="519" r:id="rId3"/>
+    <p:sldId id="522" r:id="rId2"/>
+    <p:sldId id="523" r:id="rId3"/>
     <p:sldId id="520" r:id="rId4"/>
-    <p:sldId id="521" r:id="rId5"/>
-    <p:sldId id="311" r:id="rId6"/>
-    <p:sldId id="466" r:id="rId7"/>
-    <p:sldId id="420" r:id="rId8"/>
-    <p:sldId id="312" r:id="rId9"/>
-    <p:sldId id="313" r:id="rId10"/>
-    <p:sldId id="440" r:id="rId11"/>
-    <p:sldId id="439" r:id="rId12"/>
-    <p:sldId id="447" r:id="rId13"/>
-    <p:sldId id="448" r:id="rId14"/>
-    <p:sldId id="315" r:id="rId15"/>
-    <p:sldId id="459" r:id="rId16"/>
-    <p:sldId id="468" r:id="rId17"/>
-    <p:sldId id="469" r:id="rId18"/>
-    <p:sldId id="438" r:id="rId19"/>
-    <p:sldId id="470" r:id="rId20"/>
-    <p:sldId id="443" r:id="rId21"/>
-    <p:sldId id="463" r:id="rId22"/>
-    <p:sldId id="444" r:id="rId23"/>
-    <p:sldId id="465" r:id="rId24"/>
-    <p:sldId id="360" r:id="rId25"/>
-    <p:sldId id="491" r:id="rId26"/>
-    <p:sldId id="472" r:id="rId27"/>
-    <p:sldId id="474" r:id="rId28"/>
-    <p:sldId id="488" r:id="rId29"/>
-    <p:sldId id="482" r:id="rId30"/>
-    <p:sldId id="485" r:id="rId31"/>
-    <p:sldId id="486" r:id="rId32"/>
-    <p:sldId id="487" r:id="rId33"/>
-    <p:sldId id="484" r:id="rId34"/>
-    <p:sldId id="489" r:id="rId35"/>
+    <p:sldId id="466" r:id="rId5"/>
+    <p:sldId id="526" r:id="rId6"/>
+    <p:sldId id="529" r:id="rId7"/>
+    <p:sldId id="528" r:id="rId8"/>
+    <p:sldId id="525" r:id="rId9"/>
+    <p:sldId id="420" r:id="rId10"/>
+    <p:sldId id="312" r:id="rId11"/>
+    <p:sldId id="313" r:id="rId12"/>
+    <p:sldId id="440" r:id="rId13"/>
+    <p:sldId id="439" r:id="rId14"/>
+    <p:sldId id="447" r:id="rId15"/>
+    <p:sldId id="448" r:id="rId16"/>
+    <p:sldId id="315" r:id="rId17"/>
+    <p:sldId id="459" r:id="rId18"/>
+    <p:sldId id="468" r:id="rId19"/>
+    <p:sldId id="469" r:id="rId20"/>
+    <p:sldId id="438" r:id="rId21"/>
+    <p:sldId id="470" r:id="rId22"/>
+    <p:sldId id="443" r:id="rId23"/>
+    <p:sldId id="463" r:id="rId24"/>
+    <p:sldId id="444" r:id="rId25"/>
+    <p:sldId id="465" r:id="rId26"/>
+    <p:sldId id="360" r:id="rId27"/>
+    <p:sldId id="491" r:id="rId28"/>
+    <p:sldId id="472" r:id="rId29"/>
+    <p:sldId id="474" r:id="rId30"/>
+    <p:sldId id="488" r:id="rId31"/>
+    <p:sldId id="482" r:id="rId32"/>
+    <p:sldId id="485" r:id="rId33"/>
+    <p:sldId id="486" r:id="rId34"/>
+    <p:sldId id="487" r:id="rId35"/>
+    <p:sldId id="484" r:id="rId36"/>
+    <p:sldId id="489" r:id="rId37"/>
   </p:sldIdLst>
   <p:sldSz cx="9144000" cy="6858000" type="screen4x3"/>
   <p:notesSz cx="6858000" cy="9144000"/>
@@ -241,7 +243,7 @@
           <a:p>
             <a:fld id="{66264E94-E094-4DC3-B5D0-CC5878278620}" type="datetimeFigureOut">
               <a:rPr lang="en-US" smtClean="0"/>
-              <a:t>11/15/2016</a:t>
+              <a:t>6/4/2017</a:t>
             </a:fld>
             <a:endParaRPr lang="en-US"/>
           </a:p>
@@ -582,7 +584,7 @@
     </p:spTree>
     <p:extLst>
       <p:ext uri="{BB962C8B-B14F-4D97-AF65-F5344CB8AC3E}">
-        <p14:creationId xmlns:p14="http://schemas.microsoft.com/office/powerpoint/2010/main" val="645914758"/>
+        <p14:creationId xmlns:p14="http://schemas.microsoft.com/office/powerpoint/2010/main" val="3664053163"/>
       </p:ext>
     </p:extLst>
   </p:cSld>
@@ -657,7 +659,7 @@
           <a:p>
             <a:fld id="{26DFBAF7-3AE2-4F22-92F7-C6C791B00F96}" type="slidenum">
               <a:rPr lang="en-US" smtClean="0"/>
-              <a:t>13</a:t>
+              <a:t>15</a:t>
             </a:fld>
             <a:endParaRPr lang="en-US"/>
           </a:p>
@@ -761,7 +763,7 @@
           <a:p>
             <a:fld id="{26DFBAF7-3AE2-4F22-92F7-C6C791B00F96}" type="slidenum">
               <a:rPr lang="en-US" smtClean="0"/>
-              <a:t>23</a:t>
+              <a:t>25</a:t>
             </a:fld>
             <a:endParaRPr lang="en-US"/>
           </a:p>
@@ -848,7 +850,7 @@
           <a:p>
             <a:fld id="{26DFBAF7-3AE2-4F22-92F7-C6C791B00F96}" type="slidenum">
               <a:rPr lang="en-US" smtClean="0"/>
-              <a:t>27</a:t>
+              <a:t>29</a:t>
             </a:fld>
             <a:endParaRPr lang="en-US"/>
           </a:p>
@@ -963,7 +965,7 @@
           <a:p>
             <a:fld id="{26DFBAF7-3AE2-4F22-92F7-C6C791B00F96}" type="slidenum">
               <a:rPr lang="en-US" smtClean="0"/>
-              <a:t>28</a:t>
+              <a:t>30</a:t>
             </a:fld>
             <a:endParaRPr lang="en-US"/>
           </a:p>
@@ -1050,7 +1052,7 @@
           <a:p>
             <a:fld id="{26DFBAF7-3AE2-4F22-92F7-C6C791B00F96}" type="slidenum">
               <a:rPr lang="en-US" smtClean="0"/>
-              <a:t>33</a:t>
+              <a:t>35</a:t>
             </a:fld>
             <a:endParaRPr lang="en-US"/>
           </a:p>
@@ -1226,7 +1228,7 @@
           <a:p>
             <a:fld id="{26DFBAF7-3AE2-4F22-92F7-C6C791B00F96}" type="slidenum">
               <a:rPr lang="en-US" smtClean="0"/>
-              <a:t>5</a:t>
+              <a:t>8</a:t>
             </a:fld>
             <a:endParaRPr lang="en-US"/>
           </a:p>
@@ -1235,7 +1237,7 @@
     </p:spTree>
     <p:extLst>
       <p:ext uri="{BB962C8B-B14F-4D97-AF65-F5344CB8AC3E}">
-        <p14:creationId xmlns:p14="http://schemas.microsoft.com/office/powerpoint/2010/main" val="758991599"/>
+        <p14:creationId xmlns:p14="http://schemas.microsoft.com/office/powerpoint/2010/main" val="460884930"/>
       </p:ext>
     </p:extLst>
   </p:cSld>
@@ -1313,7 +1315,7 @@
           <a:p>
             <a:fld id="{26DFBAF7-3AE2-4F22-92F7-C6C791B00F96}" type="slidenum">
               <a:rPr lang="en-US" smtClean="0"/>
-              <a:t>7</a:t>
+              <a:t>9</a:t>
             </a:fld>
             <a:endParaRPr lang="en-US"/>
           </a:p>
@@ -1397,7 +1399,7 @@
           <a:p>
             <a:fld id="{26DFBAF7-3AE2-4F22-92F7-C6C791B00F96}" type="slidenum">
               <a:rPr lang="en-US" smtClean="0"/>
-              <a:t>8</a:t>
+              <a:t>10</a:t>
             </a:fld>
             <a:endParaRPr lang="en-US"/>
           </a:p>
@@ -1481,7 +1483,7 @@
           <a:p>
             <a:fld id="{26DFBAF7-3AE2-4F22-92F7-C6C791B00F96}" type="slidenum">
               <a:rPr lang="en-US" smtClean="0"/>
-              <a:t>9</a:t>
+              <a:t>11</a:t>
             </a:fld>
             <a:endParaRPr lang="en-US"/>
           </a:p>
@@ -1568,7 +1570,7 @@
           <a:p>
             <a:fld id="{26DFBAF7-3AE2-4F22-92F7-C6C791B00F96}" type="slidenum">
               <a:rPr lang="en-US" smtClean="0"/>
-              <a:t>10</a:t>
+              <a:t>12</a:t>
             </a:fld>
             <a:endParaRPr lang="en-US"/>
           </a:p>
@@ -1672,7 +1674,7 @@
           <a:p>
             <a:fld id="{26DFBAF7-3AE2-4F22-92F7-C6C791B00F96}" type="slidenum">
               <a:rPr lang="en-US" smtClean="0"/>
-              <a:t>11</a:t>
+              <a:t>13</a:t>
             </a:fld>
             <a:endParaRPr lang="en-US"/>
           </a:p>
@@ -1756,7 +1758,7 @@
           <a:p>
             <a:fld id="{26DFBAF7-3AE2-4F22-92F7-C6C791B00F96}" type="slidenum">
               <a:rPr lang="en-US" smtClean="0"/>
-              <a:t>12</a:t>
+              <a:t>14</a:t>
             </a:fld>
             <a:endParaRPr lang="en-US"/>
           </a:p>
@@ -1966,7 +1968,7 @@
           <a:p>
             <a:fld id="{7DA4D0C8-A7A7-43CA-AD7D-260A70E1B0E9}" type="datetime1">
               <a:rPr lang="en-US" smtClean="0"/>
-              <a:t>11/15/2016</a:t>
+              <a:t>6/4/2017</a:t>
             </a:fld>
             <a:endParaRPr lang="en-US"/>
           </a:p>
@@ -2229,7 +2231,7 @@
           <a:p>
             <a:fld id="{D1DF5CD3-8E34-4CD4-B393-F45942C3DC6C}" type="datetime1">
               <a:rPr lang="en-US" smtClean="0"/>
-              <a:t>11/15/2016</a:t>
+              <a:t>6/4/2017</a:t>
             </a:fld>
             <a:endParaRPr lang="en-US"/>
           </a:p>
@@ -2402,7 +2404,7 @@
           <a:p>
             <a:fld id="{0BAB0CA0-0105-471B-AD04-3BC0D026062B}" type="datetime1">
               <a:rPr lang="en-US" smtClean="0"/>
-              <a:t>11/15/2016</a:t>
+              <a:t>6/4/2017</a:t>
             </a:fld>
             <a:endParaRPr lang="en-US"/>
           </a:p>
@@ -2571,7 +2573,7 @@
           <a:p>
             <a:fld id="{FCFEA6F2-AEEB-46F3-98F4-8F4B9EBDE2CB}" type="datetime1">
               <a:rPr lang="en-US" smtClean="0"/>
-              <a:t>11/15/2016</a:t>
+              <a:t>6/4/2017</a:t>
             </a:fld>
             <a:endParaRPr lang="en-US"/>
           </a:p>
@@ -2820,7 +2822,7 @@
           <a:p>
             <a:fld id="{7B871230-72A6-47A0-B509-909E257E3649}" type="datetime1">
               <a:rPr lang="en-US" smtClean="0"/>
-              <a:t>11/15/2016</a:t>
+              <a:t>6/4/2017</a:t>
             </a:fld>
             <a:endParaRPr lang="en-US"/>
           </a:p>
@@ -3102,7 +3104,7 @@
           <a:p>
             <a:fld id="{E111336B-1609-4826-A113-724DFDC37E5A}" type="datetime1">
               <a:rPr lang="en-US" smtClean="0"/>
-              <a:t>11/15/2016</a:t>
+              <a:t>6/4/2017</a:t>
             </a:fld>
             <a:endParaRPr lang="en-US"/>
           </a:p>
@@ -3540,7 +3542,7 @@
           <a:p>
             <a:fld id="{FA43C220-716F-4291-9CAE-338D452EAEA1}" type="datetime1">
               <a:rPr lang="en-US" smtClean="0"/>
-              <a:t>11/15/2016</a:t>
+              <a:t>6/4/2017</a:t>
             </a:fld>
             <a:endParaRPr lang="en-US"/>
           </a:p>
@@ -3652,7 +3654,7 @@
           <a:p>
             <a:fld id="{F72FE3C7-B9A2-4A40-876C-D9896B121A47}" type="datetime1">
               <a:rPr lang="en-US" smtClean="0"/>
-              <a:t>11/15/2016</a:t>
+              <a:t>6/4/2017</a:t>
             </a:fld>
             <a:endParaRPr lang="en-US"/>
           </a:p>
@@ -3742,7 +3744,7 @@
           <a:p>
             <a:fld id="{02528D64-E478-4943-9431-4375F4B17CDF}" type="datetime1">
               <a:rPr lang="en-US" smtClean="0"/>
-              <a:t>11/15/2016</a:t>
+              <a:t>6/4/2017</a:t>
             </a:fld>
             <a:endParaRPr lang="en-US"/>
           </a:p>
@@ -3984,7 +3986,7 @@
           <a:p>
             <a:fld id="{D090B2AF-0223-4C01-A505-587876FE8072}" type="datetime1">
               <a:rPr lang="en-US" smtClean="0"/>
-              <a:t>11/15/2016</a:t>
+              <a:t>6/4/2017</a:t>
             </a:fld>
             <a:endParaRPr lang="en-US"/>
           </a:p>
@@ -4276,7 +4278,7 @@
           <a:p>
             <a:fld id="{FF9AFD15-0810-44F5-92C8-3703534CCAB2}" type="datetime1">
               <a:rPr lang="en-US" smtClean="0"/>
-              <a:t>11/15/2016</a:t>
+              <a:t>6/4/2017</a:t>
             </a:fld>
             <a:endParaRPr lang="en-US"/>
           </a:p>
@@ -4568,7 +4570,7 @@
           <a:p>
             <a:fld id="{8C389987-8D32-4ECF-8B29-C171521FAADD}" type="datetime1">
               <a:rPr lang="en-US" smtClean="0"/>
-              <a:t>11/15/2016</a:t>
+              <a:t>6/4/2017</a:t>
             </a:fld>
             <a:endParaRPr lang="en-US"/>
           </a:p>
@@ -5079,16 +5081,37 @@
           <a:p>
             <a:pPr algn="ctr"/>
             <a:r>
-              <a:rPr lang="en-US" sz="3000" u="sng" dirty="0"/>
-              <a:t>MUN R-Bar:</a:t>
+              <a:rPr lang="en-US" sz="3000" dirty="0">
+                <a:solidFill>
+                  <a:srgbClr val="C00000"/>
+                </a:solidFill>
+              </a:rPr>
+              <a:t>Introduction to R and R </a:t>
+            </a:r>
+            <a:r>
+              <a:rPr lang="en-US" sz="3000" dirty="0" smtClean="0">
+                <a:solidFill>
+                  <a:srgbClr val="C00000"/>
+                </a:solidFill>
+              </a:rPr>
+              <a:t>Studio</a:t>
             </a:r>
           </a:p>
           <a:p>
             <a:pPr algn="ctr"/>
             <a:r>
-              <a:rPr lang="en-US" sz="3000" dirty="0"/>
-              <a:t>Data wrangling in R</a:t>
-            </a:r>
+              <a:rPr lang="en-US" sz="3000" dirty="0" smtClean="0">
+                <a:solidFill>
+                  <a:srgbClr val="C00000"/>
+                </a:solidFill>
+              </a:rPr>
+              <a:t>Part II</a:t>
+            </a:r>
+            <a:endParaRPr lang="en-US" sz="3000" dirty="0">
+              <a:solidFill>
+                <a:srgbClr val="C00000"/>
+              </a:solidFill>
+            </a:endParaRPr>
           </a:p>
         </p:txBody>
       </p:sp>
@@ -5100,8 +5123,8 @@
         </p:nvSpPr>
         <p:spPr>
           <a:xfrm>
-            <a:off x="2432198" y="5953669"/>
-            <a:ext cx="2146742" cy="369332"/>
+            <a:off x="4724400" y="6324600"/>
+            <a:ext cx="4237057" cy="369332"/>
           </a:xfrm>
           <a:prstGeom prst="rect">
             <a:avLst/>
@@ -5114,14 +5137,24 @@
           </a:bodyPr>
           <a:lstStyle/>
           <a:p>
-            <a:r>
-              <a:rPr lang="en-US" dirty="0">
-                <a:solidFill>
-                  <a:srgbClr val="002060"/>
-                </a:solidFill>
-              </a:rPr>
-              <a:t>15 November 2016</a:t>
-            </a:r>
+            <a:pPr algn="ctr"/>
+            <a:r>
+              <a:rPr lang="en-US" dirty="0"/>
+              <a:t>Hosted </a:t>
+            </a:r>
+            <a:r>
+              <a:rPr lang="en-US" dirty="0" smtClean="0"/>
+              <a:t>by </a:t>
+            </a:r>
+            <a:r>
+              <a:rPr lang="en-US" dirty="0"/>
+              <a:t>R-Bar at Memorial </a:t>
+            </a:r>
+            <a:r>
+              <a:rPr lang="en-US" dirty="0" smtClean="0"/>
+              <a:t>University</a:t>
+            </a:r>
+            <a:endParaRPr lang="en-US" dirty="0"/>
           </a:p>
         </p:txBody>
       </p:sp>
@@ -5146,8 +5179,8 @@
         </p:blipFill>
         <p:spPr bwMode="auto">
           <a:xfrm>
-            <a:off x="228600" y="5257800"/>
-            <a:ext cx="2203598" cy="1430530"/>
+            <a:off x="6553200" y="4890044"/>
+            <a:ext cx="2209800" cy="1434556"/>
           </a:xfrm>
           <a:prstGeom prst="rect">
             <a:avLst/>
@@ -5164,16 +5197,92 @@
           </a:extLst>
         </p:spPr>
       </p:pic>
+      <p:pic>
+        <p:nvPicPr>
+          <p:cNvPr id="2" name="Picture 1"/>
+          <p:cNvPicPr>
+            <a:picLocks noChangeAspect="1"/>
+          </p:cNvPicPr>
+          <p:nvPr/>
+        </p:nvPicPr>
+        <p:blipFill>
+          <a:blip r:embed="rId4" cstate="print">
+            <a:extLst>
+              <a:ext uri="{28A0092B-C50C-407E-A947-70E740481C1C}">
+                <a14:useLocalDpi xmlns:a14="http://schemas.microsoft.com/office/drawing/2010/main" val="0"/>
+              </a:ext>
+            </a:extLst>
+          </a:blip>
+          <a:stretch>
+            <a:fillRect/>
+          </a:stretch>
+        </p:blipFill>
+        <p:spPr>
+          <a:xfrm>
+            <a:off x="5068038" y="5037895"/>
+            <a:ext cx="1286705" cy="1286705"/>
+          </a:xfrm>
+          <a:prstGeom prst="rect">
+            <a:avLst/>
+          </a:prstGeom>
+        </p:spPr>
+      </p:pic>
+      <p:sp>
+        <p:nvSpPr>
+          <p:cNvPr id="6" name="TextBox 5"/>
+          <p:cNvSpPr txBox="1"/>
+          <p:nvPr/>
+        </p:nvSpPr>
+        <p:spPr>
+          <a:xfrm>
+            <a:off x="152400" y="6324600"/>
+            <a:ext cx="1524000" cy="369332"/>
+          </a:xfrm>
+          <a:prstGeom prst="rect">
+            <a:avLst/>
+          </a:prstGeom>
+          <a:noFill/>
+        </p:spPr>
+        <p:txBody>
+          <a:bodyPr wrap="square" rtlCol="0">
+            <a:spAutoFit/>
+          </a:bodyPr>
+          <a:lstStyle/>
+          <a:p>
+            <a:pPr algn="ctr"/>
+            <a:r>
+              <a:rPr lang="en-US" dirty="0" smtClean="0"/>
+              <a:t>June</a:t>
+            </a:r>
+            <a:r>
+              <a:rPr lang="en-US" dirty="0" smtClean="0"/>
+              <a:t> 7 </a:t>
+            </a:r>
+            <a:r>
+              <a:rPr lang="en-US" dirty="0" smtClean="0"/>
+              <a:t>2017</a:t>
+            </a:r>
+            <a:endParaRPr lang="en-US" dirty="0"/>
+          </a:p>
+        </p:txBody>
+      </p:sp>
     </p:spTree>
     <p:extLst>
       <p:ext uri="{BB962C8B-B14F-4D97-AF65-F5344CB8AC3E}">
-        <p14:creationId xmlns:p14="http://schemas.microsoft.com/office/powerpoint/2010/main" val="1200162610"/>
+        <p14:creationId xmlns:p14="http://schemas.microsoft.com/office/powerpoint/2010/main" val="2424171568"/>
       </p:ext>
     </p:extLst>
   </p:cSld>
   <p:clrMapOvr>
     <a:masterClrMapping/>
   </p:clrMapOvr>
+  <p:timing>
+    <p:tnLst>
+      <p:par>
+        <p:cTn id="1" dur="indefinite" restart="never" nodeType="tmRoot"/>
+      </p:par>
+    </p:tnLst>
+  </p:timing>
 </p:sld>
 </file>
 
@@ -5206,6 +5315,512 @@
         </p:nvSpPr>
         <p:spPr>
           <a:xfrm>
+            <a:off x="457199" y="152718"/>
+            <a:ext cx="8402321" cy="990282"/>
+          </a:xfrm>
+        </p:spPr>
+        <p:txBody>
+          <a:bodyPr>
+            <a:normAutofit/>
+          </a:bodyPr>
+          <a:lstStyle/>
+          <a:p>
+            <a:r>
+              <a:rPr lang="en-CA" dirty="0">
+                <a:solidFill>
+                  <a:srgbClr val="C00000"/>
+                </a:solidFill>
+              </a:rPr>
+              <a:t>Problems importing data</a:t>
+            </a:r>
+          </a:p>
+        </p:txBody>
+      </p:sp>
+      <p:sp>
+        <p:nvSpPr>
+          <p:cNvPr id="5" name="Content Placeholder 2"/>
+          <p:cNvSpPr>
+            <a:spLocks noGrp="1"/>
+          </p:cNvSpPr>
+          <p:nvPr>
+            <p:ph idx="1"/>
+          </p:nvPr>
+        </p:nvSpPr>
+        <p:spPr>
+          <a:xfrm>
+            <a:off x="457200" y="1295400"/>
+            <a:ext cx="7620000" cy="5562600"/>
+          </a:xfrm>
+        </p:spPr>
+        <p:txBody>
+          <a:bodyPr>
+            <a:normAutofit/>
+          </a:bodyPr>
+          <a:lstStyle/>
+          <a:p>
+            <a:r>
+              <a:rPr lang="en-US" dirty="0"/>
+              <a:t>Error Message:</a:t>
+            </a:r>
+            <a:r>
+              <a:rPr lang="en-US" b="0" dirty="0">
+                <a:solidFill>
+                  <a:schemeClr val="tx2"/>
+                </a:solidFill>
+                <a:latin typeface="Lucida Sans Typewriter" panose="020B0509030504030204" pitchFamily="49" charset="0"/>
+              </a:rPr>
+              <a:t> </a:t>
+            </a:r>
+            <a:r>
+              <a:rPr lang="en-US" b="0" dirty="0">
+                <a:solidFill>
+                  <a:srgbClr val="C00000"/>
+                </a:solidFill>
+                <a:latin typeface="Lucida Sans Typewriter" panose="020B0509030504030204" pitchFamily="49" charset="0"/>
+              </a:rPr>
+              <a:t>Error in file(file, “</a:t>
+            </a:r>
+            <a:r>
+              <a:rPr lang="en-US" b="0" dirty="0" err="1">
+                <a:solidFill>
+                  <a:srgbClr val="C00000"/>
+                </a:solidFill>
+                <a:latin typeface="Lucida Sans Typewriter" panose="020B0509030504030204" pitchFamily="49" charset="0"/>
+              </a:rPr>
+              <a:t>rt</a:t>
+            </a:r>
+            <a:r>
+              <a:rPr lang="en-US" b="0" dirty="0">
+                <a:solidFill>
+                  <a:srgbClr val="C00000"/>
+                </a:solidFill>
+                <a:latin typeface="Lucida Sans Typewriter" panose="020B0509030504030204" pitchFamily="49" charset="0"/>
+              </a:rPr>
+              <a:t>”) : cannot open the connection In addition: Warning message: In file(file, “</a:t>
+            </a:r>
+            <a:r>
+              <a:rPr lang="en-US" b="0" dirty="0" err="1">
+                <a:solidFill>
+                  <a:srgbClr val="C00000"/>
+                </a:solidFill>
+                <a:latin typeface="Lucida Sans Typewriter" panose="020B0509030504030204" pitchFamily="49" charset="0"/>
+              </a:rPr>
+              <a:t>rt</a:t>
+            </a:r>
+            <a:r>
+              <a:rPr lang="en-US" b="0" dirty="0">
+                <a:solidFill>
+                  <a:srgbClr val="C00000"/>
+                </a:solidFill>
+                <a:latin typeface="Lucida Sans Typewriter" panose="020B0509030504030204" pitchFamily="49" charset="0"/>
+              </a:rPr>
+              <a:t>”): cannot open file ‘sample’: No such file or directory</a:t>
+            </a:r>
+          </a:p>
+          <a:p>
+            <a:r>
+              <a:rPr lang="en-US" dirty="0"/>
+              <a:t>Issue:</a:t>
+            </a:r>
+            <a:r>
+              <a:rPr lang="en-US" b="0" dirty="0"/>
+              <a:t> R can’t find your file in the working directory you specified</a:t>
+            </a:r>
+          </a:p>
+          <a:p>
+            <a:r>
+              <a:rPr lang="en-US" dirty="0"/>
+              <a:t>Check:</a:t>
+            </a:r>
+            <a:r>
+              <a:rPr lang="en-US" b="0" dirty="0"/>
+              <a:t>	Did you set your working directory correctly</a:t>
+            </a:r>
+            <a:r>
+              <a:rPr lang="en-CA" b="0" dirty="0"/>
+              <a:t>?</a:t>
+            </a:r>
+          </a:p>
+          <a:p>
+            <a:r>
+              <a:rPr lang="en-CA" b="0" dirty="0"/>
+              <a:t>	Did you s</a:t>
+            </a:r>
+            <a:r>
+              <a:rPr lang="en-US" b="0" dirty="0" err="1"/>
+              <a:t>pell</a:t>
+            </a:r>
+            <a:r>
+              <a:rPr lang="en-US" b="0" dirty="0"/>
+              <a:t> the filename correctly?</a:t>
+            </a:r>
+          </a:p>
+          <a:p>
+            <a:r>
+              <a:rPr lang="en-US" b="0" dirty="0"/>
+              <a:t>	Did you include “.txt” in your filename?</a:t>
+            </a:r>
+          </a:p>
+          <a:p>
+            <a:r>
+              <a:rPr lang="en-US" b="0" dirty="0"/>
+              <a:t>	Did you save your file as a .txt in the correct folder?</a:t>
+            </a:r>
+          </a:p>
+          <a:p>
+            <a:r>
+              <a:rPr lang="en-US" dirty="0"/>
+              <a:t>Troubleshooting: </a:t>
+            </a:r>
+            <a:r>
+              <a:rPr lang="en-US" b="0" dirty="0"/>
+              <a:t>Use </a:t>
+            </a:r>
+            <a:r>
+              <a:rPr lang="en-US" b="0" dirty="0" err="1">
+                <a:solidFill>
+                  <a:srgbClr val="C00000"/>
+                </a:solidFill>
+                <a:latin typeface="Lucida Sans Typewriter" panose="020B0509030504030204" pitchFamily="49" charset="0"/>
+              </a:rPr>
+              <a:t>list.files</a:t>
+            </a:r>
+            <a:r>
+              <a:rPr lang="en-US" b="0" dirty="0">
+                <a:solidFill>
+                  <a:srgbClr val="C00000"/>
+                </a:solidFill>
+                <a:latin typeface="Lucida Sans Typewriter" panose="020B0509030504030204" pitchFamily="49" charset="0"/>
+              </a:rPr>
+              <a:t>()</a:t>
+            </a:r>
+            <a:r>
+              <a:rPr lang="en-US" b="0" dirty="0"/>
+              <a:t> to see a list of all the files available in your current working directory.</a:t>
+            </a:r>
+            <a:endParaRPr lang="en-US" dirty="0"/>
+          </a:p>
+          <a:p>
+            <a:pPr algn="ctr"/>
+            <a:endParaRPr lang="en-US" dirty="0"/>
+          </a:p>
+        </p:txBody>
+      </p:sp>
+    </p:spTree>
+    <p:extLst>
+      <p:ext uri="{BB962C8B-B14F-4D97-AF65-F5344CB8AC3E}">
+        <p14:creationId xmlns:p14="http://schemas.microsoft.com/office/powerpoint/2010/main" val="1105153398"/>
+      </p:ext>
+    </p:extLst>
+  </p:cSld>
+  <p:clrMapOvr>
+    <a:masterClrMapping/>
+  </p:clrMapOvr>
+</p:sld>
+</file>
+
+<file path=ppt/slides/slide11.xml><?xml version="1.0" encoding="utf-8"?>
+<p:sld xmlns:a="http://schemas.openxmlformats.org/drawingml/2006/main" xmlns:r="http://schemas.openxmlformats.org/officeDocument/2006/relationships" xmlns:p="http://schemas.openxmlformats.org/presentationml/2006/main">
+  <p:cSld>
+    <p:spTree>
+      <p:nvGrpSpPr>
+        <p:cNvPr id="1" name=""/>
+        <p:cNvGrpSpPr/>
+        <p:nvPr/>
+      </p:nvGrpSpPr>
+      <p:grpSpPr>
+        <a:xfrm>
+          <a:off x="0" y="0"/>
+          <a:ext cx="0" cy="0"/>
+          <a:chOff x="0" y="0"/>
+          <a:chExt cx="0" cy="0"/>
+        </a:xfrm>
+      </p:grpSpPr>
+      <p:sp>
+        <p:nvSpPr>
+          <p:cNvPr id="2" name="Title 1"/>
+          <p:cNvSpPr>
+            <a:spLocks noGrp="1"/>
+          </p:cNvSpPr>
+          <p:nvPr>
+            <p:ph type="title"/>
+          </p:nvPr>
+        </p:nvSpPr>
+        <p:spPr>
+          <a:xfrm>
+            <a:off x="457199" y="152718"/>
+            <a:ext cx="8402321" cy="990282"/>
+          </a:xfrm>
+        </p:spPr>
+        <p:txBody>
+          <a:bodyPr>
+            <a:normAutofit/>
+          </a:bodyPr>
+          <a:lstStyle/>
+          <a:p>
+            <a:r>
+              <a:rPr lang="en-CA" dirty="0">
+                <a:solidFill>
+                  <a:srgbClr val="C00000"/>
+                </a:solidFill>
+              </a:rPr>
+              <a:t>Problems importing data</a:t>
+            </a:r>
+          </a:p>
+        </p:txBody>
+      </p:sp>
+      <p:sp>
+        <p:nvSpPr>
+          <p:cNvPr id="5" name="Content Placeholder 2"/>
+          <p:cNvSpPr>
+            <a:spLocks noGrp="1"/>
+          </p:cNvSpPr>
+          <p:nvPr>
+            <p:ph idx="1"/>
+          </p:nvPr>
+        </p:nvSpPr>
+        <p:spPr>
+          <a:xfrm>
+            <a:off x="457200" y="1295400"/>
+            <a:ext cx="7620000" cy="5562600"/>
+          </a:xfrm>
+        </p:spPr>
+        <p:txBody>
+          <a:bodyPr>
+            <a:normAutofit/>
+          </a:bodyPr>
+          <a:lstStyle/>
+          <a:p>
+            <a:r>
+              <a:rPr lang="en-US" dirty="0"/>
+              <a:t>Error Message:</a:t>
+            </a:r>
+            <a:r>
+              <a:rPr lang="en-US" b="0" dirty="0">
+                <a:solidFill>
+                  <a:schemeClr val="tx2"/>
+                </a:solidFill>
+                <a:latin typeface="Lucida Sans Typewriter" panose="020B0509030504030204" pitchFamily="49" charset="0"/>
+              </a:rPr>
+              <a:t> </a:t>
+            </a:r>
+            <a:r>
+              <a:rPr lang="en-US" b="0" dirty="0"/>
+              <a:t>None</a:t>
+            </a:r>
+          </a:p>
+          <a:p>
+            <a:r>
+              <a:rPr lang="en-US" dirty="0"/>
+              <a:t>Issue:</a:t>
+            </a:r>
+            <a:r>
+              <a:rPr lang="en-US" b="0" dirty="0"/>
+              <a:t> The dataset just doesn’t look right!</a:t>
+            </a:r>
+          </a:p>
+          <a:p>
+            <a:r>
+              <a:rPr lang="en-US" dirty="0"/>
+              <a:t>Check:</a:t>
+            </a:r>
+            <a:r>
+              <a:rPr lang="en-US" b="0" dirty="0"/>
+              <a:t>	Is your spreadsheet set up right?</a:t>
+            </a:r>
+          </a:p>
+          <a:p>
+            <a:pPr marL="1485900" lvl="2" indent="-342900">
+              <a:buFont typeface="Arial" panose="020B0604020202020204" pitchFamily="34" charset="0"/>
+              <a:buChar char="•"/>
+            </a:pPr>
+            <a:r>
+              <a:rPr lang="en-US" b="0" dirty="0"/>
+              <a:t>no merged cells</a:t>
+            </a:r>
+          </a:p>
+          <a:p>
+            <a:pPr marL="1485900" lvl="2" indent="-342900">
+              <a:buFont typeface="Arial" panose="020B0604020202020204" pitchFamily="34" charset="0"/>
+              <a:buChar char="•"/>
+            </a:pPr>
+            <a:r>
+              <a:rPr lang="en-US" b="0" dirty="0"/>
+              <a:t>no extra rows (i.e. first row are variable names, data begins on second row) or blank rows</a:t>
+            </a:r>
+          </a:p>
+          <a:p>
+            <a:pPr marL="1485900" lvl="2" indent="-342900">
+              <a:buFont typeface="Arial" panose="020B0604020202020204" pitchFamily="34" charset="0"/>
+              <a:buChar char="•"/>
+            </a:pPr>
+            <a:r>
+              <a:rPr lang="en-US" b="0" dirty="0"/>
+              <a:t>no spaces or punctuation in variable names (may or may not cause issues, depending on specific circumstances)</a:t>
+            </a:r>
+          </a:p>
+          <a:p>
+            <a:pPr marL="1485900" lvl="2" indent="-342900">
+              <a:buFont typeface="Arial" panose="020B0604020202020204" pitchFamily="34" charset="0"/>
+              <a:buChar char="•"/>
+            </a:pPr>
+            <a:r>
+              <a:rPr lang="en-US" b="0" dirty="0"/>
+              <a:t>Excel can be finicky, and “activate” empty cells in extra rows and/or columns. Do you see columns “X.1”, “X.2”?</a:t>
+            </a:r>
+          </a:p>
+          <a:p>
+            <a:pPr marL="1485900" lvl="2" indent="-342900">
+              <a:buFont typeface="Arial" panose="020B0604020202020204" pitchFamily="34" charset="0"/>
+              <a:buChar char="•"/>
+            </a:pPr>
+            <a:r>
+              <a:rPr lang="en-US" b="0" dirty="0"/>
+              <a:t>if you don’t have headers (column names) in your dataset, you need to </a:t>
+            </a:r>
+            <a:r>
+              <a:rPr lang="en-US" dirty="0"/>
+              <a:t>change the </a:t>
+            </a:r>
+            <a:r>
+              <a:rPr lang="en-US" dirty="0">
+                <a:solidFill>
+                  <a:schemeClr val="tx2"/>
+                </a:solidFill>
+                <a:latin typeface="Lucida Sans Typewriter" panose="020B0509030504030204" pitchFamily="49" charset="0"/>
+              </a:rPr>
+              <a:t>header</a:t>
+            </a:r>
+            <a:r>
+              <a:rPr lang="en-US" dirty="0"/>
+              <a:t> argument from </a:t>
+            </a:r>
+            <a:r>
+              <a:rPr lang="en-US" dirty="0">
+                <a:solidFill>
+                  <a:srgbClr val="C00000"/>
+                </a:solidFill>
+                <a:latin typeface="Lucida Sans Typewriter" panose="020B0509030504030204" pitchFamily="49" charset="0"/>
+              </a:rPr>
+              <a:t>TRUE</a:t>
+            </a:r>
+            <a:r>
+              <a:rPr lang="en-US" dirty="0">
+                <a:solidFill>
+                  <a:srgbClr val="C00000"/>
+                </a:solidFill>
+              </a:rPr>
+              <a:t> </a:t>
+            </a:r>
+            <a:r>
+              <a:rPr lang="en-US" dirty="0"/>
+              <a:t>(default) to </a:t>
+            </a:r>
+            <a:r>
+              <a:rPr lang="en-US" dirty="0">
+                <a:solidFill>
+                  <a:srgbClr val="C00000"/>
+                </a:solidFill>
+                <a:latin typeface="Lucida Sans Typewriter" panose="020B0509030504030204" pitchFamily="49" charset="0"/>
+              </a:rPr>
+              <a:t>FALSE</a:t>
+            </a:r>
+            <a:endParaRPr lang="en-US" b="0" dirty="0">
+              <a:solidFill>
+                <a:srgbClr val="C00000"/>
+              </a:solidFill>
+              <a:latin typeface="Lucida Sans Typewriter" panose="020B0509030504030204" pitchFamily="49" charset="0"/>
+            </a:endParaRPr>
+          </a:p>
+          <a:p>
+            <a:pPr algn="ctr"/>
+            <a:r>
+              <a:rPr lang="en-US" sz="1700" b="0" dirty="0" err="1">
+                <a:solidFill>
+                  <a:srgbClr val="C00000"/>
+                </a:solidFill>
+                <a:latin typeface="Lucida Sans Typewriter" panose="020B0509030504030204" pitchFamily="49" charset="0"/>
+              </a:rPr>
+              <a:t>mydata</a:t>
+            </a:r>
+            <a:r>
+              <a:rPr lang="en-US" sz="1700" b="0" dirty="0">
+                <a:solidFill>
+                  <a:srgbClr val="C00000"/>
+                </a:solidFill>
+                <a:latin typeface="Lucida Sans Typewriter" panose="020B0509030504030204" pitchFamily="49" charset="0"/>
+              </a:rPr>
+              <a:t>&lt;-</a:t>
+            </a:r>
+            <a:r>
+              <a:rPr lang="en-US" sz="1700" b="0" dirty="0" err="1">
+                <a:solidFill>
+                  <a:srgbClr val="C00000"/>
+                </a:solidFill>
+                <a:latin typeface="Lucida Sans Typewriter" panose="020B0509030504030204" pitchFamily="49" charset="0"/>
+              </a:rPr>
+              <a:t>read.delim</a:t>
+            </a:r>
+            <a:r>
+              <a:rPr lang="en-US" sz="1700" b="0" dirty="0">
+                <a:solidFill>
+                  <a:srgbClr val="C00000"/>
+                </a:solidFill>
+                <a:latin typeface="Lucida Sans Typewriter" panose="020B0509030504030204" pitchFamily="49" charset="0"/>
+              </a:rPr>
+              <a:t>(“filename.txt”, header=FALSE)</a:t>
+            </a:r>
+            <a:endParaRPr lang="en-US" sz="1700" dirty="0">
+              <a:solidFill>
+                <a:srgbClr val="C00000"/>
+              </a:solidFill>
+              <a:latin typeface="Lucida Sans Typewriter" panose="020B0509030504030204" pitchFamily="49" charset="0"/>
+            </a:endParaRPr>
+          </a:p>
+        </p:txBody>
+      </p:sp>
+    </p:spTree>
+    <p:extLst>
+      <p:ext uri="{BB962C8B-B14F-4D97-AF65-F5344CB8AC3E}">
+        <p14:creationId xmlns:p14="http://schemas.microsoft.com/office/powerpoint/2010/main" val="2471810845"/>
+      </p:ext>
+    </p:extLst>
+  </p:cSld>
+  <p:clrMapOvr>
+    <a:masterClrMapping/>
+  </p:clrMapOvr>
+</p:sld>
+</file>
+
+<file path=ppt/slides/slide12.xml><?xml version="1.0" encoding="utf-8"?>
+<p:sld xmlns:a="http://schemas.openxmlformats.org/drawingml/2006/main" xmlns:r="http://schemas.openxmlformats.org/officeDocument/2006/relationships" xmlns:p="http://schemas.openxmlformats.org/presentationml/2006/main">
+  <p:cSld>
+    <p:spTree>
+      <p:nvGrpSpPr>
+        <p:cNvPr id="1" name=""/>
+        <p:cNvGrpSpPr/>
+        <p:nvPr/>
+      </p:nvGrpSpPr>
+      <p:grpSpPr>
+        <a:xfrm>
+          <a:off x="0" y="0"/>
+          <a:ext cx="0" cy="0"/>
+          <a:chOff x="0" y="0"/>
+          <a:chExt cx="0" cy="0"/>
+        </a:xfrm>
+      </p:grpSpPr>
+      <p:sp>
+        <p:nvSpPr>
+          <p:cNvPr id="2" name="Title 1"/>
+          <p:cNvSpPr>
+            <a:spLocks noGrp="1"/>
+          </p:cNvSpPr>
+          <p:nvPr>
+            <p:ph type="title"/>
+          </p:nvPr>
+        </p:nvSpPr>
+        <p:spPr>
+          <a:xfrm>
             <a:off x="457200" y="152718"/>
             <a:ext cx="8229600" cy="761682"/>
           </a:xfrm>
@@ -5473,7 +6088,7 @@
 </p:sld>
 </file>
 
-<file path=ppt/slides/slide11.xml><?xml version="1.0" encoding="utf-8"?>
+<file path=ppt/slides/slide13.xml><?xml version="1.0" encoding="utf-8"?>
 <p:sld xmlns:a="http://schemas.openxmlformats.org/drawingml/2006/main" xmlns:r="http://schemas.openxmlformats.org/officeDocument/2006/relationships" xmlns:p="http://schemas.openxmlformats.org/presentationml/2006/main">
   <p:cSld>
     <p:bg>
@@ -5860,10 +6475,17 @@
   <p:clrMapOvr>
     <a:masterClrMapping/>
   </p:clrMapOvr>
+  <p:timing>
+    <p:tnLst>
+      <p:par>
+        <p:cTn id="1" dur="indefinite" restart="never" nodeType="tmRoot"/>
+      </p:par>
+    </p:tnLst>
+  </p:timing>
 </p:sld>
 </file>
 
-<file path=ppt/slides/slide12.xml><?xml version="1.0" encoding="utf-8"?>
+<file path=ppt/slides/slide14.xml><?xml version="1.0" encoding="utf-8"?>
 <p:sld xmlns:a="http://schemas.openxmlformats.org/drawingml/2006/main" xmlns:r="http://schemas.openxmlformats.org/officeDocument/2006/relationships" xmlns:p="http://schemas.openxmlformats.org/presentationml/2006/main">
   <p:cSld>
     <p:spTree>
@@ -6151,7 +6773,7 @@
 </p:sld>
 </file>
 
-<file path=ppt/slides/slide13.xml><?xml version="1.0" encoding="utf-8"?>
+<file path=ppt/slides/slide15.xml><?xml version="1.0" encoding="utf-8"?>
 <p:sld xmlns:a="http://schemas.openxmlformats.org/drawingml/2006/main" xmlns:r="http://schemas.openxmlformats.org/officeDocument/2006/relationships" xmlns:p="http://schemas.openxmlformats.org/presentationml/2006/main">
   <p:cSld>
     <p:spTree>
@@ -6471,7 +7093,7 @@
 </p:sld>
 </file>
 
-<file path=ppt/slides/slide14.xml><?xml version="1.0" encoding="utf-8"?>
+<file path=ppt/slides/slide16.xml><?xml version="1.0" encoding="utf-8"?>
 <p:sld xmlns:a="http://schemas.openxmlformats.org/drawingml/2006/main" xmlns:r="http://schemas.openxmlformats.org/officeDocument/2006/relationships" xmlns:p="http://schemas.openxmlformats.org/presentationml/2006/main">
   <p:cSld>
     <p:spTree>
@@ -6593,7 +7215,7 @@
 </p:sld>
 </file>
 
-<file path=ppt/slides/slide15.xml><?xml version="1.0" encoding="utf-8"?>
+<file path=ppt/slides/slide17.xml><?xml version="1.0" encoding="utf-8"?>
 <p:sld xmlns:a="http://schemas.openxmlformats.org/drawingml/2006/main" xmlns:r="http://schemas.openxmlformats.org/officeDocument/2006/relationships" xmlns:p="http://schemas.openxmlformats.org/presentationml/2006/main">
   <p:cSld>
     <p:spTree>
@@ -6821,7 +7443,7 @@
 </p:sld>
 </file>
 
-<file path=ppt/slides/slide16.xml><?xml version="1.0" encoding="utf-8"?>
+<file path=ppt/slides/slide18.xml><?xml version="1.0" encoding="utf-8"?>
 <p:sld xmlns:a="http://schemas.openxmlformats.org/drawingml/2006/main" xmlns:r="http://schemas.openxmlformats.org/officeDocument/2006/relationships" xmlns:p="http://schemas.openxmlformats.org/presentationml/2006/main">
   <p:cSld>
     <p:spTree>
@@ -7521,7 +8143,7 @@
 </p:sld>
 </file>
 
-<file path=ppt/slides/slide17.xml><?xml version="1.0" encoding="utf-8"?>
+<file path=ppt/slides/slide19.xml><?xml version="1.0" encoding="utf-8"?>
 <p:sld xmlns:a="http://schemas.openxmlformats.org/drawingml/2006/main" xmlns:r="http://schemas.openxmlformats.org/officeDocument/2006/relationships" xmlns:p="http://schemas.openxmlformats.org/presentationml/2006/main">
   <p:cSld>
     <p:spTree>
@@ -7859,7 +8481,7 @@
 </p:sld>
 </file>
 
-<file path=ppt/slides/slide18.xml><?xml version="1.0" encoding="utf-8"?>
+<file path=ppt/slides/slide2.xml><?xml version="1.0" encoding="utf-8"?>
 <p:sld xmlns:a="http://schemas.openxmlformats.org/drawingml/2006/main" xmlns:r="http://schemas.openxmlformats.org/officeDocument/2006/relationships" xmlns:p="http://schemas.openxmlformats.org/presentationml/2006/main">
   <p:cSld>
     <p:spTree>
@@ -7878,6 +8500,356 @@
       </p:grpSpPr>
       <p:sp>
         <p:nvSpPr>
+          <p:cNvPr id="2" name="Title 1"/>
+          <p:cNvSpPr>
+            <a:spLocks noGrp="1"/>
+          </p:cNvSpPr>
+          <p:nvPr>
+            <p:ph type="title"/>
+          </p:nvPr>
+        </p:nvSpPr>
+        <p:spPr>
+          <a:xfrm>
+            <a:off x="457200" y="152718"/>
+            <a:ext cx="8382000" cy="761682"/>
+          </a:xfrm>
+        </p:spPr>
+        <p:txBody>
+          <a:bodyPr>
+            <a:normAutofit/>
+          </a:bodyPr>
+          <a:lstStyle/>
+          <a:p>
+            <a:r>
+              <a:rPr lang="en-CA" dirty="0" smtClean="0">
+                <a:solidFill>
+                  <a:srgbClr val="C00000"/>
+                </a:solidFill>
+              </a:rPr>
+              <a:t>workshop Resources</a:t>
+            </a:r>
+            <a:endParaRPr lang="en-CA" sz="1700" cap="none" dirty="0">
+              <a:solidFill>
+                <a:srgbClr val="C00000"/>
+              </a:solidFill>
+              <a:latin typeface="+mn-lt"/>
+            </a:endParaRPr>
+          </a:p>
+        </p:txBody>
+      </p:sp>
+      <p:sp>
+        <p:nvSpPr>
+          <p:cNvPr id="3" name="Content Placeholder 2"/>
+          <p:cNvSpPr>
+            <a:spLocks noGrp="1"/>
+          </p:cNvSpPr>
+          <p:nvPr>
+            <p:ph idx="1"/>
+          </p:nvPr>
+        </p:nvSpPr>
+        <p:spPr>
+          <a:xfrm>
+            <a:off x="457200" y="1143000"/>
+            <a:ext cx="8153400" cy="5562600"/>
+          </a:xfrm>
+        </p:spPr>
+        <p:txBody>
+          <a:bodyPr>
+            <a:normAutofit/>
+          </a:bodyPr>
+          <a:lstStyle/>
+          <a:p>
+            <a:pPr marL="457200" indent="-457200">
+              <a:buClr>
+                <a:schemeClr val="tx1"/>
+              </a:buClr>
+              <a:buFont typeface="Wingdings" panose="05000000000000000000" pitchFamily="2" charset="2"/>
+              <a:buChar char="q"/>
+            </a:pPr>
+            <a:r>
+              <a:rPr lang="en-CA" dirty="0" smtClean="0"/>
+              <a:t>GitHub Repository</a:t>
+            </a:r>
+          </a:p>
+          <a:p>
+            <a:pPr lvl="1" indent="0">
+              <a:buClr>
+                <a:schemeClr val="tx1"/>
+              </a:buClr>
+              <a:buNone/>
+            </a:pPr>
+            <a:r>
+              <a:rPr lang="en-CA" dirty="0" smtClean="0"/>
+              <a:t>https</a:t>
+            </a:r>
+            <a:r>
+              <a:rPr lang="en-CA" dirty="0"/>
+              <a:t>://</a:t>
+            </a:r>
+            <a:r>
+              <a:rPr lang="en-CA" dirty="0" smtClean="0"/>
+              <a:t>github.com/DanielleQuinn/RBarMUN</a:t>
+            </a:r>
+          </a:p>
+          <a:p>
+            <a:pPr marL="1600200" lvl="2" indent="-457200">
+              <a:buClr>
+                <a:schemeClr val="tx1"/>
+              </a:buClr>
+              <a:buFont typeface="Wingdings" panose="05000000000000000000" pitchFamily="2" charset="2"/>
+              <a:buChar char="§"/>
+            </a:pPr>
+            <a:r>
+              <a:rPr lang="en-CA" dirty="0" smtClean="0"/>
+              <a:t>Complete </a:t>
+            </a:r>
+            <a:r>
+              <a:rPr lang="en-CA" dirty="0" smtClean="0"/>
+              <a:t>and blank .R scripts</a:t>
+            </a:r>
+            <a:endParaRPr lang="en-CA" dirty="0" smtClean="0"/>
+          </a:p>
+          <a:p>
+            <a:pPr marL="1600200" lvl="2" indent="-457200">
+              <a:buClr>
+                <a:schemeClr val="tx1"/>
+              </a:buClr>
+              <a:buFont typeface="Wingdings" panose="05000000000000000000" pitchFamily="2" charset="2"/>
+              <a:buChar char="§"/>
+            </a:pPr>
+            <a:r>
+              <a:rPr lang="en-CA" dirty="0" smtClean="0"/>
+              <a:t>This presentation</a:t>
+            </a:r>
+          </a:p>
+          <a:p>
+            <a:pPr marL="1600200" lvl="2" indent="-457200">
+              <a:buClr>
+                <a:schemeClr val="tx1"/>
+              </a:buClr>
+              <a:buFont typeface="Wingdings" panose="05000000000000000000" pitchFamily="2" charset="2"/>
+              <a:buChar char="§"/>
+            </a:pPr>
+            <a:r>
+              <a:rPr lang="en-CA" dirty="0" smtClean="0"/>
+              <a:t>Demonstration data file</a:t>
+            </a:r>
+            <a:endParaRPr lang="en-CA" dirty="0"/>
+          </a:p>
+          <a:p>
+            <a:pPr marL="457200" indent="-457200">
+              <a:buClr>
+                <a:schemeClr val="tx1"/>
+              </a:buClr>
+              <a:buFont typeface="Wingdings" panose="05000000000000000000" pitchFamily="2" charset="2"/>
+              <a:buChar char="q"/>
+            </a:pPr>
+            <a:r>
+              <a:rPr lang="en-CA" dirty="0"/>
+              <a:t>Shared note </a:t>
+            </a:r>
+            <a:r>
+              <a:rPr lang="en-CA" dirty="0" smtClean="0"/>
+              <a:t>space</a:t>
+            </a:r>
+          </a:p>
+          <a:p>
+            <a:pPr lvl="1" indent="0">
+              <a:buClr>
+                <a:schemeClr val="tx1"/>
+              </a:buClr>
+              <a:buNone/>
+            </a:pPr>
+            <a:r>
+              <a:rPr lang="en-CA" dirty="0" smtClean="0"/>
+              <a:t>https</a:t>
+            </a:r>
+            <a:r>
+              <a:rPr lang="en-CA" dirty="0"/>
+              <a:t>://</a:t>
+            </a:r>
+            <a:r>
+              <a:rPr lang="en-CA" dirty="0" smtClean="0"/>
+              <a:t>public.etherpad-mozilla.org/p/RBarMUN_Spring2017</a:t>
+            </a:r>
+            <a:endParaRPr lang="en-CA" dirty="0"/>
+          </a:p>
+          <a:p>
+            <a:pPr>
+              <a:buClr>
+                <a:schemeClr val="tx1"/>
+              </a:buClr>
+            </a:pPr>
+            <a:endParaRPr lang="en-CA" dirty="0" smtClean="0"/>
+          </a:p>
+          <a:p>
+            <a:pPr>
+              <a:buClr>
+                <a:schemeClr val="tx1"/>
+              </a:buClr>
+            </a:pPr>
+            <a:endParaRPr lang="en-CA" dirty="0"/>
+          </a:p>
+          <a:p>
+            <a:pPr marL="457200" indent="-457200">
+              <a:buClr>
+                <a:schemeClr val="tx1"/>
+              </a:buClr>
+              <a:buFont typeface="Wingdings" panose="05000000000000000000" pitchFamily="2" charset="2"/>
+              <a:buChar char="q"/>
+            </a:pPr>
+            <a:r>
+              <a:rPr lang="en-CA" dirty="0" smtClean="0"/>
+              <a:t>Lubridate Tutorial</a:t>
+            </a:r>
+          </a:p>
+          <a:p>
+            <a:pPr lvl="1" indent="0">
+              <a:buClr>
+                <a:schemeClr val="tx1"/>
+              </a:buClr>
+              <a:buNone/>
+            </a:pPr>
+            <a:r>
+              <a:rPr lang="en-CA" sz="1600" b="0" dirty="0" smtClean="0"/>
+              <a:t>http</a:t>
+            </a:r>
+            <a:r>
+              <a:rPr lang="en-CA" sz="1600" b="0" dirty="0"/>
+              <a:t>://daniellequinn.github.io/RLessons/FormattingDates/FormattingDates.html</a:t>
+            </a:r>
+          </a:p>
+          <a:p>
+            <a:pPr marL="457200" indent="-457200">
+              <a:buClr>
+                <a:schemeClr val="tx1"/>
+              </a:buClr>
+              <a:buFont typeface="Wingdings" panose="05000000000000000000" pitchFamily="2" charset="2"/>
+              <a:buChar char="q"/>
+            </a:pPr>
+            <a:r>
+              <a:rPr lang="en-CA" dirty="0" smtClean="0"/>
+              <a:t>Software Carpentry – Data Organization in Spreadsheets</a:t>
+            </a:r>
+            <a:endParaRPr lang="en-CA" dirty="0" smtClean="0"/>
+          </a:p>
+          <a:p>
+            <a:pPr lvl="1" indent="0">
+              <a:buClr>
+                <a:schemeClr val="tx1"/>
+              </a:buClr>
+              <a:buNone/>
+            </a:pPr>
+            <a:r>
+              <a:rPr lang="en-CA" dirty="0" smtClean="0"/>
+              <a:t>http</a:t>
+            </a:r>
+            <a:r>
+              <a:rPr lang="en-CA" dirty="0"/>
+              <a:t>://</a:t>
+            </a:r>
+            <a:r>
+              <a:rPr lang="en-CA" dirty="0" smtClean="0"/>
+              <a:t>www.datacarpentry.org/spreadsheet-ecology-lesson</a:t>
+            </a:r>
+            <a:endParaRPr lang="en-CA" b="0" dirty="0"/>
+          </a:p>
+        </p:txBody>
+      </p:sp>
+      <p:sp>
+        <p:nvSpPr>
+          <p:cNvPr id="4" name="Title 1"/>
+          <p:cNvSpPr txBox="1">
+            <a:spLocks/>
+          </p:cNvSpPr>
+          <p:nvPr/>
+        </p:nvSpPr>
+        <p:spPr>
+          <a:xfrm>
+            <a:off x="457200" y="3810000"/>
+            <a:ext cx="8382000" cy="761682"/>
+          </a:xfrm>
+          <a:prstGeom prst="rect">
+            <a:avLst/>
+          </a:prstGeom>
+        </p:spPr>
+        <p:txBody>
+          <a:bodyPr vert="horz" lIns="91440" tIns="45720" rIns="91440" bIns="45720" rtlCol="0" anchor="b">
+            <a:normAutofit/>
+          </a:bodyPr>
+          <a:lstStyle>
+            <a:lvl1pPr algn="l" defTabSz="914400" rtl="0" eaLnBrk="1" latinLnBrk="0" hangingPunct="1">
+              <a:spcBef>
+                <a:spcPct val="0"/>
+              </a:spcBef>
+              <a:buNone/>
+              <a:defRPr sz="3600" kern="1200" cap="all" spc="-60" baseline="0">
+                <a:solidFill>
+                  <a:schemeClr val="tx2"/>
+                </a:solidFill>
+                <a:latin typeface="+mj-lt"/>
+                <a:ea typeface="+mj-ea"/>
+                <a:cs typeface="+mj-cs"/>
+              </a:defRPr>
+            </a:lvl1pPr>
+          </a:lstStyle>
+          <a:p>
+            <a:r>
+              <a:rPr lang="en-CA" dirty="0" smtClean="0">
+                <a:solidFill>
+                  <a:srgbClr val="C00000"/>
+                </a:solidFill>
+              </a:rPr>
+              <a:t>Other Resources</a:t>
+            </a:r>
+            <a:endParaRPr lang="en-CA" sz="1700" cap="none" dirty="0">
+              <a:solidFill>
+                <a:srgbClr val="C00000"/>
+              </a:solidFill>
+              <a:latin typeface="+mn-lt"/>
+            </a:endParaRPr>
+          </a:p>
+        </p:txBody>
+      </p:sp>
+    </p:spTree>
+    <p:extLst>
+      <p:ext uri="{BB962C8B-B14F-4D97-AF65-F5344CB8AC3E}">
+        <p14:creationId xmlns:p14="http://schemas.microsoft.com/office/powerpoint/2010/main" val="1612853933"/>
+      </p:ext>
+    </p:extLst>
+  </p:cSld>
+  <p:clrMapOvr>
+    <a:masterClrMapping/>
+  </p:clrMapOvr>
+  <p:timing>
+    <p:tnLst>
+      <p:par>
+        <p:cTn id="1" dur="indefinite" restart="never" nodeType="tmRoot"/>
+      </p:par>
+    </p:tnLst>
+  </p:timing>
+</p:sld>
+</file>
+
+<file path=ppt/slides/slide20.xml><?xml version="1.0" encoding="utf-8"?>
+<p:sld xmlns:a="http://schemas.openxmlformats.org/drawingml/2006/main" xmlns:r="http://schemas.openxmlformats.org/officeDocument/2006/relationships" xmlns:p="http://schemas.openxmlformats.org/presentationml/2006/main">
+  <p:cSld>
+    <p:spTree>
+      <p:nvGrpSpPr>
+        <p:cNvPr id="1" name=""/>
+        <p:cNvGrpSpPr/>
+        <p:nvPr/>
+      </p:nvGrpSpPr>
+      <p:grpSpPr>
+        <a:xfrm>
+          <a:off x="0" y="0"/>
+          <a:ext cx="0" cy="0"/>
+          <a:chOff x="0" y="0"/>
+          <a:chExt cx="0" cy="0"/>
+        </a:xfrm>
+      </p:grpSpPr>
+      <p:sp>
+        <p:nvSpPr>
           <p:cNvPr id="3" name="Content Placeholder 2"/>
           <p:cNvSpPr>
             <a:spLocks noGrp="1"/>
@@ -8027,7 +8999,7 @@
 </p:sld>
 </file>
 
-<file path=ppt/slides/slide19.xml><?xml version="1.0" encoding="utf-8"?>
+<file path=ppt/slides/slide21.xml><?xml version="1.0" encoding="utf-8"?>
 <p:sld xmlns:a="http://schemas.openxmlformats.org/drawingml/2006/main" xmlns:r="http://schemas.openxmlformats.org/officeDocument/2006/relationships" xmlns:p="http://schemas.openxmlformats.org/presentationml/2006/main">
   <p:cSld>
     <p:spTree>
@@ -8667,7 +9639,7 @@
 </p:sld>
 </file>
 
-<file path=ppt/slides/slide2.xml><?xml version="1.0" encoding="utf-8"?>
+<file path=ppt/slides/slide22.xml><?xml version="1.0" encoding="utf-8"?>
 <p:sld xmlns:a="http://schemas.openxmlformats.org/drawingml/2006/main" xmlns:r="http://schemas.openxmlformats.org/officeDocument/2006/relationships" xmlns:p="http://schemas.openxmlformats.org/presentationml/2006/main">
   <p:cSld>
     <p:spTree>
@@ -8686,41 +9658,6 @@
       </p:grpSpPr>
       <p:sp>
         <p:nvSpPr>
-          <p:cNvPr id="2" name="Title 1"/>
-          <p:cNvSpPr>
-            <a:spLocks noGrp="1"/>
-          </p:cNvSpPr>
-          <p:nvPr>
-            <p:ph type="title"/>
-          </p:nvPr>
-        </p:nvSpPr>
-        <p:spPr>
-          <a:xfrm>
-            <a:off x="457200" y="152718"/>
-            <a:ext cx="8382000" cy="761682"/>
-          </a:xfrm>
-        </p:spPr>
-        <p:txBody>
-          <a:bodyPr>
-            <a:normAutofit/>
-          </a:bodyPr>
-          <a:lstStyle/>
-          <a:p>
-            <a:r>
-              <a:rPr lang="en-CA" dirty="0"/>
-              <a:t>Resources </a:t>
-            </a:r>
-            <a:r>
-              <a:rPr lang="en-CA" sz="1700" cap="none" dirty="0">
-                <a:latin typeface="+mn-lt"/>
-              </a:rPr>
-              <a:t>https://github.com/DanielleQuinn/MaineCourse</a:t>
-            </a:r>
-          </a:p>
-        </p:txBody>
-      </p:sp>
-      <p:sp>
-        <p:nvSpPr>
           <p:cNvPr id="3" name="Content Placeholder 2"/>
           <p:cNvSpPr>
             <a:spLocks noGrp="1"/>
@@ -8732,118 +9669,246 @@
         <p:spPr>
           <a:xfrm>
             <a:off x="457200" y="1143000"/>
-            <a:ext cx="8153400" cy="5334000"/>
+            <a:ext cx="7620000" cy="5486400"/>
           </a:xfrm>
         </p:spPr>
         <p:txBody>
           <a:bodyPr>
-            <a:normAutofit/>
+            <a:noAutofit/>
           </a:bodyPr>
           <a:lstStyle/>
           <a:p>
-            <a:pPr marL="457200" indent="-457200">
+            <a:pPr marL="342900" indent="-342900">
+              <a:buFont typeface="Wingdings" pitchFamily="2" charset="2"/>
+              <a:buChar char="q"/>
+            </a:pPr>
+            <a:r>
+              <a:rPr lang="en-US" b="0" dirty="0"/>
+              <a:t>Need to give it </a:t>
+            </a:r>
+            <a:r>
+              <a:rPr lang="en-US" dirty="0"/>
+              <a:t>two</a:t>
+            </a:r>
+            <a:r>
+              <a:rPr lang="en-US" b="0" dirty="0"/>
+              <a:t> values when indexing; indicate both the rows and columns of interest</a:t>
+            </a:r>
+          </a:p>
+          <a:p>
+            <a:pPr marL="342900" indent="-342900">
+              <a:buFont typeface="Wingdings" pitchFamily="2" charset="2"/>
+              <a:buChar char="q"/>
+            </a:pPr>
+            <a:endParaRPr lang="en-US" b="0" dirty="0"/>
+          </a:p>
+          <a:p>
+            <a:pPr marL="342900" indent="-342900">
+              <a:buFont typeface="Wingdings" pitchFamily="2" charset="2"/>
+              <a:buChar char="q"/>
+            </a:pPr>
+            <a:r>
+              <a:rPr lang="en-US" b="0" dirty="0"/>
+              <a:t>R uses [</a:t>
+            </a:r>
+            <a:r>
+              <a:rPr lang="en-US" b="0" dirty="0" err="1"/>
+              <a:t>row,col</a:t>
+            </a:r>
+            <a:r>
+              <a:rPr lang="en-US" b="0" dirty="0"/>
+              <a:t>] assignment</a:t>
+            </a:r>
+          </a:p>
+          <a:p>
+            <a:pPr marL="800100" lvl="1" indent="-342900">
               <a:buClr>
                 <a:schemeClr val="tx1"/>
               </a:buClr>
+            </a:pPr>
+            <a:r>
+              <a:rPr lang="en-US" b="0" dirty="0" err="1">
+                <a:solidFill>
+                  <a:srgbClr val="C00000"/>
+                </a:solidFill>
+                <a:latin typeface="Lucida Sans Typewriter" panose="020B0509030504030204" pitchFamily="49" charset="0"/>
+              </a:rPr>
+              <a:t>mydata</a:t>
+            </a:r>
+            <a:r>
+              <a:rPr lang="en-US" b="0" dirty="0">
+                <a:solidFill>
+                  <a:srgbClr val="C00000"/>
+                </a:solidFill>
+                <a:latin typeface="Lucida Sans Typewriter" panose="020B0509030504030204" pitchFamily="49" charset="0"/>
+              </a:rPr>
+              <a:t>[1,2]</a:t>
+            </a:r>
+            <a:r>
+              <a:rPr lang="en-US" b="0" dirty="0">
+                <a:solidFill>
+                  <a:schemeClr val="tx2"/>
+                </a:solidFill>
+                <a:latin typeface="Lucida Sans Typewriter" panose="020B0509030504030204" pitchFamily="49" charset="0"/>
+              </a:rPr>
+              <a:t> </a:t>
+            </a:r>
+            <a:r>
+              <a:rPr lang="en-US" dirty="0"/>
+              <a:t>outputs the value of row 1, column 2</a:t>
+            </a:r>
+          </a:p>
+          <a:p>
+            <a:pPr marL="800100" lvl="1" indent="-342900">
+              <a:buClr>
+                <a:schemeClr val="tx1"/>
+              </a:buClr>
+            </a:pPr>
+            <a:r>
+              <a:rPr lang="en-US" dirty="0" err="1">
+                <a:solidFill>
+                  <a:srgbClr val="C00000"/>
+                </a:solidFill>
+                <a:latin typeface="Lucida Sans Typewriter" panose="020B0509030504030204" pitchFamily="49" charset="0"/>
+              </a:rPr>
+              <a:t>mydata</a:t>
+            </a:r>
+            <a:r>
+              <a:rPr lang="en-US" dirty="0">
+                <a:solidFill>
+                  <a:srgbClr val="C00000"/>
+                </a:solidFill>
+                <a:latin typeface="Lucida Sans Typewriter" panose="020B0509030504030204" pitchFamily="49" charset="0"/>
+              </a:rPr>
+              <a:t>[1:5,c(1:3,6)]</a:t>
+            </a:r>
+            <a:r>
+              <a:rPr lang="en-US" dirty="0"/>
+              <a:t> outputs rows 1 to 5 and columns 1, 2, 3, and 6</a:t>
+            </a:r>
+          </a:p>
+          <a:p>
+            <a:pPr marL="342900" indent="-342900">
               <a:buFont typeface="Wingdings" panose="05000000000000000000" pitchFamily="2" charset="2"/>
               <a:buChar char="q"/>
             </a:pPr>
-            <a:r>
-              <a:rPr lang="en-CA" dirty="0"/>
-              <a:t>https://github.com/DanielleQuinn/RBarMUN/15Nov2016</a:t>
-            </a:r>
-          </a:p>
-          <a:p>
-            <a:pPr marL="914400" lvl="1" indent="-457200">
-              <a:buClr>
-                <a:schemeClr val="tx1"/>
-              </a:buClr>
-            </a:pPr>
-            <a:r>
-              <a:rPr lang="en-CA" dirty="0"/>
-              <a:t>Complete .R script</a:t>
-            </a:r>
-          </a:p>
-          <a:p>
-            <a:pPr marL="914400" lvl="1" indent="-457200">
-              <a:buClr>
-                <a:schemeClr val="tx1"/>
-              </a:buClr>
-            </a:pPr>
-            <a:r>
-              <a:rPr lang="en-CA" dirty="0"/>
-              <a:t>Blank (code-along) .R script</a:t>
-            </a:r>
-          </a:p>
-          <a:p>
-            <a:pPr marL="914400" lvl="1" indent="-457200">
-              <a:buClr>
-                <a:schemeClr val="tx1"/>
-              </a:buClr>
-            </a:pPr>
-            <a:r>
-              <a:rPr lang="en-CA" dirty="0"/>
-              <a:t>This presentation</a:t>
-            </a:r>
-          </a:p>
-          <a:p>
-            <a:pPr>
-              <a:buClr>
-                <a:schemeClr val="tx1"/>
-              </a:buClr>
-            </a:pPr>
-            <a:endParaRPr lang="en-CA" dirty="0"/>
-          </a:p>
-          <a:p>
-            <a:pPr>
-              <a:buClr>
-                <a:schemeClr val="tx1"/>
-              </a:buClr>
-            </a:pPr>
-            <a:endParaRPr lang="en-CA" dirty="0"/>
-          </a:p>
-          <a:p>
-            <a:pPr marL="457200" indent="-457200">
-              <a:buClr>
-                <a:schemeClr val="tx1"/>
-              </a:buClr>
+            <a:endParaRPr lang="en-US" b="0" dirty="0"/>
+          </a:p>
+          <a:p>
+            <a:pPr marL="342900" indent="-342900">
               <a:buFont typeface="Wingdings" panose="05000000000000000000" pitchFamily="2" charset="2"/>
               <a:buChar char="q"/>
             </a:pPr>
             <a:r>
-              <a:rPr lang="en-CA" dirty="0"/>
-              <a:t>R Reference Card</a:t>
-            </a:r>
-          </a:p>
-          <a:p>
-            <a:pPr algn="ctr">
+              <a:rPr lang="en-US" b="0" dirty="0"/>
+              <a:t>You can leave one value blank to select all</a:t>
+            </a:r>
+          </a:p>
+          <a:p>
+            <a:pPr marL="800100" lvl="1" indent="-342900">
               <a:buClr>
                 <a:schemeClr val="tx1"/>
               </a:buClr>
             </a:pPr>
             <a:r>
-              <a:rPr lang="en-CA" b="0" dirty="0"/>
-              <a:t>https://cran.r-project.org/doc/contrib/Short-refcard.pdf</a:t>
-            </a:r>
-          </a:p>
-          <a:p>
-            <a:pPr marL="457200" indent="-457200">
+              <a:rPr lang="en-US" dirty="0" err="1">
+                <a:solidFill>
+                  <a:srgbClr val="C00000"/>
+                </a:solidFill>
+                <a:latin typeface="Lucida Sans Typewriter" panose="020B0509030504030204" pitchFamily="49" charset="0"/>
+              </a:rPr>
+              <a:t>mydata</a:t>
+            </a:r>
+            <a:r>
+              <a:rPr lang="en-US" dirty="0">
+                <a:solidFill>
+                  <a:srgbClr val="C00000"/>
+                </a:solidFill>
+                <a:latin typeface="Lucida Sans Typewriter" panose="020B0509030504030204" pitchFamily="49" charset="0"/>
+              </a:rPr>
+              <a:t>[,3]</a:t>
+            </a:r>
+            <a:r>
+              <a:rPr lang="en-US" dirty="0"/>
+              <a:t> outputs all rows and column 3</a:t>
+            </a:r>
+            <a:endParaRPr lang="en-US" b="0" dirty="0">
+              <a:solidFill>
+                <a:schemeClr val="tx2"/>
+              </a:solidFill>
+              <a:latin typeface="Lucida Sans Typewriter" panose="020B0509030504030204" pitchFamily="49" charset="0"/>
+            </a:endParaRPr>
+          </a:p>
+          <a:p>
+            <a:pPr marL="800100" lvl="1" indent="-342900">
               <a:buClr>
                 <a:schemeClr val="tx1"/>
               </a:buClr>
-              <a:buFont typeface="Wingdings" panose="05000000000000000000" pitchFamily="2" charset="2"/>
-              <a:buChar char="q"/>
             </a:pPr>
             <a:r>
-              <a:rPr lang="en-CA" dirty="0"/>
-              <a:t>Cookbook for R</a:t>
-            </a:r>
-          </a:p>
-          <a:p>
-            <a:pPr algn="ctr"/>
-            <a:r>
-              <a:rPr lang="en-CA" b="0" dirty="0"/>
-              <a:t>http://www.cookbook-r.com/</a:t>
+              <a:rPr lang="en-US" dirty="0" err="1">
+                <a:solidFill>
+                  <a:srgbClr val="C00000"/>
+                </a:solidFill>
+                <a:latin typeface="Lucida Sans Typewriter" panose="020B0509030504030204" pitchFamily="49" charset="0"/>
+              </a:rPr>
+              <a:t>myd</a:t>
+            </a:r>
+            <a:r>
+              <a:rPr lang="en-US" b="0" dirty="0" err="1">
+                <a:solidFill>
+                  <a:srgbClr val="C00000"/>
+                </a:solidFill>
+                <a:latin typeface="Lucida Sans Typewriter" panose="020B0509030504030204" pitchFamily="49" charset="0"/>
+              </a:rPr>
+              <a:t>ata</a:t>
+            </a:r>
+            <a:r>
+              <a:rPr lang="en-US" b="0" dirty="0">
+                <a:solidFill>
+                  <a:srgbClr val="C00000"/>
+                </a:solidFill>
+                <a:latin typeface="Lucida Sans Typewriter" panose="020B0509030504030204" pitchFamily="49" charset="0"/>
+              </a:rPr>
+              <a:t>[1:5,]</a:t>
+            </a:r>
+            <a:r>
+              <a:rPr lang="en-US" dirty="0"/>
+              <a:t> outputs rows 1 to 5 and all columns</a:t>
+            </a:r>
+          </a:p>
+        </p:txBody>
+      </p:sp>
+      <p:sp>
+        <p:nvSpPr>
+          <p:cNvPr id="7" name="Title 4"/>
+          <p:cNvSpPr>
+            <a:spLocks noGrp="1"/>
+          </p:cNvSpPr>
+          <p:nvPr>
+            <p:ph type="title"/>
+          </p:nvPr>
+        </p:nvSpPr>
+        <p:spPr>
+          <a:xfrm>
+            <a:off x="457199" y="152718"/>
+            <a:ext cx="8402321" cy="685482"/>
+          </a:xfrm>
+        </p:spPr>
+        <p:txBody>
+          <a:bodyPr>
+            <a:noAutofit/>
+          </a:bodyPr>
+          <a:lstStyle/>
+          <a:p>
+            <a:pPr marL="342900" indent="-342900"/>
+            <a:r>
+              <a:rPr lang="en-US" sz="3000" dirty="0">
+                <a:solidFill>
+                  <a:srgbClr val="C00000"/>
+                </a:solidFill>
+              </a:rPr>
+              <a:t>2. Two dimensional</a:t>
             </a:r>
           </a:p>
         </p:txBody>
@@ -8851,7 +9916,7 @@
     </p:spTree>
     <p:extLst>
       <p:ext uri="{BB962C8B-B14F-4D97-AF65-F5344CB8AC3E}">
-        <p14:creationId xmlns:p14="http://schemas.microsoft.com/office/powerpoint/2010/main" val="526379569"/>
+        <p14:creationId xmlns:p14="http://schemas.microsoft.com/office/powerpoint/2010/main" val="3905753110"/>
       </p:ext>
     </p:extLst>
   </p:cSld>
@@ -8861,7 +9926,7 @@
 </p:sld>
 </file>
 
-<file path=ppt/slides/slide20.xml><?xml version="1.0" encoding="utf-8"?>
+<file path=ppt/slides/slide23.xml><?xml version="1.0" encoding="utf-8"?>
 <p:sld xmlns:a="http://schemas.openxmlformats.org/drawingml/2006/main" xmlns:r="http://schemas.openxmlformats.org/officeDocument/2006/relationships" xmlns:p="http://schemas.openxmlformats.org/presentationml/2006/main">
   <p:cSld>
     <p:spTree>
@@ -8925,293 +9990,6 @@
             <a:endParaRPr lang="en-US" b="0" dirty="0"/>
           </a:p>
           <a:p>
-            <a:pPr marL="342900" indent="-342900">
-              <a:buFont typeface="Wingdings" pitchFamily="2" charset="2"/>
-              <a:buChar char="q"/>
-            </a:pPr>
-            <a:r>
-              <a:rPr lang="en-US" b="0" dirty="0"/>
-              <a:t>R uses [</a:t>
-            </a:r>
-            <a:r>
-              <a:rPr lang="en-US" b="0" dirty="0" err="1"/>
-              <a:t>row,col</a:t>
-            </a:r>
-            <a:r>
-              <a:rPr lang="en-US" b="0" dirty="0"/>
-              <a:t>] assignment</a:t>
-            </a:r>
-          </a:p>
-          <a:p>
-            <a:pPr marL="800100" lvl="1" indent="-342900">
-              <a:buClr>
-                <a:schemeClr val="tx1"/>
-              </a:buClr>
-            </a:pPr>
-            <a:r>
-              <a:rPr lang="en-US" b="0" dirty="0" err="1">
-                <a:solidFill>
-                  <a:srgbClr val="C00000"/>
-                </a:solidFill>
-                <a:latin typeface="Lucida Sans Typewriter" panose="020B0509030504030204" pitchFamily="49" charset="0"/>
-              </a:rPr>
-              <a:t>mydata</a:t>
-            </a:r>
-            <a:r>
-              <a:rPr lang="en-US" b="0" dirty="0">
-                <a:solidFill>
-                  <a:srgbClr val="C00000"/>
-                </a:solidFill>
-                <a:latin typeface="Lucida Sans Typewriter" panose="020B0509030504030204" pitchFamily="49" charset="0"/>
-              </a:rPr>
-              <a:t>[1,2]</a:t>
-            </a:r>
-            <a:r>
-              <a:rPr lang="en-US" b="0" dirty="0">
-                <a:solidFill>
-                  <a:schemeClr val="tx2"/>
-                </a:solidFill>
-                <a:latin typeface="Lucida Sans Typewriter" panose="020B0509030504030204" pitchFamily="49" charset="0"/>
-              </a:rPr>
-              <a:t> </a:t>
-            </a:r>
-            <a:r>
-              <a:rPr lang="en-US" dirty="0"/>
-              <a:t>outputs the value of row 1, column 2</a:t>
-            </a:r>
-          </a:p>
-          <a:p>
-            <a:pPr marL="800100" lvl="1" indent="-342900">
-              <a:buClr>
-                <a:schemeClr val="tx1"/>
-              </a:buClr>
-            </a:pPr>
-            <a:r>
-              <a:rPr lang="en-US" dirty="0" err="1">
-                <a:solidFill>
-                  <a:srgbClr val="C00000"/>
-                </a:solidFill>
-                <a:latin typeface="Lucida Sans Typewriter" panose="020B0509030504030204" pitchFamily="49" charset="0"/>
-              </a:rPr>
-              <a:t>mydata</a:t>
-            </a:r>
-            <a:r>
-              <a:rPr lang="en-US" dirty="0">
-                <a:solidFill>
-                  <a:srgbClr val="C00000"/>
-                </a:solidFill>
-                <a:latin typeface="Lucida Sans Typewriter" panose="020B0509030504030204" pitchFamily="49" charset="0"/>
-              </a:rPr>
-              <a:t>[1:5,c(1:3,6)]</a:t>
-            </a:r>
-            <a:r>
-              <a:rPr lang="en-US" dirty="0"/>
-              <a:t> outputs rows 1 to 5 and columns 1, 2, 3, and 6</a:t>
-            </a:r>
-          </a:p>
-          <a:p>
-            <a:pPr marL="342900" indent="-342900">
-              <a:buFont typeface="Wingdings" panose="05000000000000000000" pitchFamily="2" charset="2"/>
-              <a:buChar char="q"/>
-            </a:pPr>
-            <a:endParaRPr lang="en-US" b="0" dirty="0"/>
-          </a:p>
-          <a:p>
-            <a:pPr marL="342900" indent="-342900">
-              <a:buFont typeface="Wingdings" panose="05000000000000000000" pitchFamily="2" charset="2"/>
-              <a:buChar char="q"/>
-            </a:pPr>
-            <a:r>
-              <a:rPr lang="en-US" b="0" dirty="0"/>
-              <a:t>You can leave one value blank to select all</a:t>
-            </a:r>
-          </a:p>
-          <a:p>
-            <a:pPr marL="800100" lvl="1" indent="-342900">
-              <a:buClr>
-                <a:schemeClr val="tx1"/>
-              </a:buClr>
-            </a:pPr>
-            <a:r>
-              <a:rPr lang="en-US" dirty="0" err="1">
-                <a:solidFill>
-                  <a:srgbClr val="C00000"/>
-                </a:solidFill>
-                <a:latin typeface="Lucida Sans Typewriter" panose="020B0509030504030204" pitchFamily="49" charset="0"/>
-              </a:rPr>
-              <a:t>mydata</a:t>
-            </a:r>
-            <a:r>
-              <a:rPr lang="en-US" dirty="0">
-                <a:solidFill>
-                  <a:srgbClr val="C00000"/>
-                </a:solidFill>
-                <a:latin typeface="Lucida Sans Typewriter" panose="020B0509030504030204" pitchFamily="49" charset="0"/>
-              </a:rPr>
-              <a:t>[,3]</a:t>
-            </a:r>
-            <a:r>
-              <a:rPr lang="en-US" dirty="0"/>
-              <a:t> outputs all rows and column 3</a:t>
-            </a:r>
-            <a:endParaRPr lang="en-US" b="0" dirty="0">
-              <a:solidFill>
-                <a:schemeClr val="tx2"/>
-              </a:solidFill>
-              <a:latin typeface="Lucida Sans Typewriter" panose="020B0509030504030204" pitchFamily="49" charset="0"/>
-            </a:endParaRPr>
-          </a:p>
-          <a:p>
-            <a:pPr marL="800100" lvl="1" indent="-342900">
-              <a:buClr>
-                <a:schemeClr val="tx1"/>
-              </a:buClr>
-            </a:pPr>
-            <a:r>
-              <a:rPr lang="en-US" dirty="0" err="1">
-                <a:solidFill>
-                  <a:srgbClr val="C00000"/>
-                </a:solidFill>
-                <a:latin typeface="Lucida Sans Typewriter" panose="020B0509030504030204" pitchFamily="49" charset="0"/>
-              </a:rPr>
-              <a:t>myd</a:t>
-            </a:r>
-            <a:r>
-              <a:rPr lang="en-US" b="0" dirty="0" err="1">
-                <a:solidFill>
-                  <a:srgbClr val="C00000"/>
-                </a:solidFill>
-                <a:latin typeface="Lucida Sans Typewriter" panose="020B0509030504030204" pitchFamily="49" charset="0"/>
-              </a:rPr>
-              <a:t>ata</a:t>
-            </a:r>
-            <a:r>
-              <a:rPr lang="en-US" b="0" dirty="0">
-                <a:solidFill>
-                  <a:srgbClr val="C00000"/>
-                </a:solidFill>
-                <a:latin typeface="Lucida Sans Typewriter" panose="020B0509030504030204" pitchFamily="49" charset="0"/>
-              </a:rPr>
-              <a:t>[1:5,]</a:t>
-            </a:r>
-            <a:r>
-              <a:rPr lang="en-US" dirty="0"/>
-              <a:t> outputs rows 1 to 5 and all columns</a:t>
-            </a:r>
-          </a:p>
-        </p:txBody>
-      </p:sp>
-      <p:sp>
-        <p:nvSpPr>
-          <p:cNvPr id="7" name="Title 4"/>
-          <p:cNvSpPr>
-            <a:spLocks noGrp="1"/>
-          </p:cNvSpPr>
-          <p:nvPr>
-            <p:ph type="title"/>
-          </p:nvPr>
-        </p:nvSpPr>
-        <p:spPr>
-          <a:xfrm>
-            <a:off x="457199" y="152718"/>
-            <a:ext cx="8402321" cy="685482"/>
-          </a:xfrm>
-        </p:spPr>
-        <p:txBody>
-          <a:bodyPr>
-            <a:noAutofit/>
-          </a:bodyPr>
-          <a:lstStyle/>
-          <a:p>
-            <a:pPr marL="342900" indent="-342900"/>
-            <a:r>
-              <a:rPr lang="en-US" sz="3000" dirty="0">
-                <a:solidFill>
-                  <a:srgbClr val="C00000"/>
-                </a:solidFill>
-              </a:rPr>
-              <a:t>2. Two dimensional</a:t>
-            </a:r>
-          </a:p>
-        </p:txBody>
-      </p:sp>
-    </p:spTree>
-    <p:extLst>
-      <p:ext uri="{BB962C8B-B14F-4D97-AF65-F5344CB8AC3E}">
-        <p14:creationId xmlns:p14="http://schemas.microsoft.com/office/powerpoint/2010/main" val="3905753110"/>
-      </p:ext>
-    </p:extLst>
-  </p:cSld>
-  <p:clrMapOvr>
-    <a:masterClrMapping/>
-  </p:clrMapOvr>
-</p:sld>
-</file>
-
-<file path=ppt/slides/slide21.xml><?xml version="1.0" encoding="utf-8"?>
-<p:sld xmlns:a="http://schemas.openxmlformats.org/drawingml/2006/main" xmlns:r="http://schemas.openxmlformats.org/officeDocument/2006/relationships" xmlns:p="http://schemas.openxmlformats.org/presentationml/2006/main">
-  <p:cSld>
-    <p:spTree>
-      <p:nvGrpSpPr>
-        <p:cNvPr id="1" name=""/>
-        <p:cNvGrpSpPr/>
-        <p:nvPr/>
-      </p:nvGrpSpPr>
-      <p:grpSpPr>
-        <a:xfrm>
-          <a:off x="0" y="0"/>
-          <a:ext cx="0" cy="0"/>
-          <a:chOff x="0" y="0"/>
-          <a:chExt cx="0" cy="0"/>
-        </a:xfrm>
-      </p:grpSpPr>
-      <p:sp>
-        <p:nvSpPr>
-          <p:cNvPr id="3" name="Content Placeholder 2"/>
-          <p:cNvSpPr>
-            <a:spLocks noGrp="1"/>
-          </p:cNvSpPr>
-          <p:nvPr>
-            <p:ph idx="1"/>
-          </p:nvPr>
-        </p:nvSpPr>
-        <p:spPr>
-          <a:xfrm>
-            <a:off x="457200" y="1143000"/>
-            <a:ext cx="7620000" cy="5486400"/>
-          </a:xfrm>
-        </p:spPr>
-        <p:txBody>
-          <a:bodyPr>
-            <a:noAutofit/>
-          </a:bodyPr>
-          <a:lstStyle/>
-          <a:p>
-            <a:pPr marL="342900" indent="-342900">
-              <a:buFont typeface="Wingdings" pitchFamily="2" charset="2"/>
-              <a:buChar char="q"/>
-            </a:pPr>
-            <a:r>
-              <a:rPr lang="en-US" b="0" dirty="0"/>
-              <a:t>Need to give it </a:t>
-            </a:r>
-            <a:r>
-              <a:rPr lang="en-US" dirty="0"/>
-              <a:t>two</a:t>
-            </a:r>
-            <a:r>
-              <a:rPr lang="en-US" b="0" dirty="0"/>
-              <a:t> values when indexing; indicate both the rows and columns of interest</a:t>
-            </a:r>
-          </a:p>
-          <a:p>
-            <a:pPr marL="342900" indent="-342900">
-              <a:buFont typeface="Wingdings" pitchFamily="2" charset="2"/>
-              <a:buChar char="q"/>
-            </a:pPr>
-            <a:endParaRPr lang="en-US" b="0" dirty="0"/>
-          </a:p>
-          <a:p>
             <a:pPr lvl="1" indent="0">
               <a:buNone/>
             </a:pPr>
@@ -9381,7 +10159,7 @@
 </p:sld>
 </file>
 
-<file path=ppt/slides/slide22.xml><?xml version="1.0" encoding="utf-8"?>
+<file path=ppt/slides/slide24.xml><?xml version="1.0" encoding="utf-8"?>
 <p:sld xmlns:a="http://schemas.openxmlformats.org/drawingml/2006/main" xmlns:r="http://schemas.openxmlformats.org/officeDocument/2006/relationships" xmlns:p="http://schemas.openxmlformats.org/presentationml/2006/main">
   <p:cSld>
     <p:spTree>
@@ -10062,7 +10840,7 @@
 </p:sld>
 </file>
 
-<file path=ppt/slides/slide23.xml><?xml version="1.0" encoding="utf-8"?>
+<file path=ppt/slides/slide25.xml><?xml version="1.0" encoding="utf-8"?>
 <p:sld xmlns:a="http://schemas.openxmlformats.org/drawingml/2006/main" xmlns:r="http://schemas.openxmlformats.org/officeDocument/2006/relationships" xmlns:p="http://schemas.openxmlformats.org/presentationml/2006/main">
   <p:cSld>
     <p:bg>
@@ -10284,7 +11062,7 @@
 </p:sld>
 </file>
 
-<file path=ppt/slides/slide24.xml><?xml version="1.0" encoding="utf-8"?>
+<file path=ppt/slides/slide26.xml><?xml version="1.0" encoding="utf-8"?>
 <p:sld xmlns:a="http://schemas.openxmlformats.org/drawingml/2006/main" xmlns:r="http://schemas.openxmlformats.org/officeDocument/2006/relationships" xmlns:p="http://schemas.openxmlformats.org/presentationml/2006/main">
   <p:cSld>
     <p:spTree>
@@ -10712,7 +11490,7 @@
 </p:sld>
 </file>
 
-<file path=ppt/slides/slide25.xml><?xml version="1.0" encoding="utf-8"?>
+<file path=ppt/slides/slide27.xml><?xml version="1.0" encoding="utf-8"?>
 <p:sld xmlns:a="http://schemas.openxmlformats.org/drawingml/2006/main" xmlns:r="http://schemas.openxmlformats.org/officeDocument/2006/relationships" xmlns:p="http://schemas.openxmlformats.org/presentationml/2006/main">
   <p:cSld>
     <p:bg>
@@ -11010,7 +11788,7 @@
 </p:sld>
 </file>
 
-<file path=ppt/slides/slide26.xml><?xml version="1.0" encoding="utf-8"?>
+<file path=ppt/slides/slide28.xml><?xml version="1.0" encoding="utf-8"?>
 <p:sld xmlns:a="http://schemas.openxmlformats.org/drawingml/2006/main" xmlns:r="http://schemas.openxmlformats.org/officeDocument/2006/relationships" xmlns:p="http://schemas.openxmlformats.org/presentationml/2006/main">
   <p:cSld>
     <p:spTree>
@@ -11987,7 +12765,7 @@
 </p:sld>
 </file>
 
-<file path=ppt/slides/slide27.xml><?xml version="1.0" encoding="utf-8"?>
+<file path=ppt/slides/slide29.xml><?xml version="1.0" encoding="utf-8"?>
 <p:sld xmlns:a="http://schemas.openxmlformats.org/drawingml/2006/main" xmlns:r="http://schemas.openxmlformats.org/officeDocument/2006/relationships" xmlns:p="http://schemas.openxmlformats.org/presentationml/2006/main">
   <p:cSld>
     <p:bg>
@@ -12287,7 +13065,633 @@
 </p:sld>
 </file>
 
-<file path=ppt/slides/slide28.xml><?xml version="1.0" encoding="utf-8"?>
+<file path=ppt/slides/slide3.xml><?xml version="1.0" encoding="utf-8"?>
+<p:sld xmlns:a="http://schemas.openxmlformats.org/drawingml/2006/main" xmlns:r="http://schemas.openxmlformats.org/officeDocument/2006/relationships" xmlns:p="http://schemas.openxmlformats.org/presentationml/2006/main">
+  <p:cSld>
+    <p:spTree>
+      <p:nvGrpSpPr>
+        <p:cNvPr id="1" name=""/>
+        <p:cNvGrpSpPr/>
+        <p:nvPr/>
+      </p:nvGrpSpPr>
+      <p:grpSpPr>
+        <a:xfrm>
+          <a:off x="0" y="0"/>
+          <a:ext cx="0" cy="0"/>
+          <a:chOff x="0" y="0"/>
+          <a:chExt cx="0" cy="0"/>
+        </a:xfrm>
+      </p:grpSpPr>
+      <p:sp>
+        <p:nvSpPr>
+          <p:cNvPr id="3" name="Content Placeholder 2"/>
+          <p:cNvSpPr>
+            <a:spLocks noGrp="1"/>
+          </p:cNvSpPr>
+          <p:nvPr>
+            <p:ph idx="1"/>
+          </p:nvPr>
+        </p:nvSpPr>
+        <p:spPr>
+          <a:xfrm>
+            <a:off x="381000" y="1143000"/>
+            <a:ext cx="7620000" cy="5410200"/>
+          </a:xfrm>
+        </p:spPr>
+        <p:txBody>
+          <a:bodyPr>
+            <a:normAutofit/>
+          </a:bodyPr>
+          <a:lstStyle/>
+          <a:p>
+            <a:pPr marL="457200" indent="-457200">
+              <a:buFont typeface="Wingdings" panose="05000000000000000000" pitchFamily="2" charset="2"/>
+              <a:buChar char="q"/>
+            </a:pPr>
+            <a:r>
+              <a:rPr lang="en-US" dirty="0" smtClean="0"/>
+              <a:t>Data </a:t>
+            </a:r>
+            <a:r>
+              <a:rPr lang="en-US" dirty="0"/>
+              <a:t>quality is key!</a:t>
+            </a:r>
+          </a:p>
+          <a:p>
+            <a:pPr marL="914400" lvl="1" indent="-457200">
+              <a:buFont typeface="Wingdings" panose="05000000000000000000" pitchFamily="2" charset="2"/>
+              <a:buChar char="§"/>
+            </a:pPr>
+            <a:r>
+              <a:rPr lang="en-US" b="0" dirty="0"/>
+              <a:t>Preparing a flat file</a:t>
+            </a:r>
+          </a:p>
+          <a:p>
+            <a:pPr marL="914400" lvl="1" indent="-457200">
+              <a:buFont typeface="Wingdings" panose="05000000000000000000" pitchFamily="2" charset="2"/>
+              <a:buChar char="§"/>
+            </a:pPr>
+            <a:r>
+              <a:rPr lang="en-US" dirty="0"/>
+              <a:t>Importing data</a:t>
+            </a:r>
+            <a:endParaRPr lang="en-US" b="0" dirty="0"/>
+          </a:p>
+          <a:p>
+            <a:pPr marL="914400" lvl="1" indent="-457200">
+              <a:buFont typeface="Wingdings" panose="05000000000000000000" pitchFamily="2" charset="2"/>
+              <a:buChar char="§"/>
+            </a:pPr>
+            <a:r>
+              <a:rPr lang="en-US" dirty="0"/>
+              <a:t>Tips for data quality </a:t>
+            </a:r>
+            <a:r>
+              <a:rPr lang="en-US" dirty="0" smtClean="0"/>
+              <a:t>assurance</a:t>
+            </a:r>
+          </a:p>
+          <a:p>
+            <a:pPr marL="457200" indent="-457200">
+              <a:buFont typeface="Wingdings" panose="05000000000000000000" pitchFamily="2" charset="2"/>
+              <a:buChar char="q"/>
+            </a:pPr>
+            <a:r>
+              <a:rPr lang="en-US" dirty="0" smtClean="0"/>
+              <a:t>Dealing with data frames</a:t>
+            </a:r>
+          </a:p>
+          <a:p>
+            <a:pPr marL="914400" lvl="1" indent="-457200">
+              <a:buFont typeface="Wingdings" panose="05000000000000000000" pitchFamily="2" charset="2"/>
+              <a:buChar char="§"/>
+            </a:pPr>
+            <a:r>
+              <a:rPr lang="en-US" dirty="0" smtClean="0"/>
+              <a:t>Indexing with rows and columns</a:t>
+            </a:r>
+          </a:p>
+          <a:p>
+            <a:pPr marL="914400" lvl="1" indent="-457200">
+              <a:buFont typeface="Wingdings" panose="05000000000000000000" pitchFamily="2" charset="2"/>
+              <a:buChar char="§"/>
+            </a:pPr>
+            <a:r>
+              <a:rPr lang="en-US" dirty="0" smtClean="0"/>
+              <a:t>Modifying data frames in R</a:t>
+            </a:r>
+            <a:endParaRPr lang="en-US" dirty="0" smtClean="0"/>
+          </a:p>
+          <a:p>
+            <a:pPr marL="457200" indent="-457200">
+              <a:buFont typeface="Wingdings" panose="05000000000000000000" pitchFamily="2" charset="2"/>
+              <a:buChar char="q"/>
+            </a:pPr>
+            <a:r>
+              <a:rPr lang="en-US" dirty="0" smtClean="0"/>
+              <a:t>Efficient </a:t>
+            </a:r>
+            <a:r>
+              <a:rPr lang="en-US" dirty="0"/>
+              <a:t>data exploration</a:t>
+            </a:r>
+          </a:p>
+          <a:p>
+            <a:pPr marL="914400" lvl="1" indent="-457200">
+              <a:buFont typeface="Wingdings" panose="05000000000000000000" pitchFamily="2" charset="2"/>
+              <a:buChar char="§"/>
+            </a:pPr>
+            <a:r>
+              <a:rPr lang="en-US" dirty="0"/>
+              <a:t>Formatting dates using {</a:t>
+            </a:r>
+            <a:r>
+              <a:rPr lang="en-US" dirty="0" err="1"/>
+              <a:t>lubridate</a:t>
+            </a:r>
+            <a:r>
+              <a:rPr lang="en-US" dirty="0"/>
+              <a:t>}</a:t>
+            </a:r>
+          </a:p>
+          <a:p>
+            <a:pPr marL="914400" lvl="1" indent="-457200">
+              <a:buFont typeface="Wingdings" panose="05000000000000000000" pitchFamily="2" charset="2"/>
+              <a:buChar char="§"/>
+            </a:pPr>
+            <a:r>
+              <a:rPr lang="en-US" b="0" dirty="0"/>
+              <a:t>Summarizing data using {</a:t>
+            </a:r>
+            <a:r>
+              <a:rPr lang="en-US" b="0" dirty="0" err="1"/>
+              <a:t>dplyr</a:t>
+            </a:r>
+            <a:r>
+              <a:rPr lang="en-US" b="0" dirty="0"/>
+              <a:t>}</a:t>
+            </a:r>
+          </a:p>
+        </p:txBody>
+      </p:sp>
+      <p:sp>
+        <p:nvSpPr>
+          <p:cNvPr id="5" name="Title 1"/>
+          <p:cNvSpPr txBox="1">
+            <a:spLocks/>
+          </p:cNvSpPr>
+          <p:nvPr/>
+        </p:nvSpPr>
+        <p:spPr>
+          <a:xfrm>
+            <a:off x="228600" y="0"/>
+            <a:ext cx="8077200" cy="914082"/>
+          </a:xfrm>
+          <a:prstGeom prst="rect">
+            <a:avLst/>
+          </a:prstGeom>
+        </p:spPr>
+        <p:txBody>
+          <a:bodyPr vert="horz" lIns="91440" tIns="45720" rIns="91440" bIns="45720" rtlCol="0" anchor="b">
+            <a:normAutofit/>
+          </a:bodyPr>
+          <a:lstStyle>
+            <a:lvl1pPr algn="l" defTabSz="914400" rtl="0" eaLnBrk="1" latinLnBrk="0" hangingPunct="1">
+              <a:spcBef>
+                <a:spcPct val="0"/>
+              </a:spcBef>
+              <a:buNone/>
+              <a:defRPr sz="3600" kern="1200" cap="all" spc="-60" baseline="0">
+                <a:solidFill>
+                  <a:schemeClr val="tx2"/>
+                </a:solidFill>
+                <a:latin typeface="+mj-lt"/>
+                <a:ea typeface="+mj-ea"/>
+                <a:cs typeface="+mj-cs"/>
+              </a:defRPr>
+            </a:lvl1pPr>
+          </a:lstStyle>
+          <a:p>
+            <a:r>
+              <a:rPr lang="en-US" dirty="0">
+                <a:solidFill>
+                  <a:srgbClr val="C00000"/>
+                </a:solidFill>
+              </a:rPr>
+              <a:t>Data wrangling in R</a:t>
+            </a:r>
+          </a:p>
+        </p:txBody>
+      </p:sp>
+    </p:spTree>
+    <p:extLst>
+      <p:ext uri="{BB962C8B-B14F-4D97-AF65-F5344CB8AC3E}">
+        <p14:creationId xmlns:p14="http://schemas.microsoft.com/office/powerpoint/2010/main" val="1775568498"/>
+      </p:ext>
+    </p:extLst>
+  </p:cSld>
+  <p:clrMapOvr>
+    <a:masterClrMapping/>
+  </p:clrMapOvr>
+  <p:timing>
+    <p:tnLst>
+      <p:par>
+        <p:cTn id="1" dur="indefinite" restart="never" nodeType="tmRoot">
+          <p:childTnLst>
+            <p:seq concurrent="1" nextAc="seek">
+              <p:cTn id="2" dur="indefinite" nodeType="mainSeq">
+                <p:childTnLst>
+                  <p:par>
+                    <p:cTn id="3" fill="hold">
+                      <p:stCondLst>
+                        <p:cond delay="indefinite"/>
+                      </p:stCondLst>
+                      <p:childTnLst>
+                        <p:par>
+                          <p:cTn id="4" fill="hold">
+                            <p:stCondLst>
+                              <p:cond delay="0"/>
+                            </p:stCondLst>
+                            <p:childTnLst>
+                              <p:par>
+                                <p:cTn id="5" presetID="1" presetClass="entr" presetSubtype="0" fill="hold" nodeType="clickEffect">
+                                  <p:stCondLst>
+                                    <p:cond delay="0"/>
+                                  </p:stCondLst>
+                                  <p:childTnLst>
+                                    <p:set>
+                                      <p:cBhvr>
+                                        <p:cTn id="6" dur="1" fill="hold">
+                                          <p:stCondLst>
+                                            <p:cond delay="0"/>
+                                          </p:stCondLst>
+                                        </p:cTn>
+                                        <p:tgtEl>
+                                          <p:spTgt spid="3">
+                                            <p:txEl>
+                                              <p:pRg st="0" end="0"/>
+                                            </p:txEl>
+                                          </p:spTgt>
+                                        </p:tgtEl>
+                                        <p:attrNameLst>
+                                          <p:attrName>style.visibility</p:attrName>
+                                        </p:attrNameLst>
+                                      </p:cBhvr>
+                                      <p:to>
+                                        <p:strVal val="visible"/>
+                                      </p:to>
+                                    </p:set>
+                                  </p:childTnLst>
+                                </p:cTn>
+                              </p:par>
+                              <p:par>
+                                <p:cTn id="7" presetID="1" presetClass="entr" presetSubtype="0" fill="hold" nodeType="withEffect">
+                                  <p:stCondLst>
+                                    <p:cond delay="0"/>
+                                  </p:stCondLst>
+                                  <p:childTnLst>
+                                    <p:set>
+                                      <p:cBhvr>
+                                        <p:cTn id="8" dur="1" fill="hold">
+                                          <p:stCondLst>
+                                            <p:cond delay="0"/>
+                                          </p:stCondLst>
+                                        </p:cTn>
+                                        <p:tgtEl>
+                                          <p:spTgt spid="3">
+                                            <p:txEl>
+                                              <p:pRg st="1" end="1"/>
+                                            </p:txEl>
+                                          </p:spTgt>
+                                        </p:tgtEl>
+                                        <p:attrNameLst>
+                                          <p:attrName>style.visibility</p:attrName>
+                                        </p:attrNameLst>
+                                      </p:cBhvr>
+                                      <p:to>
+                                        <p:strVal val="visible"/>
+                                      </p:to>
+                                    </p:set>
+                                  </p:childTnLst>
+                                </p:cTn>
+                              </p:par>
+                              <p:par>
+                                <p:cTn id="9" presetID="1" presetClass="entr" presetSubtype="0" fill="hold" nodeType="withEffect">
+                                  <p:stCondLst>
+                                    <p:cond delay="0"/>
+                                  </p:stCondLst>
+                                  <p:childTnLst>
+                                    <p:set>
+                                      <p:cBhvr>
+                                        <p:cTn id="10" dur="1" fill="hold">
+                                          <p:stCondLst>
+                                            <p:cond delay="0"/>
+                                          </p:stCondLst>
+                                        </p:cTn>
+                                        <p:tgtEl>
+                                          <p:spTgt spid="3">
+                                            <p:txEl>
+                                              <p:pRg st="2" end="2"/>
+                                            </p:txEl>
+                                          </p:spTgt>
+                                        </p:tgtEl>
+                                        <p:attrNameLst>
+                                          <p:attrName>style.visibility</p:attrName>
+                                        </p:attrNameLst>
+                                      </p:cBhvr>
+                                      <p:to>
+                                        <p:strVal val="visible"/>
+                                      </p:to>
+                                    </p:set>
+                                  </p:childTnLst>
+                                </p:cTn>
+                              </p:par>
+                              <p:par>
+                                <p:cTn id="11" presetID="1" presetClass="entr" presetSubtype="0" fill="hold" nodeType="withEffect">
+                                  <p:stCondLst>
+                                    <p:cond delay="0"/>
+                                  </p:stCondLst>
+                                  <p:childTnLst>
+                                    <p:set>
+                                      <p:cBhvr>
+                                        <p:cTn id="12" dur="1" fill="hold">
+                                          <p:stCondLst>
+                                            <p:cond delay="0"/>
+                                          </p:stCondLst>
+                                        </p:cTn>
+                                        <p:tgtEl>
+                                          <p:spTgt spid="3">
+                                            <p:txEl>
+                                              <p:pRg st="3" end="3"/>
+                                            </p:txEl>
+                                          </p:spTgt>
+                                        </p:tgtEl>
+                                        <p:attrNameLst>
+                                          <p:attrName>style.visibility</p:attrName>
+                                        </p:attrNameLst>
+                                      </p:cBhvr>
+                                      <p:to>
+                                        <p:strVal val="visible"/>
+                                      </p:to>
+                                    </p:set>
+                                  </p:childTnLst>
+                                </p:cTn>
+                              </p:par>
+                            </p:childTnLst>
+                          </p:cTn>
+                        </p:par>
+                      </p:childTnLst>
+                    </p:cTn>
+                  </p:par>
+                  <p:par>
+                    <p:cTn id="13" fill="hold">
+                      <p:stCondLst>
+                        <p:cond delay="indefinite"/>
+                      </p:stCondLst>
+                      <p:childTnLst>
+                        <p:par>
+                          <p:cTn id="14" fill="hold">
+                            <p:stCondLst>
+                              <p:cond delay="0"/>
+                            </p:stCondLst>
+                            <p:childTnLst>
+                              <p:par>
+                                <p:cTn id="15" presetID="1" presetClass="entr" presetSubtype="0" fill="hold" nodeType="clickEffect">
+                                  <p:stCondLst>
+                                    <p:cond delay="0"/>
+                                  </p:stCondLst>
+                                  <p:childTnLst>
+                                    <p:set>
+                                      <p:cBhvr>
+                                        <p:cTn id="16" dur="1" fill="hold">
+                                          <p:stCondLst>
+                                            <p:cond delay="0"/>
+                                          </p:stCondLst>
+                                        </p:cTn>
+                                        <p:tgtEl>
+                                          <p:spTgt spid="3">
+                                            <p:txEl>
+                                              <p:pRg st="4" end="4"/>
+                                            </p:txEl>
+                                          </p:spTgt>
+                                        </p:tgtEl>
+                                        <p:attrNameLst>
+                                          <p:attrName>style.visibility</p:attrName>
+                                        </p:attrNameLst>
+                                      </p:cBhvr>
+                                      <p:to>
+                                        <p:strVal val="visible"/>
+                                      </p:to>
+                                    </p:set>
+                                  </p:childTnLst>
+                                </p:cTn>
+                              </p:par>
+                              <p:par>
+                                <p:cTn id="17" presetID="1" presetClass="entr" presetSubtype="0" fill="hold" nodeType="withEffect">
+                                  <p:stCondLst>
+                                    <p:cond delay="0"/>
+                                  </p:stCondLst>
+                                  <p:childTnLst>
+                                    <p:set>
+                                      <p:cBhvr>
+                                        <p:cTn id="18" dur="1" fill="hold">
+                                          <p:stCondLst>
+                                            <p:cond delay="0"/>
+                                          </p:stCondLst>
+                                        </p:cTn>
+                                        <p:tgtEl>
+                                          <p:spTgt spid="3">
+                                            <p:txEl>
+                                              <p:pRg st="5" end="5"/>
+                                            </p:txEl>
+                                          </p:spTgt>
+                                        </p:tgtEl>
+                                        <p:attrNameLst>
+                                          <p:attrName>style.visibility</p:attrName>
+                                        </p:attrNameLst>
+                                      </p:cBhvr>
+                                      <p:to>
+                                        <p:strVal val="visible"/>
+                                      </p:to>
+                                    </p:set>
+                                  </p:childTnLst>
+                                </p:cTn>
+                              </p:par>
+                              <p:par>
+                                <p:cTn id="19" presetID="1" presetClass="entr" presetSubtype="0" fill="hold" nodeType="withEffect">
+                                  <p:stCondLst>
+                                    <p:cond delay="0"/>
+                                  </p:stCondLst>
+                                  <p:childTnLst>
+                                    <p:set>
+                                      <p:cBhvr>
+                                        <p:cTn id="20" dur="1" fill="hold">
+                                          <p:stCondLst>
+                                            <p:cond delay="0"/>
+                                          </p:stCondLst>
+                                        </p:cTn>
+                                        <p:tgtEl>
+                                          <p:spTgt spid="3">
+                                            <p:txEl>
+                                              <p:pRg st="6" end="6"/>
+                                            </p:txEl>
+                                          </p:spTgt>
+                                        </p:tgtEl>
+                                        <p:attrNameLst>
+                                          <p:attrName>style.visibility</p:attrName>
+                                        </p:attrNameLst>
+                                      </p:cBhvr>
+                                      <p:to>
+                                        <p:strVal val="visible"/>
+                                      </p:to>
+                                    </p:set>
+                                  </p:childTnLst>
+                                </p:cTn>
+                              </p:par>
+                            </p:childTnLst>
+                          </p:cTn>
+                        </p:par>
+                      </p:childTnLst>
+                    </p:cTn>
+                  </p:par>
+                  <p:par>
+                    <p:cTn id="21" fill="hold">
+                      <p:stCondLst>
+                        <p:cond delay="indefinite"/>
+                      </p:stCondLst>
+                      <p:childTnLst>
+                        <p:par>
+                          <p:cTn id="22" fill="hold">
+                            <p:stCondLst>
+                              <p:cond delay="0"/>
+                            </p:stCondLst>
+                            <p:childTnLst>
+                              <p:par>
+                                <p:cTn id="23" presetID="1" presetClass="entr" presetSubtype="0" fill="hold" nodeType="clickEffect">
+                                  <p:stCondLst>
+                                    <p:cond delay="0"/>
+                                  </p:stCondLst>
+                                  <p:childTnLst>
+                                    <p:set>
+                                      <p:cBhvr>
+                                        <p:cTn id="24" dur="1" fill="hold">
+                                          <p:stCondLst>
+                                            <p:cond delay="0"/>
+                                          </p:stCondLst>
+                                        </p:cTn>
+                                        <p:tgtEl>
+                                          <p:spTgt spid="3">
+                                            <p:txEl>
+                                              <p:pRg st="7" end="7"/>
+                                            </p:txEl>
+                                          </p:spTgt>
+                                        </p:tgtEl>
+                                        <p:attrNameLst>
+                                          <p:attrName>style.visibility</p:attrName>
+                                        </p:attrNameLst>
+                                      </p:cBhvr>
+                                      <p:to>
+                                        <p:strVal val="visible"/>
+                                      </p:to>
+                                    </p:set>
+                                  </p:childTnLst>
+                                </p:cTn>
+                              </p:par>
+                              <p:par>
+                                <p:cTn id="25" presetID="1" presetClass="entr" presetSubtype="0" fill="hold" nodeType="withEffect">
+                                  <p:stCondLst>
+                                    <p:cond delay="0"/>
+                                  </p:stCondLst>
+                                  <p:childTnLst>
+                                    <p:set>
+                                      <p:cBhvr>
+                                        <p:cTn id="26" dur="1" fill="hold">
+                                          <p:stCondLst>
+                                            <p:cond delay="0"/>
+                                          </p:stCondLst>
+                                        </p:cTn>
+                                        <p:tgtEl>
+                                          <p:spTgt spid="3">
+                                            <p:txEl>
+                                              <p:pRg st="8" end="8"/>
+                                            </p:txEl>
+                                          </p:spTgt>
+                                        </p:tgtEl>
+                                        <p:attrNameLst>
+                                          <p:attrName>style.visibility</p:attrName>
+                                        </p:attrNameLst>
+                                      </p:cBhvr>
+                                      <p:to>
+                                        <p:strVal val="visible"/>
+                                      </p:to>
+                                    </p:set>
+                                  </p:childTnLst>
+                                </p:cTn>
+                              </p:par>
+                              <p:par>
+                                <p:cTn id="27" presetID="1" presetClass="entr" presetSubtype="0" fill="hold" nodeType="withEffect">
+                                  <p:stCondLst>
+                                    <p:cond delay="0"/>
+                                  </p:stCondLst>
+                                  <p:childTnLst>
+                                    <p:set>
+                                      <p:cBhvr>
+                                        <p:cTn id="28" dur="1" fill="hold">
+                                          <p:stCondLst>
+                                            <p:cond delay="0"/>
+                                          </p:stCondLst>
+                                        </p:cTn>
+                                        <p:tgtEl>
+                                          <p:spTgt spid="3">
+                                            <p:txEl>
+                                              <p:pRg st="9" end="9"/>
+                                            </p:txEl>
+                                          </p:spTgt>
+                                        </p:tgtEl>
+                                        <p:attrNameLst>
+                                          <p:attrName>style.visibility</p:attrName>
+                                        </p:attrNameLst>
+                                      </p:cBhvr>
+                                      <p:to>
+                                        <p:strVal val="visible"/>
+                                      </p:to>
+                                    </p:set>
+                                  </p:childTnLst>
+                                </p:cTn>
+                              </p:par>
+                            </p:childTnLst>
+                          </p:cTn>
+                        </p:par>
+                      </p:childTnLst>
+                    </p:cTn>
+                  </p:par>
+                </p:childTnLst>
+              </p:cTn>
+              <p:prevCondLst>
+                <p:cond evt="onPrev" delay="0">
+                  <p:tgtEl>
+                    <p:sldTgt/>
+                  </p:tgtEl>
+                </p:cond>
+              </p:prevCondLst>
+              <p:nextCondLst>
+                <p:cond evt="onNext" delay="0">
+                  <p:tgtEl>
+                    <p:sldTgt/>
+                  </p:tgtEl>
+                </p:cond>
+              </p:nextCondLst>
+            </p:seq>
+          </p:childTnLst>
+        </p:cTn>
+      </p:par>
+    </p:tnLst>
+  </p:timing>
+</p:sld>
+</file>
+
+<file path=ppt/slides/slide30.xml><?xml version="1.0" encoding="utf-8"?>
 <p:sld xmlns:a="http://schemas.openxmlformats.org/drawingml/2006/main" xmlns:r="http://schemas.openxmlformats.org/officeDocument/2006/relationships" xmlns:p="http://schemas.openxmlformats.org/presentationml/2006/main">
   <p:cSld>
     <p:spTree>
@@ -12858,1065 +14262,6 @@
     <p:extLst>
       <p:ext uri="{BB962C8B-B14F-4D97-AF65-F5344CB8AC3E}">
         <p14:creationId xmlns:p14="http://schemas.microsoft.com/office/powerpoint/2010/main" val="4204218095"/>
-      </p:ext>
-    </p:extLst>
-  </p:cSld>
-  <p:clrMapOvr>
-    <a:masterClrMapping/>
-  </p:clrMapOvr>
-</p:sld>
-</file>
-
-<file path=ppt/slides/slide29.xml><?xml version="1.0" encoding="utf-8"?>
-<p:sld xmlns:a="http://schemas.openxmlformats.org/drawingml/2006/main" xmlns:r="http://schemas.openxmlformats.org/officeDocument/2006/relationships" xmlns:p="http://schemas.openxmlformats.org/presentationml/2006/main">
-  <p:cSld>
-    <p:spTree>
-      <p:nvGrpSpPr>
-        <p:cNvPr id="1" name=""/>
-        <p:cNvGrpSpPr/>
-        <p:nvPr/>
-      </p:nvGrpSpPr>
-      <p:grpSpPr>
-        <a:xfrm>
-          <a:off x="0" y="0"/>
-          <a:ext cx="0" cy="0"/>
-          <a:chOff x="0" y="0"/>
-          <a:chExt cx="0" cy="0"/>
-        </a:xfrm>
-      </p:grpSpPr>
-      <p:sp>
-        <p:nvSpPr>
-          <p:cNvPr id="7" name="Content Placeholder 2"/>
-          <p:cNvSpPr txBox="1">
-            <a:spLocks/>
-          </p:cNvSpPr>
-          <p:nvPr/>
-        </p:nvSpPr>
-        <p:spPr>
-          <a:xfrm>
-            <a:off x="457200" y="1143000"/>
-            <a:ext cx="8229600" cy="2819400"/>
-          </a:xfrm>
-          <a:prstGeom prst="rect">
-            <a:avLst/>
-          </a:prstGeom>
-        </p:spPr>
-        <p:txBody>
-          <a:bodyPr vert="horz" lIns="91440" tIns="45720" rIns="91440" bIns="45720" rtlCol="0">
-            <a:noAutofit/>
-          </a:bodyPr>
-          <a:lstStyle>
-            <a:lvl1pPr marL="0" indent="0" algn="l" defTabSz="914400" rtl="0" eaLnBrk="1" latinLnBrk="0" hangingPunct="1">
-              <a:spcBef>
-                <a:spcPct val="20000"/>
-              </a:spcBef>
-              <a:spcAft>
-                <a:spcPts val="600"/>
-              </a:spcAft>
-              <a:buFont typeface="Arial" pitchFamily="34" charset="0"/>
-              <a:buNone/>
-              <a:defRPr sz="2000" b="1" kern="1200">
-                <a:solidFill>
-                  <a:schemeClr val="tx1"/>
-                </a:solidFill>
-                <a:latin typeface="+mn-lt"/>
-                <a:ea typeface="+mn-ea"/>
-                <a:cs typeface="+mn-cs"/>
-              </a:defRPr>
-            </a:lvl1pPr>
-            <a:lvl2pPr marL="457200" indent="-182880" algn="l" defTabSz="914400" rtl="0" eaLnBrk="1" latinLnBrk="0" hangingPunct="1">
-              <a:spcBef>
-                <a:spcPct val="20000"/>
-              </a:spcBef>
-              <a:buClr>
-                <a:schemeClr val="tx2"/>
-              </a:buClr>
-              <a:buFont typeface="Wingdings" pitchFamily="2" charset="2"/>
-              <a:buChar char="q"/>
-              <a:defRPr sz="2000" kern="1200">
-                <a:solidFill>
-                  <a:schemeClr val="tx1"/>
-                </a:solidFill>
-                <a:latin typeface="+mn-lt"/>
-                <a:ea typeface="+mn-ea"/>
-                <a:cs typeface="+mn-cs"/>
-              </a:defRPr>
-            </a:lvl2pPr>
-            <a:lvl3pPr marL="1143000" indent="-228600" algn="l" defTabSz="914400" rtl="0" eaLnBrk="1" latinLnBrk="0" hangingPunct="1">
-              <a:spcBef>
-                <a:spcPct val="20000"/>
-              </a:spcBef>
-              <a:buClr>
-                <a:schemeClr val="tx2"/>
-              </a:buClr>
-              <a:buFont typeface="Wingdings" pitchFamily="2" charset="2"/>
-              <a:buChar char="q"/>
-              <a:defRPr sz="1800" kern="1200">
-                <a:solidFill>
-                  <a:schemeClr val="tx1"/>
-                </a:solidFill>
-                <a:latin typeface="+mn-lt"/>
-                <a:ea typeface="+mn-ea"/>
-                <a:cs typeface="+mn-cs"/>
-              </a:defRPr>
-            </a:lvl3pPr>
-            <a:lvl4pPr marL="1600200" indent="-228600" algn="l" defTabSz="914400" rtl="0" eaLnBrk="1" latinLnBrk="0" hangingPunct="1">
-              <a:spcBef>
-                <a:spcPct val="20000"/>
-              </a:spcBef>
-              <a:buClr>
-                <a:schemeClr val="tx2"/>
-              </a:buClr>
-              <a:buFont typeface="Wingdings" pitchFamily="2" charset="2"/>
-              <a:buChar char="q"/>
-              <a:defRPr sz="1800" kern="1200">
-                <a:solidFill>
-                  <a:schemeClr val="tx1"/>
-                </a:solidFill>
-                <a:latin typeface="+mn-lt"/>
-                <a:ea typeface="+mn-ea"/>
-                <a:cs typeface="+mn-cs"/>
-              </a:defRPr>
-            </a:lvl4pPr>
-            <a:lvl5pPr marL="2057400" indent="-228600" algn="l" defTabSz="914400" rtl="0" eaLnBrk="1" latinLnBrk="0" hangingPunct="1">
-              <a:spcBef>
-                <a:spcPct val="20000"/>
-              </a:spcBef>
-              <a:buClr>
-                <a:schemeClr val="tx2"/>
-              </a:buClr>
-              <a:buFont typeface="Wingdings" pitchFamily="2" charset="2"/>
-              <a:buChar char="q"/>
-              <a:defRPr sz="1800" kern="1200" baseline="0">
-                <a:solidFill>
-                  <a:schemeClr val="tx1"/>
-                </a:solidFill>
-                <a:latin typeface="+mn-lt"/>
-                <a:ea typeface="+mn-ea"/>
-                <a:cs typeface="+mn-cs"/>
-              </a:defRPr>
-            </a:lvl5pPr>
-            <a:lvl6pPr marL="2514600" indent="-228600" algn="l" defTabSz="914400" rtl="0" eaLnBrk="1" latinLnBrk="0" hangingPunct="1">
-              <a:spcBef>
-                <a:spcPct val="20000"/>
-              </a:spcBef>
-              <a:buClr>
-                <a:schemeClr val="tx2"/>
-              </a:buClr>
-              <a:buFont typeface="Arial" pitchFamily="34" charset="0"/>
-              <a:buChar char="•"/>
-              <a:defRPr sz="1600" kern="1200">
-                <a:solidFill>
-                  <a:schemeClr val="tx1"/>
-                </a:solidFill>
-                <a:latin typeface="+mn-lt"/>
-                <a:ea typeface="+mn-ea"/>
-                <a:cs typeface="+mn-cs"/>
-              </a:defRPr>
-            </a:lvl6pPr>
-            <a:lvl7pPr marL="2971800" indent="-228600" algn="l" defTabSz="914400" rtl="0" eaLnBrk="1" latinLnBrk="0" hangingPunct="1">
-              <a:spcBef>
-                <a:spcPct val="20000"/>
-              </a:spcBef>
-              <a:buClr>
-                <a:schemeClr val="tx2"/>
-              </a:buClr>
-              <a:buFont typeface="Arial" pitchFamily="34" charset="0"/>
-              <a:buChar char="•"/>
-              <a:defRPr sz="1600" kern="1200">
-                <a:solidFill>
-                  <a:schemeClr val="tx1"/>
-                </a:solidFill>
-                <a:latin typeface="+mn-lt"/>
-                <a:ea typeface="+mn-ea"/>
-                <a:cs typeface="+mn-cs"/>
-              </a:defRPr>
-            </a:lvl7pPr>
-            <a:lvl8pPr marL="3429000" indent="-228600" algn="l" defTabSz="914400" rtl="0" eaLnBrk="1" latinLnBrk="0" hangingPunct="1">
-              <a:spcBef>
-                <a:spcPct val="20000"/>
-              </a:spcBef>
-              <a:buClr>
-                <a:schemeClr val="tx2"/>
-              </a:buClr>
-              <a:buFont typeface="Arial" pitchFamily="34" charset="0"/>
-              <a:buChar char="•"/>
-              <a:defRPr sz="1600" kern="1200">
-                <a:solidFill>
-                  <a:schemeClr val="tx1"/>
-                </a:solidFill>
-                <a:latin typeface="+mn-lt"/>
-                <a:ea typeface="+mn-ea"/>
-                <a:cs typeface="+mn-cs"/>
-              </a:defRPr>
-            </a:lvl8pPr>
-            <a:lvl9pPr marL="3886200" indent="-228600" algn="l" defTabSz="914400" rtl="0" eaLnBrk="1" latinLnBrk="0" hangingPunct="1">
-              <a:spcBef>
-                <a:spcPct val="20000"/>
-              </a:spcBef>
-              <a:buClr>
-                <a:schemeClr val="tx2"/>
-              </a:buClr>
-              <a:buFont typeface="Arial" pitchFamily="34" charset="0"/>
-              <a:buChar char="•"/>
-              <a:defRPr sz="1600" kern="1200">
-                <a:solidFill>
-                  <a:schemeClr val="tx1"/>
-                </a:solidFill>
-                <a:latin typeface="+mn-lt"/>
-                <a:ea typeface="+mn-ea"/>
-                <a:cs typeface="+mn-cs"/>
-              </a:defRPr>
-            </a:lvl9pPr>
-          </a:lstStyle>
-          <a:p>
-            <a:pPr marL="342900" indent="-342900">
-              <a:buClr>
-                <a:schemeClr val="tx1"/>
-              </a:buClr>
-              <a:buFont typeface="Wingdings" pitchFamily="2" charset="2"/>
-              <a:buChar char="q"/>
-            </a:pPr>
-            <a:r>
-              <a:rPr lang="en-US" sz="1900" b="0" dirty="0">
-                <a:solidFill>
-                  <a:srgbClr val="C00000"/>
-                </a:solidFill>
-                <a:latin typeface="Lucida Sans Typewriter" panose="020B0509030504030204" pitchFamily="49" charset="0"/>
-              </a:rPr>
-              <a:t>{</a:t>
-            </a:r>
-            <a:r>
-              <a:rPr lang="en-US" sz="1900" b="0" dirty="0" err="1">
-                <a:solidFill>
-                  <a:srgbClr val="C00000"/>
-                </a:solidFill>
-                <a:latin typeface="Lucida Sans Typewriter" panose="020B0509030504030204" pitchFamily="49" charset="0"/>
-              </a:rPr>
-              <a:t>dplyr</a:t>
-            </a:r>
-            <a:r>
-              <a:rPr lang="en-US" sz="1900" b="0" dirty="0">
-                <a:solidFill>
-                  <a:srgbClr val="C00000"/>
-                </a:solidFill>
-                <a:latin typeface="Lucida Sans Typewriter" panose="020B0509030504030204" pitchFamily="49" charset="0"/>
-              </a:rPr>
-              <a:t>}</a:t>
-            </a:r>
-            <a:r>
-              <a:rPr lang="en-US" sz="1900" b="0" dirty="0"/>
-              <a:t> is a package developed by Hadley Wickham for summarizing data in a flexible and customizable way without worrying about indexing or looping</a:t>
-            </a:r>
-          </a:p>
-          <a:p>
-            <a:pPr marL="800100" lvl="1" indent="-342900">
-              <a:buClr>
-                <a:schemeClr val="tx1"/>
-              </a:buClr>
-            </a:pPr>
-            <a:r>
-              <a:rPr lang="en-US" sz="1900" dirty="0">
-                <a:solidFill>
-                  <a:srgbClr val="C00000"/>
-                </a:solidFill>
-                <a:latin typeface="Lucida Sans Typewriter" panose="020B0509030504030204" pitchFamily="49" charset="0"/>
-              </a:rPr>
-              <a:t>filter()</a:t>
-            </a:r>
-            <a:r>
-              <a:rPr lang="en-US" sz="1900" dirty="0"/>
-              <a:t> simplified conditional indexing</a:t>
-            </a:r>
-            <a:endParaRPr lang="en-US" sz="1900" dirty="0">
-              <a:solidFill>
-                <a:srgbClr val="C00000"/>
-              </a:solidFill>
-              <a:latin typeface="Lucida Sans Typewriter" panose="020B0509030504030204" pitchFamily="49" charset="0"/>
-            </a:endParaRPr>
-          </a:p>
-          <a:p>
-            <a:pPr marL="800100" lvl="1" indent="-342900">
-              <a:buClr>
-                <a:schemeClr val="tx1"/>
-              </a:buClr>
-            </a:pPr>
-            <a:r>
-              <a:rPr lang="en-US" sz="1900" dirty="0">
-                <a:solidFill>
-                  <a:srgbClr val="C00000"/>
-                </a:solidFill>
-                <a:latin typeface="Lucida Sans Typewriter" panose="020B0509030504030204" pitchFamily="49" charset="0"/>
-              </a:rPr>
-              <a:t>select</a:t>
-            </a:r>
-            <a:r>
-              <a:rPr lang="en-US" sz="1900" b="0" dirty="0">
-                <a:solidFill>
-                  <a:srgbClr val="C00000"/>
-                </a:solidFill>
-                <a:latin typeface="Lucida Sans Typewriter" panose="020B0509030504030204" pitchFamily="49" charset="0"/>
-              </a:rPr>
-              <a:t>()</a:t>
-            </a:r>
-            <a:r>
-              <a:rPr lang="en-US" sz="1900" dirty="0"/>
-              <a:t> simplified conditional indexing</a:t>
-            </a:r>
-          </a:p>
-          <a:p>
-            <a:pPr marL="800100" lvl="1" indent="-342900">
-              <a:buClr>
-                <a:schemeClr val="tx1"/>
-              </a:buClr>
-            </a:pPr>
-            <a:r>
-              <a:rPr lang="en-US" sz="1900" b="0" dirty="0" err="1">
-                <a:solidFill>
-                  <a:srgbClr val="C00000"/>
-                </a:solidFill>
-                <a:latin typeface="Lucida Sans Typewriter" panose="020B0509030504030204" pitchFamily="49" charset="0"/>
-              </a:rPr>
-              <a:t>group_by</a:t>
-            </a:r>
-            <a:r>
-              <a:rPr lang="en-US" sz="1900" b="0" dirty="0">
-                <a:solidFill>
-                  <a:srgbClr val="C00000"/>
-                </a:solidFill>
-                <a:latin typeface="Lucida Sans Typewriter" panose="020B0509030504030204" pitchFamily="49" charset="0"/>
-              </a:rPr>
-              <a:t>()</a:t>
-            </a:r>
-            <a:r>
-              <a:rPr lang="en-US" sz="1900" dirty="0"/>
-              <a:t> stratify by a variable</a:t>
-            </a:r>
-            <a:endParaRPr lang="en-US" sz="1900" b="0" dirty="0">
-              <a:solidFill>
-                <a:srgbClr val="C00000"/>
-              </a:solidFill>
-              <a:latin typeface="Lucida Sans Typewriter" panose="020B0509030504030204" pitchFamily="49" charset="0"/>
-            </a:endParaRPr>
-          </a:p>
-          <a:p>
-            <a:pPr marL="800100" lvl="1" indent="-342900">
-              <a:buClr>
-                <a:schemeClr val="tx1"/>
-              </a:buClr>
-            </a:pPr>
-            <a:r>
-              <a:rPr lang="en-US" sz="1900" dirty="0" err="1">
-                <a:solidFill>
-                  <a:srgbClr val="C00000"/>
-                </a:solidFill>
-                <a:latin typeface="Lucida Sans Typewriter" panose="020B0509030504030204" pitchFamily="49" charset="0"/>
-              </a:rPr>
-              <a:t>summarise</a:t>
-            </a:r>
-            <a:r>
-              <a:rPr lang="en-US" sz="1900" dirty="0">
-                <a:solidFill>
-                  <a:srgbClr val="C00000"/>
-                </a:solidFill>
-                <a:latin typeface="Lucida Sans Typewriter" panose="020B0509030504030204" pitchFamily="49" charset="0"/>
-              </a:rPr>
-              <a:t>()</a:t>
-            </a:r>
-            <a:r>
-              <a:rPr lang="en-US" sz="1900" dirty="0"/>
-              <a:t> apply flexible summary statistics</a:t>
-            </a:r>
-          </a:p>
-          <a:p>
-            <a:pPr marL="800100" lvl="1" indent="-342900">
-              <a:buClr>
-                <a:schemeClr val="tx1"/>
-              </a:buClr>
-            </a:pPr>
-            <a:r>
-              <a:rPr lang="en-US" sz="1900" b="0" dirty="0">
-                <a:solidFill>
-                  <a:srgbClr val="C00000"/>
-                </a:solidFill>
-                <a:latin typeface="Lucida Sans Typewriter" panose="020B0509030504030204" pitchFamily="49" charset="0"/>
-              </a:rPr>
-              <a:t>%&gt;%</a:t>
-            </a:r>
-            <a:r>
-              <a:rPr lang="en-US" sz="1900" b="0" dirty="0"/>
-              <a:t> “pipe”; pass results on left to functions on right</a:t>
-            </a:r>
-          </a:p>
-        </p:txBody>
-      </p:sp>
-      <p:sp>
-        <p:nvSpPr>
-          <p:cNvPr id="5" name="Rectangle 4"/>
-          <p:cNvSpPr/>
-          <p:nvPr/>
-        </p:nvSpPr>
-        <p:spPr>
-          <a:xfrm>
-            <a:off x="4447607" y="3244334"/>
-            <a:ext cx="248786" cy="369332"/>
-          </a:xfrm>
-          <a:prstGeom prst="rect">
-            <a:avLst/>
-          </a:prstGeom>
-        </p:spPr>
-        <p:txBody>
-          <a:bodyPr wrap="none">
-            <a:spAutoFit/>
-          </a:bodyPr>
-          <a:lstStyle/>
-          <a:p>
-            <a:r>
-              <a:rPr lang="en-US" dirty="0"/>
-              <a:t> </a:t>
-            </a:r>
-            <a:endParaRPr lang="en-CA" dirty="0"/>
-          </a:p>
-        </p:txBody>
-      </p:sp>
-      <p:sp>
-        <p:nvSpPr>
-          <p:cNvPr id="8" name="Title 1"/>
-          <p:cNvSpPr>
-            <a:spLocks noGrp="1"/>
-          </p:cNvSpPr>
-          <p:nvPr>
-            <p:ph type="title"/>
-          </p:nvPr>
-        </p:nvSpPr>
-        <p:spPr>
-          <a:xfrm>
-            <a:off x="457200" y="152718"/>
-            <a:ext cx="8229600" cy="761682"/>
-          </a:xfrm>
-        </p:spPr>
-        <p:txBody>
-          <a:bodyPr>
-            <a:normAutofit/>
-          </a:bodyPr>
-          <a:lstStyle/>
-          <a:p>
-            <a:r>
-              <a:rPr lang="en-CA" dirty="0">
-                <a:solidFill>
-                  <a:srgbClr val="C00000"/>
-                </a:solidFill>
-              </a:rPr>
-              <a:t>Summary stats: </a:t>
-            </a:r>
-            <a:r>
-              <a:rPr lang="en-CA" sz="3000" b="1" dirty="0">
-                <a:solidFill>
-                  <a:srgbClr val="C00000"/>
-                </a:solidFill>
-                <a:latin typeface="Lucida Sans Typewriter" panose="020B0509030504030204" pitchFamily="49" charset="0"/>
-              </a:rPr>
-              <a:t>{</a:t>
-            </a:r>
-            <a:r>
-              <a:rPr lang="en-CA" sz="3000" b="1" dirty="0" err="1">
-                <a:solidFill>
-                  <a:srgbClr val="C00000"/>
-                </a:solidFill>
-                <a:latin typeface="Lucida Sans Typewriter" panose="020B0509030504030204" pitchFamily="49" charset="0"/>
-              </a:rPr>
-              <a:t>dplyr</a:t>
-            </a:r>
-            <a:r>
-              <a:rPr lang="en-CA" sz="3000" b="1" dirty="0">
-                <a:solidFill>
-                  <a:srgbClr val="C00000"/>
-                </a:solidFill>
-                <a:latin typeface="Lucida Sans Typewriter" panose="020B0509030504030204" pitchFamily="49" charset="0"/>
-              </a:rPr>
-              <a:t>}</a:t>
-            </a:r>
-          </a:p>
-        </p:txBody>
-      </p:sp>
-    </p:spTree>
-    <p:extLst>
-      <p:ext uri="{BB962C8B-B14F-4D97-AF65-F5344CB8AC3E}">
-        <p14:creationId xmlns:p14="http://schemas.microsoft.com/office/powerpoint/2010/main" val="2178775483"/>
-      </p:ext>
-    </p:extLst>
-  </p:cSld>
-  <p:clrMapOvr>
-    <a:masterClrMapping/>
-  </p:clrMapOvr>
-</p:sld>
-</file>
-
-<file path=ppt/slides/slide3.xml><?xml version="1.0" encoding="utf-8"?>
-<p:sld xmlns:a="http://schemas.openxmlformats.org/drawingml/2006/main" xmlns:r="http://schemas.openxmlformats.org/officeDocument/2006/relationships" xmlns:p="http://schemas.openxmlformats.org/presentationml/2006/main">
-  <p:cSld>
-    <p:spTree>
-      <p:nvGrpSpPr>
-        <p:cNvPr id="1" name=""/>
-        <p:cNvGrpSpPr/>
-        <p:nvPr/>
-      </p:nvGrpSpPr>
-      <p:grpSpPr>
-        <a:xfrm>
-          <a:off x="0" y="0"/>
-          <a:ext cx="0" cy="0"/>
-          <a:chOff x="0" y="0"/>
-          <a:chExt cx="0" cy="0"/>
-        </a:xfrm>
-      </p:grpSpPr>
-      <p:sp>
-        <p:nvSpPr>
-          <p:cNvPr id="3" name="Content Placeholder 2"/>
-          <p:cNvSpPr>
-            <a:spLocks noGrp="1"/>
-          </p:cNvSpPr>
-          <p:nvPr>
-            <p:ph idx="1"/>
-          </p:nvPr>
-        </p:nvSpPr>
-        <p:spPr>
-          <a:xfrm>
-            <a:off x="381000" y="1143000"/>
-            <a:ext cx="7620000" cy="4983163"/>
-          </a:xfrm>
-        </p:spPr>
-        <p:txBody>
-          <a:bodyPr>
-            <a:normAutofit/>
-          </a:bodyPr>
-          <a:lstStyle/>
-          <a:p>
-            <a:pPr marL="457200" indent="-457200">
-              <a:buFont typeface="Wingdings" panose="05000000000000000000" pitchFamily="2" charset="2"/>
-              <a:buChar char="q"/>
-            </a:pPr>
-            <a:r>
-              <a:rPr lang="en-US" dirty="0"/>
-              <a:t>Staying organized</a:t>
-            </a:r>
-          </a:p>
-          <a:p>
-            <a:pPr marL="914400" lvl="1" indent="-457200">
-              <a:buFont typeface="Wingdings" panose="05000000000000000000" pitchFamily="2" charset="2"/>
-              <a:buChar char="§"/>
-            </a:pPr>
-            <a:r>
-              <a:rPr lang="en-US" b="0" dirty="0"/>
-              <a:t>Commenting code</a:t>
-            </a:r>
-          </a:p>
-          <a:p>
-            <a:pPr marL="914400" lvl="1" indent="-457200">
-              <a:buFont typeface="Wingdings" panose="05000000000000000000" pitchFamily="2" charset="2"/>
-              <a:buChar char="§"/>
-            </a:pPr>
-            <a:r>
-              <a:rPr lang="en-US" dirty="0"/>
-              <a:t>Creating sections</a:t>
-            </a:r>
-          </a:p>
-          <a:p>
-            <a:pPr marL="914400" lvl="1" indent="-457200">
-              <a:buFont typeface="Wingdings" panose="05000000000000000000" pitchFamily="2" charset="2"/>
-              <a:buChar char="§"/>
-            </a:pPr>
-            <a:r>
-              <a:rPr lang="en-US" dirty="0"/>
-              <a:t>Navigating working directories</a:t>
-            </a:r>
-            <a:endParaRPr lang="en-US" b="0" dirty="0"/>
-          </a:p>
-          <a:p>
-            <a:pPr marL="457200" indent="-457200">
-              <a:buFont typeface="Wingdings" panose="05000000000000000000" pitchFamily="2" charset="2"/>
-              <a:buChar char="q"/>
-            </a:pPr>
-            <a:r>
-              <a:rPr lang="en-US" dirty="0"/>
-              <a:t>Data quality is key!</a:t>
-            </a:r>
-          </a:p>
-          <a:p>
-            <a:pPr marL="914400" lvl="1" indent="-457200">
-              <a:buFont typeface="Wingdings" panose="05000000000000000000" pitchFamily="2" charset="2"/>
-              <a:buChar char="§"/>
-            </a:pPr>
-            <a:r>
-              <a:rPr lang="en-US" b="0" dirty="0"/>
-              <a:t>Preparing a flat file</a:t>
-            </a:r>
-          </a:p>
-          <a:p>
-            <a:pPr marL="914400" lvl="1" indent="-457200">
-              <a:buFont typeface="Wingdings" panose="05000000000000000000" pitchFamily="2" charset="2"/>
-              <a:buChar char="§"/>
-            </a:pPr>
-            <a:r>
-              <a:rPr lang="en-US" dirty="0"/>
-              <a:t>Importing data</a:t>
-            </a:r>
-            <a:endParaRPr lang="en-US" b="0" dirty="0"/>
-          </a:p>
-          <a:p>
-            <a:pPr marL="914400" lvl="1" indent="-457200">
-              <a:buFont typeface="Wingdings" panose="05000000000000000000" pitchFamily="2" charset="2"/>
-              <a:buChar char="§"/>
-            </a:pPr>
-            <a:r>
-              <a:rPr lang="en-US" dirty="0"/>
-              <a:t>Tips for data quality assurance</a:t>
-            </a:r>
-            <a:endParaRPr lang="en-US" b="0" dirty="0"/>
-          </a:p>
-          <a:p>
-            <a:pPr marL="457200" indent="-457200">
-              <a:buFont typeface="Wingdings" panose="05000000000000000000" pitchFamily="2" charset="2"/>
-              <a:buChar char="q"/>
-            </a:pPr>
-            <a:r>
-              <a:rPr lang="en-US" dirty="0"/>
-              <a:t>Efficient data exploration</a:t>
-            </a:r>
-          </a:p>
-          <a:p>
-            <a:pPr marL="914400" lvl="1" indent="-457200">
-              <a:buFont typeface="Wingdings" panose="05000000000000000000" pitchFamily="2" charset="2"/>
-              <a:buChar char="§"/>
-            </a:pPr>
-            <a:r>
-              <a:rPr lang="en-US" dirty="0"/>
-              <a:t>Formatting dates using {</a:t>
-            </a:r>
-            <a:r>
-              <a:rPr lang="en-US" dirty="0" err="1"/>
-              <a:t>lubridate</a:t>
-            </a:r>
-            <a:r>
-              <a:rPr lang="en-US" dirty="0"/>
-              <a:t>}</a:t>
-            </a:r>
-          </a:p>
-          <a:p>
-            <a:pPr marL="914400" lvl="1" indent="-457200">
-              <a:buFont typeface="Wingdings" panose="05000000000000000000" pitchFamily="2" charset="2"/>
-              <a:buChar char="§"/>
-            </a:pPr>
-            <a:r>
-              <a:rPr lang="en-US" b="0" dirty="0"/>
-              <a:t>Summarizing data using {</a:t>
-            </a:r>
-            <a:r>
-              <a:rPr lang="en-US" b="0" dirty="0" err="1"/>
-              <a:t>dplyr</a:t>
-            </a:r>
-            <a:r>
-              <a:rPr lang="en-US" b="0" dirty="0"/>
-              <a:t>}</a:t>
-            </a:r>
-          </a:p>
-        </p:txBody>
-      </p:sp>
-      <p:sp>
-        <p:nvSpPr>
-          <p:cNvPr id="5" name="Title 1"/>
-          <p:cNvSpPr txBox="1">
-            <a:spLocks/>
-          </p:cNvSpPr>
-          <p:nvPr/>
-        </p:nvSpPr>
-        <p:spPr>
-          <a:xfrm>
-            <a:off x="228600" y="0"/>
-            <a:ext cx="8077200" cy="914082"/>
-          </a:xfrm>
-          <a:prstGeom prst="rect">
-            <a:avLst/>
-          </a:prstGeom>
-        </p:spPr>
-        <p:txBody>
-          <a:bodyPr vert="horz" lIns="91440" tIns="45720" rIns="91440" bIns="45720" rtlCol="0" anchor="b">
-            <a:normAutofit/>
-          </a:bodyPr>
-          <a:lstStyle>
-            <a:lvl1pPr algn="l" defTabSz="914400" rtl="0" eaLnBrk="1" latinLnBrk="0" hangingPunct="1">
-              <a:spcBef>
-                <a:spcPct val="0"/>
-              </a:spcBef>
-              <a:buNone/>
-              <a:defRPr sz="3600" kern="1200" cap="all" spc="-60" baseline="0">
-                <a:solidFill>
-                  <a:schemeClr val="tx2"/>
-                </a:solidFill>
-                <a:latin typeface="+mj-lt"/>
-                <a:ea typeface="+mj-ea"/>
-                <a:cs typeface="+mj-cs"/>
-              </a:defRPr>
-            </a:lvl1pPr>
-          </a:lstStyle>
-          <a:p>
-            <a:r>
-              <a:rPr lang="en-US" sz="3000" dirty="0">
-                <a:solidFill>
-                  <a:srgbClr val="C00000"/>
-                </a:solidFill>
-              </a:rPr>
-              <a:t>Data wrangling in R</a:t>
-            </a:r>
-          </a:p>
-        </p:txBody>
-      </p:sp>
-    </p:spTree>
-    <p:extLst>
-      <p:ext uri="{BB962C8B-B14F-4D97-AF65-F5344CB8AC3E}">
-        <p14:creationId xmlns:p14="http://schemas.microsoft.com/office/powerpoint/2010/main" val="1775568498"/>
-      </p:ext>
-    </p:extLst>
-  </p:cSld>
-  <p:clrMapOvr>
-    <a:masterClrMapping/>
-  </p:clrMapOvr>
-</p:sld>
-</file>
-
-<file path=ppt/slides/slide30.xml><?xml version="1.0" encoding="utf-8"?>
-<p:sld xmlns:a="http://schemas.openxmlformats.org/drawingml/2006/main" xmlns:r="http://schemas.openxmlformats.org/officeDocument/2006/relationships" xmlns:p="http://schemas.openxmlformats.org/presentationml/2006/main">
-  <p:cSld>
-    <p:spTree>
-      <p:nvGrpSpPr>
-        <p:cNvPr id="1" name=""/>
-        <p:cNvGrpSpPr/>
-        <p:nvPr/>
-      </p:nvGrpSpPr>
-      <p:grpSpPr>
-        <a:xfrm>
-          <a:off x="0" y="0"/>
-          <a:ext cx="0" cy="0"/>
-          <a:chOff x="0" y="0"/>
-          <a:chExt cx="0" cy="0"/>
-        </a:xfrm>
-      </p:grpSpPr>
-      <p:sp>
-        <p:nvSpPr>
-          <p:cNvPr id="5" name="Rectangle 4"/>
-          <p:cNvSpPr/>
-          <p:nvPr/>
-        </p:nvSpPr>
-        <p:spPr>
-          <a:xfrm>
-            <a:off x="4447607" y="3244334"/>
-            <a:ext cx="248786" cy="369332"/>
-          </a:xfrm>
-          <a:prstGeom prst="rect">
-            <a:avLst/>
-          </a:prstGeom>
-        </p:spPr>
-        <p:txBody>
-          <a:bodyPr wrap="none">
-            <a:spAutoFit/>
-          </a:bodyPr>
-          <a:lstStyle/>
-          <a:p>
-            <a:r>
-              <a:rPr lang="en-US" dirty="0"/>
-              <a:t> </a:t>
-            </a:r>
-            <a:endParaRPr lang="en-CA" dirty="0"/>
-          </a:p>
-        </p:txBody>
-      </p:sp>
-      <p:sp>
-        <p:nvSpPr>
-          <p:cNvPr id="8" name="Title 1"/>
-          <p:cNvSpPr>
-            <a:spLocks noGrp="1"/>
-          </p:cNvSpPr>
-          <p:nvPr>
-            <p:ph type="title"/>
-          </p:nvPr>
-        </p:nvSpPr>
-        <p:spPr>
-          <a:xfrm>
-            <a:off x="457200" y="152718"/>
-            <a:ext cx="8229600" cy="761682"/>
-          </a:xfrm>
-        </p:spPr>
-        <p:txBody>
-          <a:bodyPr>
-            <a:normAutofit/>
-          </a:bodyPr>
-          <a:lstStyle/>
-          <a:p>
-            <a:r>
-              <a:rPr lang="en-CA" dirty="0">
-                <a:solidFill>
-                  <a:srgbClr val="C00000"/>
-                </a:solidFill>
-              </a:rPr>
-              <a:t>Summary stats: </a:t>
-            </a:r>
-            <a:r>
-              <a:rPr lang="en-CA" sz="3000" b="1" dirty="0">
-                <a:solidFill>
-                  <a:srgbClr val="C00000"/>
-                </a:solidFill>
-                <a:latin typeface="Lucida Sans Typewriter" panose="020B0509030504030204" pitchFamily="49" charset="0"/>
-              </a:rPr>
-              <a:t>{</a:t>
-            </a:r>
-            <a:r>
-              <a:rPr lang="en-CA" sz="3000" b="1" dirty="0" err="1">
-                <a:solidFill>
-                  <a:srgbClr val="C00000"/>
-                </a:solidFill>
-                <a:latin typeface="Lucida Sans Typewriter" panose="020B0509030504030204" pitchFamily="49" charset="0"/>
-              </a:rPr>
-              <a:t>dplyr</a:t>
-            </a:r>
-            <a:r>
-              <a:rPr lang="en-CA" sz="3000" b="1" dirty="0">
-                <a:solidFill>
-                  <a:srgbClr val="C00000"/>
-                </a:solidFill>
-                <a:latin typeface="Lucida Sans Typewriter" panose="020B0509030504030204" pitchFamily="49" charset="0"/>
-              </a:rPr>
-              <a:t>}</a:t>
-            </a:r>
-          </a:p>
-        </p:txBody>
-      </p:sp>
-      <p:sp>
-        <p:nvSpPr>
-          <p:cNvPr id="3" name="Rectangle 2"/>
-          <p:cNvSpPr/>
-          <p:nvPr/>
-        </p:nvSpPr>
-        <p:spPr>
-          <a:xfrm>
-            <a:off x="457200" y="1258431"/>
-            <a:ext cx="8229600" cy="2554545"/>
-          </a:xfrm>
-          <a:prstGeom prst="rect">
-            <a:avLst/>
-          </a:prstGeom>
-        </p:spPr>
-        <p:txBody>
-          <a:bodyPr wrap="square">
-            <a:spAutoFit/>
-          </a:bodyPr>
-          <a:lstStyle/>
-          <a:p>
-            <a:pPr lvl="1" indent="0">
-              <a:buClr>
-                <a:schemeClr val="tx1"/>
-              </a:buClr>
-              <a:buNone/>
-            </a:pPr>
-            <a:r>
-              <a:rPr lang="en-US" sz="2000" dirty="0">
-                <a:solidFill>
-                  <a:srgbClr val="008000"/>
-                </a:solidFill>
-                <a:latin typeface="Lucida Sans Typewriter" panose="020B0509030504030204" pitchFamily="49" charset="0"/>
-              </a:rPr>
-              <a:t># Subset </a:t>
-            </a:r>
-            <a:r>
-              <a:rPr lang="en-US" sz="2000" dirty="0" err="1">
-                <a:solidFill>
-                  <a:srgbClr val="008000"/>
-                </a:solidFill>
-                <a:latin typeface="Lucida Sans Typewriter" panose="020B0509030504030204" pitchFamily="49" charset="0"/>
-              </a:rPr>
-              <a:t>mydata</a:t>
-            </a:r>
-            <a:r>
-              <a:rPr lang="en-US" sz="2000" dirty="0">
-                <a:solidFill>
-                  <a:srgbClr val="008000"/>
-                </a:solidFill>
-                <a:latin typeface="Lucida Sans Typewriter" panose="020B0509030504030204" pitchFamily="49" charset="0"/>
-              </a:rPr>
-              <a:t> to look only at males</a:t>
-            </a:r>
-          </a:p>
-          <a:p>
-            <a:pPr lvl="1" indent="0">
-              <a:buClr>
-                <a:schemeClr val="tx1"/>
-              </a:buClr>
-              <a:buNone/>
-            </a:pPr>
-            <a:endParaRPr lang="en-US" sz="2000" dirty="0">
-              <a:solidFill>
-                <a:srgbClr val="008000"/>
-              </a:solidFill>
-              <a:latin typeface="Lucida Sans Typewriter" panose="020B0509030504030204" pitchFamily="49" charset="0"/>
-            </a:endParaRPr>
-          </a:p>
-          <a:p>
-            <a:pPr lvl="1" indent="0">
-              <a:buClr>
-                <a:schemeClr val="tx1"/>
-              </a:buClr>
-              <a:buNone/>
-            </a:pPr>
-            <a:r>
-              <a:rPr lang="en-US" sz="2000" dirty="0">
-                <a:solidFill>
-                  <a:srgbClr val="008000"/>
-                </a:solidFill>
-                <a:latin typeface="Lucida Sans Typewriter" panose="020B0509030504030204" pitchFamily="49" charset="0"/>
-              </a:rPr>
-              <a:t># Option 1 (indexing)</a:t>
-            </a:r>
-          </a:p>
-          <a:p>
-            <a:pPr lvl="1" indent="0">
-              <a:buClr>
-                <a:schemeClr val="tx1"/>
-              </a:buClr>
-              <a:buNone/>
-            </a:pPr>
-            <a:r>
-              <a:rPr lang="en-US" sz="2000" dirty="0" err="1">
-                <a:solidFill>
-                  <a:srgbClr val="C00000"/>
-                </a:solidFill>
-                <a:latin typeface="Lucida Sans Typewriter" panose="020B0509030504030204" pitchFamily="49" charset="0"/>
-              </a:rPr>
-              <a:t>mydata</a:t>
-            </a:r>
-            <a:r>
-              <a:rPr lang="en-US" sz="2000" dirty="0">
-                <a:solidFill>
-                  <a:srgbClr val="C00000"/>
-                </a:solidFill>
-                <a:latin typeface="Lucida Sans Typewriter" panose="020B0509030504030204" pitchFamily="49" charset="0"/>
-              </a:rPr>
-              <a:t>[</a:t>
-            </a:r>
-            <a:r>
-              <a:rPr lang="en-US" sz="2000" dirty="0" err="1">
-                <a:solidFill>
-                  <a:srgbClr val="C00000"/>
-                </a:solidFill>
-                <a:latin typeface="Lucida Sans Typewriter" panose="020B0509030504030204" pitchFamily="49" charset="0"/>
-              </a:rPr>
-              <a:t>mydata$sex</a:t>
-            </a:r>
-            <a:r>
-              <a:rPr lang="en-US" sz="2000" dirty="0">
-                <a:solidFill>
-                  <a:srgbClr val="C00000"/>
-                </a:solidFill>
-                <a:latin typeface="Lucida Sans Typewriter" panose="020B0509030504030204" pitchFamily="49" charset="0"/>
-              </a:rPr>
-              <a:t>==“m”,]</a:t>
-            </a:r>
-          </a:p>
-          <a:p>
-            <a:pPr lvl="1" indent="0">
-              <a:buClr>
-                <a:schemeClr val="tx1"/>
-              </a:buClr>
-              <a:buNone/>
-            </a:pPr>
-            <a:endParaRPr lang="en-US" sz="2000" dirty="0">
-              <a:solidFill>
-                <a:srgbClr val="C00000"/>
-              </a:solidFill>
-              <a:latin typeface="Lucida Sans Typewriter" panose="020B0509030504030204" pitchFamily="49" charset="0"/>
-            </a:endParaRPr>
-          </a:p>
-          <a:p>
-            <a:pPr lvl="1" indent="0">
-              <a:buClr>
-                <a:schemeClr val="tx1"/>
-              </a:buClr>
-              <a:buNone/>
-            </a:pPr>
-            <a:r>
-              <a:rPr lang="en-US" sz="2000" dirty="0">
-                <a:solidFill>
-                  <a:srgbClr val="008000"/>
-                </a:solidFill>
-                <a:latin typeface="Lucida Sans Typewriter" panose="020B0509030504030204" pitchFamily="49" charset="0"/>
-              </a:rPr>
-              <a:t># Option 2 (</a:t>
-            </a:r>
-            <a:r>
-              <a:rPr lang="en-US" sz="2000" dirty="0" err="1">
-                <a:solidFill>
-                  <a:srgbClr val="008000"/>
-                </a:solidFill>
-                <a:latin typeface="Lucida Sans Typewriter" panose="020B0509030504030204" pitchFamily="49" charset="0"/>
-              </a:rPr>
-              <a:t>dplyr</a:t>
-            </a:r>
-            <a:r>
-              <a:rPr lang="en-US" sz="2000" dirty="0">
-                <a:solidFill>
-                  <a:srgbClr val="008000"/>
-                </a:solidFill>
-                <a:latin typeface="Lucida Sans Typewriter" panose="020B0509030504030204" pitchFamily="49" charset="0"/>
-              </a:rPr>
-              <a:t>)</a:t>
-            </a:r>
-          </a:p>
-          <a:p>
-            <a:pPr lvl="1" indent="0">
-              <a:buClr>
-                <a:schemeClr val="tx1"/>
-              </a:buClr>
-              <a:buNone/>
-            </a:pPr>
-            <a:r>
-              <a:rPr lang="en-US" sz="2000" dirty="0" err="1">
-                <a:solidFill>
-                  <a:srgbClr val="C00000"/>
-                </a:solidFill>
-                <a:latin typeface="Lucida Sans Typewriter" panose="020B0509030504030204" pitchFamily="49" charset="0"/>
-              </a:rPr>
-              <a:t>mydata</a:t>
-            </a:r>
-            <a:r>
-              <a:rPr lang="en-US" sz="2000" dirty="0">
-                <a:solidFill>
-                  <a:srgbClr val="C00000"/>
-                </a:solidFill>
-                <a:latin typeface="Lucida Sans Typewriter" panose="020B0509030504030204" pitchFamily="49" charset="0"/>
-              </a:rPr>
-              <a:t>%&gt;%</a:t>
-            </a:r>
-          </a:p>
-          <a:p>
-            <a:pPr lvl="1" indent="0">
-              <a:buClr>
-                <a:schemeClr val="tx1"/>
-              </a:buClr>
-              <a:buNone/>
-            </a:pPr>
-            <a:r>
-              <a:rPr lang="en-US" sz="2000" dirty="0">
-                <a:solidFill>
-                  <a:srgbClr val="C00000"/>
-                </a:solidFill>
-                <a:latin typeface="Lucida Sans Typewriter" panose="020B0509030504030204" pitchFamily="49" charset="0"/>
-              </a:rPr>
-              <a:t>	filter(sex==“m”)</a:t>
-            </a:r>
-          </a:p>
-        </p:txBody>
-      </p:sp>
-    </p:spTree>
-    <p:extLst>
-      <p:ext uri="{BB962C8B-B14F-4D97-AF65-F5344CB8AC3E}">
-        <p14:creationId xmlns:p14="http://schemas.microsoft.com/office/powerpoint/2010/main" val="634127516"/>
       </p:ext>
     </p:extLst>
   </p:cSld>
@@ -13945,6 +14290,372 @@
       </p:grpSpPr>
       <p:sp>
         <p:nvSpPr>
+          <p:cNvPr id="7" name="Content Placeholder 2"/>
+          <p:cNvSpPr txBox="1">
+            <a:spLocks/>
+          </p:cNvSpPr>
+          <p:nvPr/>
+        </p:nvSpPr>
+        <p:spPr>
+          <a:xfrm>
+            <a:off x="457200" y="1143000"/>
+            <a:ext cx="8229600" cy="2819400"/>
+          </a:xfrm>
+          <a:prstGeom prst="rect">
+            <a:avLst/>
+          </a:prstGeom>
+        </p:spPr>
+        <p:txBody>
+          <a:bodyPr vert="horz" lIns="91440" tIns="45720" rIns="91440" bIns="45720" rtlCol="0">
+            <a:noAutofit/>
+          </a:bodyPr>
+          <a:lstStyle>
+            <a:lvl1pPr marL="0" indent="0" algn="l" defTabSz="914400" rtl="0" eaLnBrk="1" latinLnBrk="0" hangingPunct="1">
+              <a:spcBef>
+                <a:spcPct val="20000"/>
+              </a:spcBef>
+              <a:spcAft>
+                <a:spcPts val="600"/>
+              </a:spcAft>
+              <a:buFont typeface="Arial" pitchFamily="34" charset="0"/>
+              <a:buNone/>
+              <a:defRPr sz="2000" b="1" kern="1200">
+                <a:solidFill>
+                  <a:schemeClr val="tx1"/>
+                </a:solidFill>
+                <a:latin typeface="+mn-lt"/>
+                <a:ea typeface="+mn-ea"/>
+                <a:cs typeface="+mn-cs"/>
+              </a:defRPr>
+            </a:lvl1pPr>
+            <a:lvl2pPr marL="457200" indent="-182880" algn="l" defTabSz="914400" rtl="0" eaLnBrk="1" latinLnBrk="0" hangingPunct="1">
+              <a:spcBef>
+                <a:spcPct val="20000"/>
+              </a:spcBef>
+              <a:buClr>
+                <a:schemeClr val="tx2"/>
+              </a:buClr>
+              <a:buFont typeface="Wingdings" pitchFamily="2" charset="2"/>
+              <a:buChar char="q"/>
+              <a:defRPr sz="2000" kern="1200">
+                <a:solidFill>
+                  <a:schemeClr val="tx1"/>
+                </a:solidFill>
+                <a:latin typeface="+mn-lt"/>
+                <a:ea typeface="+mn-ea"/>
+                <a:cs typeface="+mn-cs"/>
+              </a:defRPr>
+            </a:lvl2pPr>
+            <a:lvl3pPr marL="1143000" indent="-228600" algn="l" defTabSz="914400" rtl="0" eaLnBrk="1" latinLnBrk="0" hangingPunct="1">
+              <a:spcBef>
+                <a:spcPct val="20000"/>
+              </a:spcBef>
+              <a:buClr>
+                <a:schemeClr val="tx2"/>
+              </a:buClr>
+              <a:buFont typeface="Wingdings" pitchFamily="2" charset="2"/>
+              <a:buChar char="q"/>
+              <a:defRPr sz="1800" kern="1200">
+                <a:solidFill>
+                  <a:schemeClr val="tx1"/>
+                </a:solidFill>
+                <a:latin typeface="+mn-lt"/>
+                <a:ea typeface="+mn-ea"/>
+                <a:cs typeface="+mn-cs"/>
+              </a:defRPr>
+            </a:lvl3pPr>
+            <a:lvl4pPr marL="1600200" indent="-228600" algn="l" defTabSz="914400" rtl="0" eaLnBrk="1" latinLnBrk="0" hangingPunct="1">
+              <a:spcBef>
+                <a:spcPct val="20000"/>
+              </a:spcBef>
+              <a:buClr>
+                <a:schemeClr val="tx2"/>
+              </a:buClr>
+              <a:buFont typeface="Wingdings" pitchFamily="2" charset="2"/>
+              <a:buChar char="q"/>
+              <a:defRPr sz="1800" kern="1200">
+                <a:solidFill>
+                  <a:schemeClr val="tx1"/>
+                </a:solidFill>
+                <a:latin typeface="+mn-lt"/>
+                <a:ea typeface="+mn-ea"/>
+                <a:cs typeface="+mn-cs"/>
+              </a:defRPr>
+            </a:lvl4pPr>
+            <a:lvl5pPr marL="2057400" indent="-228600" algn="l" defTabSz="914400" rtl="0" eaLnBrk="1" latinLnBrk="0" hangingPunct="1">
+              <a:spcBef>
+                <a:spcPct val="20000"/>
+              </a:spcBef>
+              <a:buClr>
+                <a:schemeClr val="tx2"/>
+              </a:buClr>
+              <a:buFont typeface="Wingdings" pitchFamily="2" charset="2"/>
+              <a:buChar char="q"/>
+              <a:defRPr sz="1800" kern="1200" baseline="0">
+                <a:solidFill>
+                  <a:schemeClr val="tx1"/>
+                </a:solidFill>
+                <a:latin typeface="+mn-lt"/>
+                <a:ea typeface="+mn-ea"/>
+                <a:cs typeface="+mn-cs"/>
+              </a:defRPr>
+            </a:lvl5pPr>
+            <a:lvl6pPr marL="2514600" indent="-228600" algn="l" defTabSz="914400" rtl="0" eaLnBrk="1" latinLnBrk="0" hangingPunct="1">
+              <a:spcBef>
+                <a:spcPct val="20000"/>
+              </a:spcBef>
+              <a:buClr>
+                <a:schemeClr val="tx2"/>
+              </a:buClr>
+              <a:buFont typeface="Arial" pitchFamily="34" charset="0"/>
+              <a:buChar char="•"/>
+              <a:defRPr sz="1600" kern="1200">
+                <a:solidFill>
+                  <a:schemeClr val="tx1"/>
+                </a:solidFill>
+                <a:latin typeface="+mn-lt"/>
+                <a:ea typeface="+mn-ea"/>
+                <a:cs typeface="+mn-cs"/>
+              </a:defRPr>
+            </a:lvl6pPr>
+            <a:lvl7pPr marL="2971800" indent="-228600" algn="l" defTabSz="914400" rtl="0" eaLnBrk="1" latinLnBrk="0" hangingPunct="1">
+              <a:spcBef>
+                <a:spcPct val="20000"/>
+              </a:spcBef>
+              <a:buClr>
+                <a:schemeClr val="tx2"/>
+              </a:buClr>
+              <a:buFont typeface="Arial" pitchFamily="34" charset="0"/>
+              <a:buChar char="•"/>
+              <a:defRPr sz="1600" kern="1200">
+                <a:solidFill>
+                  <a:schemeClr val="tx1"/>
+                </a:solidFill>
+                <a:latin typeface="+mn-lt"/>
+                <a:ea typeface="+mn-ea"/>
+                <a:cs typeface="+mn-cs"/>
+              </a:defRPr>
+            </a:lvl7pPr>
+            <a:lvl8pPr marL="3429000" indent="-228600" algn="l" defTabSz="914400" rtl="0" eaLnBrk="1" latinLnBrk="0" hangingPunct="1">
+              <a:spcBef>
+                <a:spcPct val="20000"/>
+              </a:spcBef>
+              <a:buClr>
+                <a:schemeClr val="tx2"/>
+              </a:buClr>
+              <a:buFont typeface="Arial" pitchFamily="34" charset="0"/>
+              <a:buChar char="•"/>
+              <a:defRPr sz="1600" kern="1200">
+                <a:solidFill>
+                  <a:schemeClr val="tx1"/>
+                </a:solidFill>
+                <a:latin typeface="+mn-lt"/>
+                <a:ea typeface="+mn-ea"/>
+                <a:cs typeface="+mn-cs"/>
+              </a:defRPr>
+            </a:lvl8pPr>
+            <a:lvl9pPr marL="3886200" indent="-228600" algn="l" defTabSz="914400" rtl="0" eaLnBrk="1" latinLnBrk="0" hangingPunct="1">
+              <a:spcBef>
+                <a:spcPct val="20000"/>
+              </a:spcBef>
+              <a:buClr>
+                <a:schemeClr val="tx2"/>
+              </a:buClr>
+              <a:buFont typeface="Arial" pitchFamily="34" charset="0"/>
+              <a:buChar char="•"/>
+              <a:defRPr sz="1600" kern="1200">
+                <a:solidFill>
+                  <a:schemeClr val="tx1"/>
+                </a:solidFill>
+                <a:latin typeface="+mn-lt"/>
+                <a:ea typeface="+mn-ea"/>
+                <a:cs typeface="+mn-cs"/>
+              </a:defRPr>
+            </a:lvl9pPr>
+          </a:lstStyle>
+          <a:p>
+            <a:pPr marL="342900" indent="-342900">
+              <a:buClr>
+                <a:schemeClr val="tx1"/>
+              </a:buClr>
+              <a:buFont typeface="Wingdings" pitchFamily="2" charset="2"/>
+              <a:buChar char="q"/>
+            </a:pPr>
+            <a:r>
+              <a:rPr lang="en-US" sz="1900" b="0" dirty="0">
+                <a:solidFill>
+                  <a:srgbClr val="C00000"/>
+                </a:solidFill>
+                <a:latin typeface="Lucida Sans Typewriter" panose="020B0509030504030204" pitchFamily="49" charset="0"/>
+              </a:rPr>
+              <a:t>{</a:t>
+            </a:r>
+            <a:r>
+              <a:rPr lang="en-US" sz="1900" b="0" dirty="0" err="1">
+                <a:solidFill>
+                  <a:srgbClr val="C00000"/>
+                </a:solidFill>
+                <a:latin typeface="Lucida Sans Typewriter" panose="020B0509030504030204" pitchFamily="49" charset="0"/>
+              </a:rPr>
+              <a:t>dplyr</a:t>
+            </a:r>
+            <a:r>
+              <a:rPr lang="en-US" sz="1900" b="0" dirty="0">
+                <a:solidFill>
+                  <a:srgbClr val="C00000"/>
+                </a:solidFill>
+                <a:latin typeface="Lucida Sans Typewriter" panose="020B0509030504030204" pitchFamily="49" charset="0"/>
+              </a:rPr>
+              <a:t>}</a:t>
+            </a:r>
+            <a:r>
+              <a:rPr lang="en-US" sz="1900" b="0" dirty="0"/>
+              <a:t> is a package developed by Hadley Wickham for summarizing data in a flexible and customizable way without worrying about indexing or looping</a:t>
+            </a:r>
+          </a:p>
+          <a:p>
+            <a:pPr marL="800100" lvl="1" indent="-342900">
+              <a:buClr>
+                <a:schemeClr val="tx1"/>
+              </a:buClr>
+            </a:pPr>
+            <a:r>
+              <a:rPr lang="en-US" sz="1900" dirty="0">
+                <a:solidFill>
+                  <a:srgbClr val="C00000"/>
+                </a:solidFill>
+                <a:latin typeface="Lucida Sans Typewriter" panose="020B0509030504030204" pitchFamily="49" charset="0"/>
+              </a:rPr>
+              <a:t>filter()</a:t>
+            </a:r>
+            <a:r>
+              <a:rPr lang="en-US" sz="1900" dirty="0"/>
+              <a:t> simplified conditional indexing</a:t>
+            </a:r>
+            <a:endParaRPr lang="en-US" sz="1900" dirty="0">
+              <a:solidFill>
+                <a:srgbClr val="C00000"/>
+              </a:solidFill>
+              <a:latin typeface="Lucida Sans Typewriter" panose="020B0509030504030204" pitchFamily="49" charset="0"/>
+            </a:endParaRPr>
+          </a:p>
+          <a:p>
+            <a:pPr marL="800100" lvl="1" indent="-342900">
+              <a:buClr>
+                <a:schemeClr val="tx1"/>
+              </a:buClr>
+            </a:pPr>
+            <a:r>
+              <a:rPr lang="en-US" sz="1900" dirty="0">
+                <a:solidFill>
+                  <a:srgbClr val="C00000"/>
+                </a:solidFill>
+                <a:latin typeface="Lucida Sans Typewriter" panose="020B0509030504030204" pitchFamily="49" charset="0"/>
+              </a:rPr>
+              <a:t>select</a:t>
+            </a:r>
+            <a:r>
+              <a:rPr lang="en-US" sz="1900" b="0" dirty="0">
+                <a:solidFill>
+                  <a:srgbClr val="C00000"/>
+                </a:solidFill>
+                <a:latin typeface="Lucida Sans Typewriter" panose="020B0509030504030204" pitchFamily="49" charset="0"/>
+              </a:rPr>
+              <a:t>()</a:t>
+            </a:r>
+            <a:r>
+              <a:rPr lang="en-US" sz="1900" dirty="0"/>
+              <a:t> simplified conditional indexing</a:t>
+            </a:r>
+          </a:p>
+          <a:p>
+            <a:pPr marL="800100" lvl="1" indent="-342900">
+              <a:buClr>
+                <a:schemeClr val="tx1"/>
+              </a:buClr>
+            </a:pPr>
+            <a:r>
+              <a:rPr lang="en-US" sz="1900" b="0" dirty="0" err="1">
+                <a:solidFill>
+                  <a:srgbClr val="C00000"/>
+                </a:solidFill>
+                <a:latin typeface="Lucida Sans Typewriter" panose="020B0509030504030204" pitchFamily="49" charset="0"/>
+              </a:rPr>
+              <a:t>group_by</a:t>
+            </a:r>
+            <a:r>
+              <a:rPr lang="en-US" sz="1900" b="0" dirty="0">
+                <a:solidFill>
+                  <a:srgbClr val="C00000"/>
+                </a:solidFill>
+                <a:latin typeface="Lucida Sans Typewriter" panose="020B0509030504030204" pitchFamily="49" charset="0"/>
+              </a:rPr>
+              <a:t>()</a:t>
+            </a:r>
+            <a:r>
+              <a:rPr lang="en-US" sz="1900" dirty="0"/>
+              <a:t> stratify by a variable</a:t>
+            </a:r>
+            <a:endParaRPr lang="en-US" sz="1900" b="0" dirty="0">
+              <a:solidFill>
+                <a:srgbClr val="C00000"/>
+              </a:solidFill>
+              <a:latin typeface="Lucida Sans Typewriter" panose="020B0509030504030204" pitchFamily="49" charset="0"/>
+            </a:endParaRPr>
+          </a:p>
+          <a:p>
+            <a:pPr marL="800100" lvl="1" indent="-342900">
+              <a:buClr>
+                <a:schemeClr val="tx1"/>
+              </a:buClr>
+            </a:pPr>
+            <a:r>
+              <a:rPr lang="en-US" sz="1900" dirty="0" err="1">
+                <a:solidFill>
+                  <a:srgbClr val="C00000"/>
+                </a:solidFill>
+                <a:latin typeface="Lucida Sans Typewriter" panose="020B0509030504030204" pitchFamily="49" charset="0"/>
+              </a:rPr>
+              <a:t>summarise</a:t>
+            </a:r>
+            <a:r>
+              <a:rPr lang="en-US" sz="1900" dirty="0">
+                <a:solidFill>
+                  <a:srgbClr val="C00000"/>
+                </a:solidFill>
+                <a:latin typeface="Lucida Sans Typewriter" panose="020B0509030504030204" pitchFamily="49" charset="0"/>
+              </a:rPr>
+              <a:t>()</a:t>
+            </a:r>
+            <a:r>
+              <a:rPr lang="en-US" sz="1900" dirty="0"/>
+              <a:t> apply flexible summary statistics</a:t>
+            </a:r>
+          </a:p>
+          <a:p>
+            <a:pPr marL="800100" lvl="1" indent="-342900">
+              <a:buClr>
+                <a:schemeClr val="tx1"/>
+              </a:buClr>
+            </a:pPr>
+            <a:r>
+              <a:rPr lang="en-US" sz="1900" b="0" dirty="0">
+                <a:solidFill>
+                  <a:srgbClr val="C00000"/>
+                </a:solidFill>
+                <a:latin typeface="Lucida Sans Typewriter" panose="020B0509030504030204" pitchFamily="49" charset="0"/>
+              </a:rPr>
+              <a:t>%&gt;%</a:t>
+            </a:r>
+            <a:r>
+              <a:rPr lang="en-US" sz="1900" b="0" dirty="0"/>
+              <a:t> “pipe”; pass results on left to functions on right</a:t>
+            </a:r>
+          </a:p>
+        </p:txBody>
+      </p:sp>
+      <p:sp>
+        <p:nvSpPr>
           <p:cNvPr id="5" name="Rectangle 4"/>
           <p:cNvSpPr/>
           <p:nvPr/>
@@ -14032,216 +14743,10 @@
           </a:p>
         </p:txBody>
       </p:sp>
-      <p:sp>
-        <p:nvSpPr>
-          <p:cNvPr id="3" name="Rectangle 2"/>
-          <p:cNvSpPr/>
-          <p:nvPr/>
-        </p:nvSpPr>
-        <p:spPr>
-          <a:xfrm>
-            <a:off x="457200" y="1258431"/>
-            <a:ext cx="8229600" cy="2554545"/>
-          </a:xfrm>
-          <a:prstGeom prst="rect">
-            <a:avLst/>
-          </a:prstGeom>
-        </p:spPr>
-        <p:txBody>
-          <a:bodyPr wrap="square">
-            <a:spAutoFit/>
-          </a:bodyPr>
-          <a:lstStyle/>
-          <a:p>
-            <a:pPr lvl="1" indent="0">
-              <a:buClr>
-                <a:schemeClr val="tx1"/>
-              </a:buClr>
-              <a:buNone/>
-            </a:pPr>
-            <a:r>
-              <a:rPr lang="en-US" sz="2000" dirty="0">
-                <a:solidFill>
-                  <a:srgbClr val="008000"/>
-                </a:solidFill>
-                <a:latin typeface="Lucida Sans Typewriter" panose="020B0509030504030204" pitchFamily="49" charset="0"/>
-              </a:rPr>
-              <a:t># Subset </a:t>
-            </a:r>
-            <a:r>
-              <a:rPr lang="en-US" sz="2000" dirty="0" err="1">
-                <a:solidFill>
-                  <a:srgbClr val="008000"/>
-                </a:solidFill>
-                <a:latin typeface="Lucida Sans Typewriter" panose="020B0509030504030204" pitchFamily="49" charset="0"/>
-              </a:rPr>
-              <a:t>mydata</a:t>
-            </a:r>
-            <a:r>
-              <a:rPr lang="en-US" sz="2000" dirty="0">
-                <a:solidFill>
-                  <a:srgbClr val="008000"/>
-                </a:solidFill>
-                <a:latin typeface="Lucida Sans Typewriter" panose="020B0509030504030204" pitchFamily="49" charset="0"/>
-              </a:rPr>
-              <a:t> to only year and length columns</a:t>
-            </a:r>
-          </a:p>
-          <a:p>
-            <a:pPr lvl="1" indent="0">
-              <a:buClr>
-                <a:schemeClr val="tx1"/>
-              </a:buClr>
-              <a:buNone/>
-            </a:pPr>
-            <a:endParaRPr lang="en-US" sz="2000" dirty="0">
-              <a:solidFill>
-                <a:srgbClr val="008000"/>
-              </a:solidFill>
-              <a:latin typeface="Lucida Sans Typewriter" panose="020B0509030504030204" pitchFamily="49" charset="0"/>
-            </a:endParaRPr>
-          </a:p>
-          <a:p>
-            <a:pPr lvl="1" indent="0">
-              <a:buClr>
-                <a:schemeClr val="tx1"/>
-              </a:buClr>
-              <a:buNone/>
-            </a:pPr>
-            <a:r>
-              <a:rPr lang="en-US" sz="2000" dirty="0">
-                <a:solidFill>
-                  <a:srgbClr val="008000"/>
-                </a:solidFill>
-                <a:latin typeface="Lucida Sans Typewriter" panose="020B0509030504030204" pitchFamily="49" charset="0"/>
-              </a:rPr>
-              <a:t># Option 1 (indexing)</a:t>
-            </a:r>
-          </a:p>
-          <a:p>
-            <a:pPr lvl="1" indent="0">
-              <a:buClr>
-                <a:schemeClr val="tx1"/>
-              </a:buClr>
-              <a:buNone/>
-            </a:pPr>
-            <a:r>
-              <a:rPr lang="en-US" sz="2000" dirty="0" err="1">
-                <a:solidFill>
-                  <a:srgbClr val="C00000"/>
-                </a:solidFill>
-                <a:latin typeface="Lucida Sans Typewriter" panose="020B0509030504030204" pitchFamily="49" charset="0"/>
-              </a:rPr>
-              <a:t>mydata</a:t>
-            </a:r>
-            <a:r>
-              <a:rPr lang="en-US" sz="2000" dirty="0">
-                <a:solidFill>
-                  <a:srgbClr val="C00000"/>
-                </a:solidFill>
-                <a:latin typeface="Lucida Sans Typewriter" panose="020B0509030504030204" pitchFamily="49" charset="0"/>
-              </a:rPr>
-              <a:t>[,c(“year”, ”length”)]</a:t>
-            </a:r>
-          </a:p>
-          <a:p>
-            <a:pPr lvl="1" indent="0">
-              <a:buClr>
-                <a:schemeClr val="tx1"/>
-              </a:buClr>
-              <a:buNone/>
-            </a:pPr>
-            <a:endParaRPr lang="en-US" sz="2000" dirty="0">
-              <a:solidFill>
-                <a:srgbClr val="C00000"/>
-              </a:solidFill>
-              <a:latin typeface="Lucida Sans Typewriter" panose="020B0509030504030204" pitchFamily="49" charset="0"/>
-            </a:endParaRPr>
-          </a:p>
-          <a:p>
-            <a:pPr lvl="1" indent="0">
-              <a:buClr>
-                <a:schemeClr val="tx1"/>
-              </a:buClr>
-              <a:buNone/>
-            </a:pPr>
-            <a:r>
-              <a:rPr lang="en-US" sz="2000" dirty="0">
-                <a:solidFill>
-                  <a:srgbClr val="008000"/>
-                </a:solidFill>
-                <a:latin typeface="Lucida Sans Typewriter" panose="020B0509030504030204" pitchFamily="49" charset="0"/>
-              </a:rPr>
-              <a:t># Option 2 (</a:t>
-            </a:r>
-            <a:r>
-              <a:rPr lang="en-US" sz="2000" dirty="0" err="1">
-                <a:solidFill>
-                  <a:srgbClr val="008000"/>
-                </a:solidFill>
-                <a:latin typeface="Lucida Sans Typewriter" panose="020B0509030504030204" pitchFamily="49" charset="0"/>
-              </a:rPr>
-              <a:t>dplyr</a:t>
-            </a:r>
-            <a:r>
-              <a:rPr lang="en-US" sz="2000" dirty="0">
-                <a:solidFill>
-                  <a:srgbClr val="008000"/>
-                </a:solidFill>
-                <a:latin typeface="Lucida Sans Typewriter" panose="020B0509030504030204" pitchFamily="49" charset="0"/>
-              </a:rPr>
-              <a:t>)</a:t>
-            </a:r>
-          </a:p>
-          <a:p>
-            <a:pPr lvl="1" indent="0">
-              <a:buClr>
-                <a:schemeClr val="tx1"/>
-              </a:buClr>
-              <a:buNone/>
-            </a:pPr>
-            <a:r>
-              <a:rPr lang="en-US" sz="2000" dirty="0" err="1">
-                <a:solidFill>
-                  <a:srgbClr val="C00000"/>
-                </a:solidFill>
-                <a:latin typeface="Lucida Sans Typewriter" panose="020B0509030504030204" pitchFamily="49" charset="0"/>
-              </a:rPr>
-              <a:t>mydata</a:t>
-            </a:r>
-            <a:r>
-              <a:rPr lang="en-US" sz="2000" dirty="0">
-                <a:solidFill>
-                  <a:srgbClr val="C00000"/>
-                </a:solidFill>
-                <a:latin typeface="Lucida Sans Typewriter" panose="020B0509030504030204" pitchFamily="49" charset="0"/>
-              </a:rPr>
-              <a:t>%&gt;%</a:t>
-            </a:r>
-          </a:p>
-          <a:p>
-            <a:pPr lvl="1" indent="0">
-              <a:buClr>
-                <a:schemeClr val="tx1"/>
-              </a:buClr>
-              <a:buNone/>
-            </a:pPr>
-            <a:r>
-              <a:rPr lang="en-US" sz="2000" dirty="0">
-                <a:solidFill>
-                  <a:srgbClr val="C00000"/>
-                </a:solidFill>
-                <a:latin typeface="Lucida Sans Typewriter" panose="020B0509030504030204" pitchFamily="49" charset="0"/>
-              </a:rPr>
-              <a:t>	select(year, length)</a:t>
-            </a:r>
-          </a:p>
-        </p:txBody>
-      </p:sp>
     </p:spTree>
     <p:extLst>
       <p:ext uri="{BB962C8B-B14F-4D97-AF65-F5344CB8AC3E}">
-        <p14:creationId xmlns:p14="http://schemas.microsoft.com/office/powerpoint/2010/main" val="3309569919"/>
+        <p14:creationId xmlns:p14="http://schemas.microsoft.com/office/powerpoint/2010/main" val="2178775483"/>
       </p:ext>
     </p:extLst>
   </p:cSld>
@@ -14366,6 +14871,674 @@
         <p:spPr>
           <a:xfrm>
             <a:off x="457200" y="1258431"/>
+            <a:ext cx="8229600" cy="2554545"/>
+          </a:xfrm>
+          <a:prstGeom prst="rect">
+            <a:avLst/>
+          </a:prstGeom>
+        </p:spPr>
+        <p:txBody>
+          <a:bodyPr wrap="square">
+            <a:spAutoFit/>
+          </a:bodyPr>
+          <a:lstStyle/>
+          <a:p>
+            <a:pPr lvl="1" indent="0">
+              <a:buClr>
+                <a:schemeClr val="tx1"/>
+              </a:buClr>
+              <a:buNone/>
+            </a:pPr>
+            <a:r>
+              <a:rPr lang="en-US" sz="2000" dirty="0">
+                <a:solidFill>
+                  <a:srgbClr val="008000"/>
+                </a:solidFill>
+                <a:latin typeface="Lucida Sans Typewriter" panose="020B0509030504030204" pitchFamily="49" charset="0"/>
+              </a:rPr>
+              <a:t># Subset </a:t>
+            </a:r>
+            <a:r>
+              <a:rPr lang="en-US" sz="2000" dirty="0" err="1">
+                <a:solidFill>
+                  <a:srgbClr val="008000"/>
+                </a:solidFill>
+                <a:latin typeface="Lucida Sans Typewriter" panose="020B0509030504030204" pitchFamily="49" charset="0"/>
+              </a:rPr>
+              <a:t>mydata</a:t>
+            </a:r>
+            <a:r>
+              <a:rPr lang="en-US" sz="2000" dirty="0">
+                <a:solidFill>
+                  <a:srgbClr val="008000"/>
+                </a:solidFill>
+                <a:latin typeface="Lucida Sans Typewriter" panose="020B0509030504030204" pitchFamily="49" charset="0"/>
+              </a:rPr>
+              <a:t> to look only at males</a:t>
+            </a:r>
+          </a:p>
+          <a:p>
+            <a:pPr lvl="1" indent="0">
+              <a:buClr>
+                <a:schemeClr val="tx1"/>
+              </a:buClr>
+              <a:buNone/>
+            </a:pPr>
+            <a:endParaRPr lang="en-US" sz="2000" dirty="0">
+              <a:solidFill>
+                <a:srgbClr val="008000"/>
+              </a:solidFill>
+              <a:latin typeface="Lucida Sans Typewriter" panose="020B0509030504030204" pitchFamily="49" charset="0"/>
+            </a:endParaRPr>
+          </a:p>
+          <a:p>
+            <a:pPr lvl="1" indent="0">
+              <a:buClr>
+                <a:schemeClr val="tx1"/>
+              </a:buClr>
+              <a:buNone/>
+            </a:pPr>
+            <a:r>
+              <a:rPr lang="en-US" sz="2000" dirty="0">
+                <a:solidFill>
+                  <a:srgbClr val="008000"/>
+                </a:solidFill>
+                <a:latin typeface="Lucida Sans Typewriter" panose="020B0509030504030204" pitchFamily="49" charset="0"/>
+              </a:rPr>
+              <a:t># Option 1 (indexing)</a:t>
+            </a:r>
+          </a:p>
+          <a:p>
+            <a:pPr lvl="1" indent="0">
+              <a:buClr>
+                <a:schemeClr val="tx1"/>
+              </a:buClr>
+              <a:buNone/>
+            </a:pPr>
+            <a:r>
+              <a:rPr lang="en-US" sz="2000" dirty="0" err="1">
+                <a:solidFill>
+                  <a:srgbClr val="C00000"/>
+                </a:solidFill>
+                <a:latin typeface="Lucida Sans Typewriter" panose="020B0509030504030204" pitchFamily="49" charset="0"/>
+              </a:rPr>
+              <a:t>mydata</a:t>
+            </a:r>
+            <a:r>
+              <a:rPr lang="en-US" sz="2000" dirty="0">
+                <a:solidFill>
+                  <a:srgbClr val="C00000"/>
+                </a:solidFill>
+                <a:latin typeface="Lucida Sans Typewriter" panose="020B0509030504030204" pitchFamily="49" charset="0"/>
+              </a:rPr>
+              <a:t>[</a:t>
+            </a:r>
+            <a:r>
+              <a:rPr lang="en-US" sz="2000" dirty="0" err="1">
+                <a:solidFill>
+                  <a:srgbClr val="C00000"/>
+                </a:solidFill>
+                <a:latin typeface="Lucida Sans Typewriter" panose="020B0509030504030204" pitchFamily="49" charset="0"/>
+              </a:rPr>
+              <a:t>mydata$sex</a:t>
+            </a:r>
+            <a:r>
+              <a:rPr lang="en-US" sz="2000" dirty="0">
+                <a:solidFill>
+                  <a:srgbClr val="C00000"/>
+                </a:solidFill>
+                <a:latin typeface="Lucida Sans Typewriter" panose="020B0509030504030204" pitchFamily="49" charset="0"/>
+              </a:rPr>
+              <a:t>==“m”,]</a:t>
+            </a:r>
+          </a:p>
+          <a:p>
+            <a:pPr lvl="1" indent="0">
+              <a:buClr>
+                <a:schemeClr val="tx1"/>
+              </a:buClr>
+              <a:buNone/>
+            </a:pPr>
+            <a:endParaRPr lang="en-US" sz="2000" dirty="0">
+              <a:solidFill>
+                <a:srgbClr val="C00000"/>
+              </a:solidFill>
+              <a:latin typeface="Lucida Sans Typewriter" panose="020B0509030504030204" pitchFamily="49" charset="0"/>
+            </a:endParaRPr>
+          </a:p>
+          <a:p>
+            <a:pPr lvl="1" indent="0">
+              <a:buClr>
+                <a:schemeClr val="tx1"/>
+              </a:buClr>
+              <a:buNone/>
+            </a:pPr>
+            <a:r>
+              <a:rPr lang="en-US" sz="2000" dirty="0">
+                <a:solidFill>
+                  <a:srgbClr val="008000"/>
+                </a:solidFill>
+                <a:latin typeface="Lucida Sans Typewriter" panose="020B0509030504030204" pitchFamily="49" charset="0"/>
+              </a:rPr>
+              <a:t># Option 2 (</a:t>
+            </a:r>
+            <a:r>
+              <a:rPr lang="en-US" sz="2000" dirty="0" err="1">
+                <a:solidFill>
+                  <a:srgbClr val="008000"/>
+                </a:solidFill>
+                <a:latin typeface="Lucida Sans Typewriter" panose="020B0509030504030204" pitchFamily="49" charset="0"/>
+              </a:rPr>
+              <a:t>dplyr</a:t>
+            </a:r>
+            <a:r>
+              <a:rPr lang="en-US" sz="2000" dirty="0">
+                <a:solidFill>
+                  <a:srgbClr val="008000"/>
+                </a:solidFill>
+                <a:latin typeface="Lucida Sans Typewriter" panose="020B0509030504030204" pitchFamily="49" charset="0"/>
+              </a:rPr>
+              <a:t>)</a:t>
+            </a:r>
+          </a:p>
+          <a:p>
+            <a:pPr lvl="1" indent="0">
+              <a:buClr>
+                <a:schemeClr val="tx1"/>
+              </a:buClr>
+              <a:buNone/>
+            </a:pPr>
+            <a:r>
+              <a:rPr lang="en-US" sz="2000" dirty="0" err="1">
+                <a:solidFill>
+                  <a:srgbClr val="C00000"/>
+                </a:solidFill>
+                <a:latin typeface="Lucida Sans Typewriter" panose="020B0509030504030204" pitchFamily="49" charset="0"/>
+              </a:rPr>
+              <a:t>mydata</a:t>
+            </a:r>
+            <a:r>
+              <a:rPr lang="en-US" sz="2000" dirty="0">
+                <a:solidFill>
+                  <a:srgbClr val="C00000"/>
+                </a:solidFill>
+                <a:latin typeface="Lucida Sans Typewriter" panose="020B0509030504030204" pitchFamily="49" charset="0"/>
+              </a:rPr>
+              <a:t>%&gt;%</a:t>
+            </a:r>
+          </a:p>
+          <a:p>
+            <a:pPr lvl="1" indent="0">
+              <a:buClr>
+                <a:schemeClr val="tx1"/>
+              </a:buClr>
+              <a:buNone/>
+            </a:pPr>
+            <a:r>
+              <a:rPr lang="en-US" sz="2000" dirty="0">
+                <a:solidFill>
+                  <a:srgbClr val="C00000"/>
+                </a:solidFill>
+                <a:latin typeface="Lucida Sans Typewriter" panose="020B0509030504030204" pitchFamily="49" charset="0"/>
+              </a:rPr>
+              <a:t>	filter(sex==“m”)</a:t>
+            </a:r>
+          </a:p>
+        </p:txBody>
+      </p:sp>
+    </p:spTree>
+    <p:extLst>
+      <p:ext uri="{BB962C8B-B14F-4D97-AF65-F5344CB8AC3E}">
+        <p14:creationId xmlns:p14="http://schemas.microsoft.com/office/powerpoint/2010/main" val="634127516"/>
+      </p:ext>
+    </p:extLst>
+  </p:cSld>
+  <p:clrMapOvr>
+    <a:masterClrMapping/>
+  </p:clrMapOvr>
+</p:sld>
+</file>
+
+<file path=ppt/slides/slide33.xml><?xml version="1.0" encoding="utf-8"?>
+<p:sld xmlns:a="http://schemas.openxmlformats.org/drawingml/2006/main" xmlns:r="http://schemas.openxmlformats.org/officeDocument/2006/relationships" xmlns:p="http://schemas.openxmlformats.org/presentationml/2006/main">
+  <p:cSld>
+    <p:spTree>
+      <p:nvGrpSpPr>
+        <p:cNvPr id="1" name=""/>
+        <p:cNvGrpSpPr/>
+        <p:nvPr/>
+      </p:nvGrpSpPr>
+      <p:grpSpPr>
+        <a:xfrm>
+          <a:off x="0" y="0"/>
+          <a:ext cx="0" cy="0"/>
+          <a:chOff x="0" y="0"/>
+          <a:chExt cx="0" cy="0"/>
+        </a:xfrm>
+      </p:grpSpPr>
+      <p:sp>
+        <p:nvSpPr>
+          <p:cNvPr id="5" name="Rectangle 4"/>
+          <p:cNvSpPr/>
+          <p:nvPr/>
+        </p:nvSpPr>
+        <p:spPr>
+          <a:xfrm>
+            <a:off x="4447607" y="3244334"/>
+            <a:ext cx="248786" cy="369332"/>
+          </a:xfrm>
+          <a:prstGeom prst="rect">
+            <a:avLst/>
+          </a:prstGeom>
+        </p:spPr>
+        <p:txBody>
+          <a:bodyPr wrap="none">
+            <a:spAutoFit/>
+          </a:bodyPr>
+          <a:lstStyle/>
+          <a:p>
+            <a:r>
+              <a:rPr lang="en-US" dirty="0"/>
+              <a:t> </a:t>
+            </a:r>
+            <a:endParaRPr lang="en-CA" dirty="0"/>
+          </a:p>
+        </p:txBody>
+      </p:sp>
+      <p:sp>
+        <p:nvSpPr>
+          <p:cNvPr id="8" name="Title 1"/>
+          <p:cNvSpPr>
+            <a:spLocks noGrp="1"/>
+          </p:cNvSpPr>
+          <p:nvPr>
+            <p:ph type="title"/>
+          </p:nvPr>
+        </p:nvSpPr>
+        <p:spPr>
+          <a:xfrm>
+            <a:off x="457200" y="152718"/>
+            <a:ext cx="8229600" cy="761682"/>
+          </a:xfrm>
+        </p:spPr>
+        <p:txBody>
+          <a:bodyPr>
+            <a:normAutofit/>
+          </a:bodyPr>
+          <a:lstStyle/>
+          <a:p>
+            <a:r>
+              <a:rPr lang="en-CA" dirty="0">
+                <a:solidFill>
+                  <a:srgbClr val="C00000"/>
+                </a:solidFill>
+              </a:rPr>
+              <a:t>Summary stats: </a:t>
+            </a:r>
+            <a:r>
+              <a:rPr lang="en-CA" sz="3000" b="1" dirty="0">
+                <a:solidFill>
+                  <a:srgbClr val="C00000"/>
+                </a:solidFill>
+                <a:latin typeface="Lucida Sans Typewriter" panose="020B0509030504030204" pitchFamily="49" charset="0"/>
+              </a:rPr>
+              <a:t>{</a:t>
+            </a:r>
+            <a:r>
+              <a:rPr lang="en-CA" sz="3000" b="1" dirty="0" err="1">
+                <a:solidFill>
+                  <a:srgbClr val="C00000"/>
+                </a:solidFill>
+                <a:latin typeface="Lucida Sans Typewriter" panose="020B0509030504030204" pitchFamily="49" charset="0"/>
+              </a:rPr>
+              <a:t>dplyr</a:t>
+            </a:r>
+            <a:r>
+              <a:rPr lang="en-CA" sz="3000" b="1" dirty="0">
+                <a:solidFill>
+                  <a:srgbClr val="C00000"/>
+                </a:solidFill>
+                <a:latin typeface="Lucida Sans Typewriter" panose="020B0509030504030204" pitchFamily="49" charset="0"/>
+              </a:rPr>
+              <a:t>}</a:t>
+            </a:r>
+          </a:p>
+        </p:txBody>
+      </p:sp>
+      <p:sp>
+        <p:nvSpPr>
+          <p:cNvPr id="3" name="Rectangle 2"/>
+          <p:cNvSpPr/>
+          <p:nvPr/>
+        </p:nvSpPr>
+        <p:spPr>
+          <a:xfrm>
+            <a:off x="457200" y="1258431"/>
+            <a:ext cx="8229600" cy="2554545"/>
+          </a:xfrm>
+          <a:prstGeom prst="rect">
+            <a:avLst/>
+          </a:prstGeom>
+        </p:spPr>
+        <p:txBody>
+          <a:bodyPr wrap="square">
+            <a:spAutoFit/>
+          </a:bodyPr>
+          <a:lstStyle/>
+          <a:p>
+            <a:pPr lvl="1" indent="0">
+              <a:buClr>
+                <a:schemeClr val="tx1"/>
+              </a:buClr>
+              <a:buNone/>
+            </a:pPr>
+            <a:r>
+              <a:rPr lang="en-US" sz="2000" dirty="0">
+                <a:solidFill>
+                  <a:srgbClr val="008000"/>
+                </a:solidFill>
+                <a:latin typeface="Lucida Sans Typewriter" panose="020B0509030504030204" pitchFamily="49" charset="0"/>
+              </a:rPr>
+              <a:t># Subset </a:t>
+            </a:r>
+            <a:r>
+              <a:rPr lang="en-US" sz="2000" dirty="0" err="1">
+                <a:solidFill>
+                  <a:srgbClr val="008000"/>
+                </a:solidFill>
+                <a:latin typeface="Lucida Sans Typewriter" panose="020B0509030504030204" pitchFamily="49" charset="0"/>
+              </a:rPr>
+              <a:t>mydata</a:t>
+            </a:r>
+            <a:r>
+              <a:rPr lang="en-US" sz="2000" dirty="0">
+                <a:solidFill>
+                  <a:srgbClr val="008000"/>
+                </a:solidFill>
+                <a:latin typeface="Lucida Sans Typewriter" panose="020B0509030504030204" pitchFamily="49" charset="0"/>
+              </a:rPr>
+              <a:t> to only year and length columns</a:t>
+            </a:r>
+          </a:p>
+          <a:p>
+            <a:pPr lvl="1" indent="0">
+              <a:buClr>
+                <a:schemeClr val="tx1"/>
+              </a:buClr>
+              <a:buNone/>
+            </a:pPr>
+            <a:endParaRPr lang="en-US" sz="2000" dirty="0">
+              <a:solidFill>
+                <a:srgbClr val="008000"/>
+              </a:solidFill>
+              <a:latin typeface="Lucida Sans Typewriter" panose="020B0509030504030204" pitchFamily="49" charset="0"/>
+            </a:endParaRPr>
+          </a:p>
+          <a:p>
+            <a:pPr lvl="1" indent="0">
+              <a:buClr>
+                <a:schemeClr val="tx1"/>
+              </a:buClr>
+              <a:buNone/>
+            </a:pPr>
+            <a:r>
+              <a:rPr lang="en-US" sz="2000" dirty="0">
+                <a:solidFill>
+                  <a:srgbClr val="008000"/>
+                </a:solidFill>
+                <a:latin typeface="Lucida Sans Typewriter" panose="020B0509030504030204" pitchFamily="49" charset="0"/>
+              </a:rPr>
+              <a:t># Option 1 (indexing)</a:t>
+            </a:r>
+          </a:p>
+          <a:p>
+            <a:pPr lvl="1" indent="0">
+              <a:buClr>
+                <a:schemeClr val="tx1"/>
+              </a:buClr>
+              <a:buNone/>
+            </a:pPr>
+            <a:r>
+              <a:rPr lang="en-US" sz="2000" dirty="0" err="1">
+                <a:solidFill>
+                  <a:srgbClr val="C00000"/>
+                </a:solidFill>
+                <a:latin typeface="Lucida Sans Typewriter" panose="020B0509030504030204" pitchFamily="49" charset="0"/>
+              </a:rPr>
+              <a:t>mydata</a:t>
+            </a:r>
+            <a:r>
+              <a:rPr lang="en-US" sz="2000" dirty="0">
+                <a:solidFill>
+                  <a:srgbClr val="C00000"/>
+                </a:solidFill>
+                <a:latin typeface="Lucida Sans Typewriter" panose="020B0509030504030204" pitchFamily="49" charset="0"/>
+              </a:rPr>
+              <a:t>[,c(“year”, ”length”)]</a:t>
+            </a:r>
+          </a:p>
+          <a:p>
+            <a:pPr lvl="1" indent="0">
+              <a:buClr>
+                <a:schemeClr val="tx1"/>
+              </a:buClr>
+              <a:buNone/>
+            </a:pPr>
+            <a:endParaRPr lang="en-US" sz="2000" dirty="0">
+              <a:solidFill>
+                <a:srgbClr val="C00000"/>
+              </a:solidFill>
+              <a:latin typeface="Lucida Sans Typewriter" panose="020B0509030504030204" pitchFamily="49" charset="0"/>
+            </a:endParaRPr>
+          </a:p>
+          <a:p>
+            <a:pPr lvl="1" indent="0">
+              <a:buClr>
+                <a:schemeClr val="tx1"/>
+              </a:buClr>
+              <a:buNone/>
+            </a:pPr>
+            <a:r>
+              <a:rPr lang="en-US" sz="2000" dirty="0">
+                <a:solidFill>
+                  <a:srgbClr val="008000"/>
+                </a:solidFill>
+                <a:latin typeface="Lucida Sans Typewriter" panose="020B0509030504030204" pitchFamily="49" charset="0"/>
+              </a:rPr>
+              <a:t># Option 2 (</a:t>
+            </a:r>
+            <a:r>
+              <a:rPr lang="en-US" sz="2000" dirty="0" err="1">
+                <a:solidFill>
+                  <a:srgbClr val="008000"/>
+                </a:solidFill>
+                <a:latin typeface="Lucida Sans Typewriter" panose="020B0509030504030204" pitchFamily="49" charset="0"/>
+              </a:rPr>
+              <a:t>dplyr</a:t>
+            </a:r>
+            <a:r>
+              <a:rPr lang="en-US" sz="2000" dirty="0">
+                <a:solidFill>
+                  <a:srgbClr val="008000"/>
+                </a:solidFill>
+                <a:latin typeface="Lucida Sans Typewriter" panose="020B0509030504030204" pitchFamily="49" charset="0"/>
+              </a:rPr>
+              <a:t>)</a:t>
+            </a:r>
+          </a:p>
+          <a:p>
+            <a:pPr lvl="1" indent="0">
+              <a:buClr>
+                <a:schemeClr val="tx1"/>
+              </a:buClr>
+              <a:buNone/>
+            </a:pPr>
+            <a:r>
+              <a:rPr lang="en-US" sz="2000" dirty="0" err="1">
+                <a:solidFill>
+                  <a:srgbClr val="C00000"/>
+                </a:solidFill>
+                <a:latin typeface="Lucida Sans Typewriter" panose="020B0509030504030204" pitchFamily="49" charset="0"/>
+              </a:rPr>
+              <a:t>mydata</a:t>
+            </a:r>
+            <a:r>
+              <a:rPr lang="en-US" sz="2000" dirty="0">
+                <a:solidFill>
+                  <a:srgbClr val="C00000"/>
+                </a:solidFill>
+                <a:latin typeface="Lucida Sans Typewriter" panose="020B0509030504030204" pitchFamily="49" charset="0"/>
+              </a:rPr>
+              <a:t>%&gt;%</a:t>
+            </a:r>
+          </a:p>
+          <a:p>
+            <a:pPr lvl="1" indent="0">
+              <a:buClr>
+                <a:schemeClr val="tx1"/>
+              </a:buClr>
+              <a:buNone/>
+            </a:pPr>
+            <a:r>
+              <a:rPr lang="en-US" sz="2000" dirty="0">
+                <a:solidFill>
+                  <a:srgbClr val="C00000"/>
+                </a:solidFill>
+                <a:latin typeface="Lucida Sans Typewriter" panose="020B0509030504030204" pitchFamily="49" charset="0"/>
+              </a:rPr>
+              <a:t>	select(year, length)</a:t>
+            </a:r>
+          </a:p>
+        </p:txBody>
+      </p:sp>
+    </p:spTree>
+    <p:extLst>
+      <p:ext uri="{BB962C8B-B14F-4D97-AF65-F5344CB8AC3E}">
+        <p14:creationId xmlns:p14="http://schemas.microsoft.com/office/powerpoint/2010/main" val="3309569919"/>
+      </p:ext>
+    </p:extLst>
+  </p:cSld>
+  <p:clrMapOvr>
+    <a:masterClrMapping/>
+  </p:clrMapOvr>
+</p:sld>
+</file>
+
+<file path=ppt/slides/slide34.xml><?xml version="1.0" encoding="utf-8"?>
+<p:sld xmlns:a="http://schemas.openxmlformats.org/drawingml/2006/main" xmlns:r="http://schemas.openxmlformats.org/officeDocument/2006/relationships" xmlns:p="http://schemas.openxmlformats.org/presentationml/2006/main">
+  <p:cSld>
+    <p:spTree>
+      <p:nvGrpSpPr>
+        <p:cNvPr id="1" name=""/>
+        <p:cNvGrpSpPr/>
+        <p:nvPr/>
+      </p:nvGrpSpPr>
+      <p:grpSpPr>
+        <a:xfrm>
+          <a:off x="0" y="0"/>
+          <a:ext cx="0" cy="0"/>
+          <a:chOff x="0" y="0"/>
+          <a:chExt cx="0" cy="0"/>
+        </a:xfrm>
+      </p:grpSpPr>
+      <p:sp>
+        <p:nvSpPr>
+          <p:cNvPr id="5" name="Rectangle 4"/>
+          <p:cNvSpPr/>
+          <p:nvPr/>
+        </p:nvSpPr>
+        <p:spPr>
+          <a:xfrm>
+            <a:off x="4447607" y="3244334"/>
+            <a:ext cx="248786" cy="369332"/>
+          </a:xfrm>
+          <a:prstGeom prst="rect">
+            <a:avLst/>
+          </a:prstGeom>
+        </p:spPr>
+        <p:txBody>
+          <a:bodyPr wrap="none">
+            <a:spAutoFit/>
+          </a:bodyPr>
+          <a:lstStyle/>
+          <a:p>
+            <a:r>
+              <a:rPr lang="en-US" dirty="0"/>
+              <a:t> </a:t>
+            </a:r>
+            <a:endParaRPr lang="en-CA" dirty="0"/>
+          </a:p>
+        </p:txBody>
+      </p:sp>
+      <p:sp>
+        <p:nvSpPr>
+          <p:cNvPr id="8" name="Title 1"/>
+          <p:cNvSpPr>
+            <a:spLocks noGrp="1"/>
+          </p:cNvSpPr>
+          <p:nvPr>
+            <p:ph type="title"/>
+          </p:nvPr>
+        </p:nvSpPr>
+        <p:spPr>
+          <a:xfrm>
+            <a:off x="457200" y="152718"/>
+            <a:ext cx="8229600" cy="761682"/>
+          </a:xfrm>
+        </p:spPr>
+        <p:txBody>
+          <a:bodyPr>
+            <a:normAutofit/>
+          </a:bodyPr>
+          <a:lstStyle/>
+          <a:p>
+            <a:r>
+              <a:rPr lang="en-CA" dirty="0">
+                <a:solidFill>
+                  <a:srgbClr val="C00000"/>
+                </a:solidFill>
+              </a:rPr>
+              <a:t>Summary stats: </a:t>
+            </a:r>
+            <a:r>
+              <a:rPr lang="en-CA" sz="3000" b="1" dirty="0">
+                <a:solidFill>
+                  <a:srgbClr val="C00000"/>
+                </a:solidFill>
+                <a:latin typeface="Lucida Sans Typewriter" panose="020B0509030504030204" pitchFamily="49" charset="0"/>
+              </a:rPr>
+              <a:t>{</a:t>
+            </a:r>
+            <a:r>
+              <a:rPr lang="en-CA" sz="3000" b="1" dirty="0" err="1">
+                <a:solidFill>
+                  <a:srgbClr val="C00000"/>
+                </a:solidFill>
+                <a:latin typeface="Lucida Sans Typewriter" panose="020B0509030504030204" pitchFamily="49" charset="0"/>
+              </a:rPr>
+              <a:t>dplyr</a:t>
+            </a:r>
+            <a:r>
+              <a:rPr lang="en-CA" sz="3000" b="1" dirty="0">
+                <a:solidFill>
+                  <a:srgbClr val="C00000"/>
+                </a:solidFill>
+                <a:latin typeface="Lucida Sans Typewriter" panose="020B0509030504030204" pitchFamily="49" charset="0"/>
+              </a:rPr>
+              <a:t>}</a:t>
+            </a:r>
+          </a:p>
+        </p:txBody>
+      </p:sp>
+      <p:sp>
+        <p:nvSpPr>
+          <p:cNvPr id="3" name="Rectangle 2"/>
+          <p:cNvSpPr/>
+          <p:nvPr/>
+        </p:nvSpPr>
+        <p:spPr>
+          <a:xfrm>
+            <a:off x="457200" y="1258431"/>
             <a:ext cx="8229600" cy="4770537"/>
           </a:xfrm>
           <a:prstGeom prst="rect">
@@ -14954,7 +16127,7 @@
 </p:sld>
 </file>
 
-<file path=ppt/slides/slide33.xml><?xml version="1.0" encoding="utf-8"?>
+<file path=ppt/slides/slide35.xml><?xml version="1.0" encoding="utf-8"?>
 <p:sld xmlns:a="http://schemas.openxmlformats.org/drawingml/2006/main" xmlns:r="http://schemas.openxmlformats.org/officeDocument/2006/relationships" xmlns:p="http://schemas.openxmlformats.org/presentationml/2006/main">
   <p:cSld>
     <p:bg>
@@ -15841,7 +17014,7 @@
 </p:sld>
 </file>
 
-<file path=ppt/slides/slide34.xml><?xml version="1.0" encoding="utf-8"?>
+<file path=ppt/slides/slide36.xml><?xml version="1.0" encoding="utf-8"?>
 <p:sld xmlns:a="http://schemas.openxmlformats.org/drawingml/2006/main" xmlns:r="http://schemas.openxmlformats.org/officeDocument/2006/relationships" xmlns:p="http://schemas.openxmlformats.org/presentationml/2006/main">
   <p:cSld>
     <p:spTree>
@@ -16070,28 +17243,28 @@
                 <a:gridCol w="2151380">
                   <a:extLst>
                     <a:ext uri="{9D8B030D-6E8A-4147-A177-3AD203B41FA5}">
-                      <a16:colId xmlns:a16="http://schemas.microsoft.com/office/drawing/2014/main" val="2308273152"/>
+                      <a16:colId xmlns:a16="http://schemas.microsoft.com/office/drawing/2014/main" xmlns="" val="2308273152"/>
                     </a:ext>
                   </a:extLst>
                 </a:gridCol>
                 <a:gridCol w="995680">
                   <a:extLst>
                     <a:ext uri="{9D8B030D-6E8A-4147-A177-3AD203B41FA5}">
-                      <a16:colId xmlns:a16="http://schemas.microsoft.com/office/drawing/2014/main" val="3248164835"/>
+                      <a16:colId xmlns:a16="http://schemas.microsoft.com/office/drawing/2014/main" xmlns="" val="3248164835"/>
                     </a:ext>
                   </a:extLst>
                 </a:gridCol>
                 <a:gridCol w="1097280">
                   <a:extLst>
                     <a:ext uri="{9D8B030D-6E8A-4147-A177-3AD203B41FA5}">
-                      <a16:colId xmlns:a16="http://schemas.microsoft.com/office/drawing/2014/main" val="3317969706"/>
+                      <a16:colId xmlns:a16="http://schemas.microsoft.com/office/drawing/2014/main" xmlns="" val="3317969706"/>
                     </a:ext>
                   </a:extLst>
                 </a:gridCol>
                 <a:gridCol w="1148080">
                   <a:extLst>
                     <a:ext uri="{9D8B030D-6E8A-4147-A177-3AD203B41FA5}">
-                      <a16:colId xmlns:a16="http://schemas.microsoft.com/office/drawing/2014/main" val="2746041176"/>
+                      <a16:colId xmlns:a16="http://schemas.microsoft.com/office/drawing/2014/main" xmlns="" val="2746041176"/>
                     </a:ext>
                   </a:extLst>
                 </a:gridCol>
@@ -16210,7 +17383,7 @@
                 </a:tc>
                 <a:extLst>
                   <a:ext uri="{0D108BD9-81ED-4DB2-BD59-A6C34878D82A}">
-                    <a16:rowId xmlns:a16="http://schemas.microsoft.com/office/drawing/2014/main" val="1238912919"/>
+                    <a16:rowId xmlns:a16="http://schemas.microsoft.com/office/drawing/2014/main" xmlns="" val="1238912919"/>
                   </a:ext>
                 </a:extLst>
               </a:tr>
@@ -16293,7 +17466,7 @@
                 </a:tc>
                 <a:extLst>
                   <a:ext uri="{0D108BD9-81ED-4DB2-BD59-A6C34878D82A}">
-                    <a16:rowId xmlns:a16="http://schemas.microsoft.com/office/drawing/2014/main" val="3078380524"/>
+                    <a16:rowId xmlns:a16="http://schemas.microsoft.com/office/drawing/2014/main" xmlns="" val="3078380524"/>
                   </a:ext>
                 </a:extLst>
               </a:tr>
@@ -16376,7 +17549,7 @@
                 </a:tc>
                 <a:extLst>
                   <a:ext uri="{0D108BD9-81ED-4DB2-BD59-A6C34878D82A}">
-                    <a16:rowId xmlns:a16="http://schemas.microsoft.com/office/drawing/2014/main" val="1491405898"/>
+                    <a16:rowId xmlns:a16="http://schemas.microsoft.com/office/drawing/2014/main" xmlns="" val="1491405898"/>
                   </a:ext>
                 </a:extLst>
               </a:tr>
@@ -16463,7 +17636,7 @@
                 </a:tc>
                 <a:extLst>
                   <a:ext uri="{0D108BD9-81ED-4DB2-BD59-A6C34878D82A}">
-                    <a16:rowId xmlns:a16="http://schemas.microsoft.com/office/drawing/2014/main" val="2450135848"/>
+                    <a16:rowId xmlns:a16="http://schemas.microsoft.com/office/drawing/2014/main" xmlns="" val="2450135848"/>
                   </a:ext>
                 </a:extLst>
               </a:tr>
@@ -16592,7 +17765,7 @@
                 </a:tc>
                 <a:extLst>
                   <a:ext uri="{0D108BD9-81ED-4DB2-BD59-A6C34878D82A}">
-                    <a16:rowId xmlns:a16="http://schemas.microsoft.com/office/drawing/2014/main" val="2345847343"/>
+                    <a16:rowId xmlns:a16="http://schemas.microsoft.com/office/drawing/2014/main" xmlns="" val="2345847343"/>
                   </a:ext>
                 </a:extLst>
               </a:tr>
@@ -16643,7 +17816,681 @@
       </p:grpSpPr>
       <p:sp>
         <p:nvSpPr>
-          <p:cNvPr id="2" name="Title 1"/>
+          <p:cNvPr id="3" name="Content Placeholder 2"/>
+          <p:cNvSpPr>
+            <a:spLocks noGrp="1"/>
+          </p:cNvSpPr>
+          <p:nvPr>
+            <p:ph idx="1"/>
+          </p:nvPr>
+        </p:nvSpPr>
+        <p:spPr>
+          <a:xfrm>
+            <a:off x="457200" y="1143000"/>
+            <a:ext cx="8077200" cy="5486400"/>
+          </a:xfrm>
+        </p:spPr>
+        <p:txBody>
+          <a:bodyPr>
+            <a:noAutofit/>
+          </a:bodyPr>
+          <a:lstStyle/>
+          <a:p>
+            <a:r>
+              <a:rPr lang="en-CA" dirty="0"/>
+              <a:t>Avoid dealing with frustrating issues later by following some simple rules now:</a:t>
+            </a:r>
+            <a:endParaRPr lang="en-CA" b="0" dirty="0"/>
+          </a:p>
+          <a:p>
+            <a:pPr marL="457200" indent="-457200">
+              <a:buAutoNum type="arabicPeriod"/>
+            </a:pPr>
+            <a:r>
+              <a:rPr lang="en-CA" b="0" dirty="0"/>
+              <a:t>Single flat file </a:t>
+            </a:r>
+            <a:r>
+              <a:rPr lang="en-CA" b="0" i="1" dirty="0"/>
+              <a:t>(at least </a:t>
+            </a:r>
+            <a:r>
+              <a:rPr lang="en-CA" b="0" i="1" dirty="0" smtClean="0"/>
+              <a:t>for now…)</a:t>
+            </a:r>
+          </a:p>
+          <a:p>
+            <a:pPr marL="457200" indent="-457200">
+              <a:buFont typeface="Arial" pitchFamily="34" charset="0"/>
+              <a:buAutoNum type="arabicPeriod"/>
+            </a:pPr>
+            <a:r>
+              <a:rPr lang="en-CA" b="0" dirty="0" smtClean="0"/>
+              <a:t>Everything </a:t>
+            </a:r>
+            <a:r>
+              <a:rPr lang="en-CA" b="0" dirty="0"/>
+              <a:t>lowercase </a:t>
+            </a:r>
+            <a:r>
+              <a:rPr lang="en-CA" b="0" dirty="0" smtClean="0"/>
+              <a:t>with </a:t>
+            </a:r>
+            <a:r>
+              <a:rPr lang="en-CA" b="0" dirty="0"/>
+              <a:t>no punctuation</a:t>
+            </a:r>
+          </a:p>
+          <a:p>
+            <a:pPr marL="457200" indent="-457200">
+              <a:buAutoNum type="arabicPeriod"/>
+            </a:pPr>
+            <a:r>
+              <a:rPr lang="en-CA" b="0" dirty="0" smtClean="0"/>
+              <a:t>Each </a:t>
+            </a:r>
+            <a:r>
+              <a:rPr lang="en-CA" b="0" dirty="0"/>
+              <a:t>column uniquely and simply named</a:t>
+            </a:r>
+          </a:p>
+          <a:p>
+            <a:pPr marL="457200" indent="-457200">
+              <a:buAutoNum type="arabicPeriod"/>
+            </a:pPr>
+            <a:r>
+              <a:rPr lang="en-CA" b="0" dirty="0"/>
+              <a:t>Individual column for each component of </a:t>
+            </a:r>
+            <a:r>
+              <a:rPr lang="en-CA" b="0" dirty="0" smtClean="0"/>
+              <a:t>date/time</a:t>
+            </a:r>
+          </a:p>
+          <a:p>
+            <a:pPr marL="457200" indent="-457200">
+              <a:buAutoNum type="arabicPeriod" startAt="5"/>
+            </a:pPr>
+            <a:r>
+              <a:rPr lang="en-CA" b="0" dirty="0" smtClean="0"/>
+              <a:t>No </a:t>
+            </a:r>
+            <a:r>
+              <a:rPr lang="en-CA" b="0" dirty="0"/>
+              <a:t>data? Leave it blank or use NA … but be consistent</a:t>
+            </a:r>
+            <a:r>
+              <a:rPr lang="en-CA" b="0" dirty="0" smtClean="0"/>
+              <a:t>!</a:t>
+            </a:r>
+          </a:p>
+          <a:p>
+            <a:pPr marL="457200" indent="-457200">
+              <a:buFont typeface="Arial" pitchFamily="34" charset="0"/>
+              <a:buAutoNum type="arabicPeriod" startAt="5"/>
+            </a:pPr>
+            <a:r>
+              <a:rPr lang="en-CA" b="0" dirty="0"/>
+              <a:t>Create a variable </a:t>
+            </a:r>
+            <a:r>
+              <a:rPr lang="en-CA" b="0" dirty="0" smtClean="0"/>
+              <a:t>key</a:t>
+            </a:r>
+            <a:endParaRPr lang="en-CA" b="0" dirty="0" smtClean="0"/>
+          </a:p>
+          <a:p>
+            <a:pPr marL="457200" indent="-457200">
+              <a:buFont typeface="Arial" pitchFamily="34" charset="0"/>
+              <a:buAutoNum type="arabicPeriod" startAt="5"/>
+            </a:pPr>
+            <a:r>
+              <a:rPr lang="en-CA" b="0" dirty="0"/>
+              <a:t>Save as a .txt or .</a:t>
+            </a:r>
+            <a:r>
+              <a:rPr lang="en-CA" b="0" dirty="0" smtClean="0"/>
+              <a:t>csv</a:t>
+            </a:r>
+            <a:endParaRPr lang="en-CA" b="0" dirty="0"/>
+          </a:p>
+          <a:p>
+            <a:endParaRPr lang="en-CA" b="0" dirty="0"/>
+          </a:p>
+        </p:txBody>
+      </p:sp>
+      <p:sp>
+        <p:nvSpPr>
+          <p:cNvPr id="8" name="Title 1"/>
+          <p:cNvSpPr txBox="1">
+            <a:spLocks/>
+          </p:cNvSpPr>
+          <p:nvPr/>
+        </p:nvSpPr>
+        <p:spPr>
+          <a:xfrm>
+            <a:off x="228600" y="0"/>
+            <a:ext cx="8077200" cy="914082"/>
+          </a:xfrm>
+          <a:prstGeom prst="rect">
+            <a:avLst/>
+          </a:prstGeom>
+        </p:spPr>
+        <p:txBody>
+          <a:bodyPr vert="horz" lIns="91440" tIns="45720" rIns="91440" bIns="45720" rtlCol="0" anchor="b">
+            <a:normAutofit fontScale="92500"/>
+          </a:bodyPr>
+          <a:lstStyle>
+            <a:lvl1pPr algn="l" defTabSz="914400" rtl="0" eaLnBrk="1" latinLnBrk="0" hangingPunct="1">
+              <a:spcBef>
+                <a:spcPct val="0"/>
+              </a:spcBef>
+              <a:buNone/>
+              <a:defRPr sz="3600" kern="1200" cap="all" spc="-60" baseline="0">
+                <a:solidFill>
+                  <a:schemeClr val="tx2"/>
+                </a:solidFill>
+                <a:latin typeface="+mj-lt"/>
+                <a:ea typeface="+mj-ea"/>
+                <a:cs typeface="+mj-cs"/>
+              </a:defRPr>
+            </a:lvl1pPr>
+          </a:lstStyle>
+          <a:p>
+            <a:r>
+              <a:rPr lang="en-US" dirty="0" smtClean="0">
+                <a:solidFill>
+                  <a:schemeClr val="accent3">
+                    <a:lumMod val="75000"/>
+                  </a:schemeClr>
+                </a:solidFill>
+              </a:rPr>
+              <a:t>Best Practices: Spreadsheets</a:t>
+            </a:r>
+            <a:endParaRPr lang="en-US" dirty="0">
+              <a:solidFill>
+                <a:schemeClr val="accent3">
+                  <a:lumMod val="75000"/>
+                </a:schemeClr>
+              </a:solidFill>
+            </a:endParaRPr>
+          </a:p>
+        </p:txBody>
+      </p:sp>
+    </p:spTree>
+    <p:extLst>
+      <p:ext uri="{BB962C8B-B14F-4D97-AF65-F5344CB8AC3E}">
+        <p14:creationId xmlns:p14="http://schemas.microsoft.com/office/powerpoint/2010/main" val="167620596"/>
+      </p:ext>
+    </p:extLst>
+  </p:cSld>
+  <p:clrMapOvr>
+    <a:masterClrMapping/>
+  </p:clrMapOvr>
+  <p:timing>
+    <p:tnLst>
+      <p:par>
+        <p:cTn id="1" dur="indefinite" restart="never" nodeType="tmRoot">
+          <p:childTnLst>
+            <p:seq concurrent="1" nextAc="seek">
+              <p:cTn id="2" dur="indefinite" nodeType="mainSeq">
+                <p:childTnLst>
+                  <p:par>
+                    <p:cTn id="3" fill="hold">
+                      <p:stCondLst>
+                        <p:cond delay="indefinite"/>
+                      </p:stCondLst>
+                      <p:childTnLst>
+                        <p:par>
+                          <p:cTn id="4" fill="hold">
+                            <p:stCondLst>
+                              <p:cond delay="0"/>
+                            </p:stCondLst>
+                            <p:childTnLst>
+                              <p:par>
+                                <p:cTn id="5" presetID="1" presetClass="entr" presetSubtype="0" fill="hold" nodeType="clickEffect">
+                                  <p:stCondLst>
+                                    <p:cond delay="0"/>
+                                  </p:stCondLst>
+                                  <p:childTnLst>
+                                    <p:set>
+                                      <p:cBhvr>
+                                        <p:cTn id="6" dur="1" fill="hold">
+                                          <p:stCondLst>
+                                            <p:cond delay="0"/>
+                                          </p:stCondLst>
+                                        </p:cTn>
+                                        <p:tgtEl>
+                                          <p:spTgt spid="3">
+                                            <p:txEl>
+                                              <p:pRg st="1" end="1"/>
+                                            </p:txEl>
+                                          </p:spTgt>
+                                        </p:tgtEl>
+                                        <p:attrNameLst>
+                                          <p:attrName>style.visibility</p:attrName>
+                                        </p:attrNameLst>
+                                      </p:cBhvr>
+                                      <p:to>
+                                        <p:strVal val="visible"/>
+                                      </p:to>
+                                    </p:set>
+                                  </p:childTnLst>
+                                </p:cTn>
+                              </p:par>
+                            </p:childTnLst>
+                          </p:cTn>
+                        </p:par>
+                      </p:childTnLst>
+                    </p:cTn>
+                  </p:par>
+                  <p:par>
+                    <p:cTn id="7" fill="hold">
+                      <p:stCondLst>
+                        <p:cond delay="indefinite"/>
+                      </p:stCondLst>
+                      <p:childTnLst>
+                        <p:par>
+                          <p:cTn id="8" fill="hold">
+                            <p:stCondLst>
+                              <p:cond delay="0"/>
+                            </p:stCondLst>
+                            <p:childTnLst>
+                              <p:par>
+                                <p:cTn id="9" presetID="1" presetClass="entr" presetSubtype="0" fill="hold" nodeType="clickEffect">
+                                  <p:stCondLst>
+                                    <p:cond delay="0"/>
+                                  </p:stCondLst>
+                                  <p:childTnLst>
+                                    <p:set>
+                                      <p:cBhvr>
+                                        <p:cTn id="10" dur="1" fill="hold">
+                                          <p:stCondLst>
+                                            <p:cond delay="0"/>
+                                          </p:stCondLst>
+                                        </p:cTn>
+                                        <p:tgtEl>
+                                          <p:spTgt spid="3">
+                                            <p:txEl>
+                                              <p:pRg st="2" end="2"/>
+                                            </p:txEl>
+                                          </p:spTgt>
+                                        </p:tgtEl>
+                                        <p:attrNameLst>
+                                          <p:attrName>style.visibility</p:attrName>
+                                        </p:attrNameLst>
+                                      </p:cBhvr>
+                                      <p:to>
+                                        <p:strVal val="visible"/>
+                                      </p:to>
+                                    </p:set>
+                                  </p:childTnLst>
+                                </p:cTn>
+                              </p:par>
+                            </p:childTnLst>
+                          </p:cTn>
+                        </p:par>
+                      </p:childTnLst>
+                    </p:cTn>
+                  </p:par>
+                  <p:par>
+                    <p:cTn id="11" fill="hold">
+                      <p:stCondLst>
+                        <p:cond delay="indefinite"/>
+                      </p:stCondLst>
+                      <p:childTnLst>
+                        <p:par>
+                          <p:cTn id="12" fill="hold">
+                            <p:stCondLst>
+                              <p:cond delay="0"/>
+                            </p:stCondLst>
+                            <p:childTnLst>
+                              <p:par>
+                                <p:cTn id="13" presetID="1" presetClass="entr" presetSubtype="0" fill="hold" nodeType="clickEffect">
+                                  <p:stCondLst>
+                                    <p:cond delay="0"/>
+                                  </p:stCondLst>
+                                  <p:childTnLst>
+                                    <p:set>
+                                      <p:cBhvr>
+                                        <p:cTn id="14" dur="1" fill="hold">
+                                          <p:stCondLst>
+                                            <p:cond delay="0"/>
+                                          </p:stCondLst>
+                                        </p:cTn>
+                                        <p:tgtEl>
+                                          <p:spTgt spid="3">
+                                            <p:txEl>
+                                              <p:pRg st="3" end="3"/>
+                                            </p:txEl>
+                                          </p:spTgt>
+                                        </p:tgtEl>
+                                        <p:attrNameLst>
+                                          <p:attrName>style.visibility</p:attrName>
+                                        </p:attrNameLst>
+                                      </p:cBhvr>
+                                      <p:to>
+                                        <p:strVal val="visible"/>
+                                      </p:to>
+                                    </p:set>
+                                  </p:childTnLst>
+                                </p:cTn>
+                              </p:par>
+                            </p:childTnLst>
+                          </p:cTn>
+                        </p:par>
+                      </p:childTnLst>
+                    </p:cTn>
+                  </p:par>
+                  <p:par>
+                    <p:cTn id="15" fill="hold">
+                      <p:stCondLst>
+                        <p:cond delay="indefinite"/>
+                      </p:stCondLst>
+                      <p:childTnLst>
+                        <p:par>
+                          <p:cTn id="16" fill="hold">
+                            <p:stCondLst>
+                              <p:cond delay="0"/>
+                            </p:stCondLst>
+                            <p:childTnLst>
+                              <p:par>
+                                <p:cTn id="17" presetID="1" presetClass="entr" presetSubtype="0" fill="hold" nodeType="clickEffect">
+                                  <p:stCondLst>
+                                    <p:cond delay="0"/>
+                                  </p:stCondLst>
+                                  <p:childTnLst>
+                                    <p:set>
+                                      <p:cBhvr>
+                                        <p:cTn id="18" dur="1" fill="hold">
+                                          <p:stCondLst>
+                                            <p:cond delay="0"/>
+                                          </p:stCondLst>
+                                        </p:cTn>
+                                        <p:tgtEl>
+                                          <p:spTgt spid="3">
+                                            <p:txEl>
+                                              <p:pRg st="4" end="4"/>
+                                            </p:txEl>
+                                          </p:spTgt>
+                                        </p:tgtEl>
+                                        <p:attrNameLst>
+                                          <p:attrName>style.visibility</p:attrName>
+                                        </p:attrNameLst>
+                                      </p:cBhvr>
+                                      <p:to>
+                                        <p:strVal val="visible"/>
+                                      </p:to>
+                                    </p:set>
+                                  </p:childTnLst>
+                                </p:cTn>
+                              </p:par>
+                            </p:childTnLst>
+                          </p:cTn>
+                        </p:par>
+                      </p:childTnLst>
+                    </p:cTn>
+                  </p:par>
+                  <p:par>
+                    <p:cTn id="19" fill="hold">
+                      <p:stCondLst>
+                        <p:cond delay="indefinite"/>
+                      </p:stCondLst>
+                      <p:childTnLst>
+                        <p:par>
+                          <p:cTn id="20" fill="hold">
+                            <p:stCondLst>
+                              <p:cond delay="0"/>
+                            </p:stCondLst>
+                            <p:childTnLst>
+                              <p:par>
+                                <p:cTn id="21" presetID="1" presetClass="entr" presetSubtype="0" fill="hold" nodeType="clickEffect">
+                                  <p:stCondLst>
+                                    <p:cond delay="0"/>
+                                  </p:stCondLst>
+                                  <p:childTnLst>
+                                    <p:set>
+                                      <p:cBhvr>
+                                        <p:cTn id="22" dur="1" fill="hold">
+                                          <p:stCondLst>
+                                            <p:cond delay="0"/>
+                                          </p:stCondLst>
+                                        </p:cTn>
+                                        <p:tgtEl>
+                                          <p:spTgt spid="3">
+                                            <p:txEl>
+                                              <p:pRg st="5" end="5"/>
+                                            </p:txEl>
+                                          </p:spTgt>
+                                        </p:tgtEl>
+                                        <p:attrNameLst>
+                                          <p:attrName>style.visibility</p:attrName>
+                                        </p:attrNameLst>
+                                      </p:cBhvr>
+                                      <p:to>
+                                        <p:strVal val="visible"/>
+                                      </p:to>
+                                    </p:set>
+                                  </p:childTnLst>
+                                </p:cTn>
+                              </p:par>
+                            </p:childTnLst>
+                          </p:cTn>
+                        </p:par>
+                      </p:childTnLst>
+                    </p:cTn>
+                  </p:par>
+                  <p:par>
+                    <p:cTn id="23" fill="hold">
+                      <p:stCondLst>
+                        <p:cond delay="indefinite"/>
+                      </p:stCondLst>
+                      <p:childTnLst>
+                        <p:par>
+                          <p:cTn id="24" fill="hold">
+                            <p:stCondLst>
+                              <p:cond delay="0"/>
+                            </p:stCondLst>
+                            <p:childTnLst>
+                              <p:par>
+                                <p:cTn id="25" presetID="1" presetClass="entr" presetSubtype="0" fill="hold" nodeType="clickEffect">
+                                  <p:stCondLst>
+                                    <p:cond delay="0"/>
+                                  </p:stCondLst>
+                                  <p:childTnLst>
+                                    <p:set>
+                                      <p:cBhvr>
+                                        <p:cTn id="26" dur="1" fill="hold">
+                                          <p:stCondLst>
+                                            <p:cond delay="0"/>
+                                          </p:stCondLst>
+                                        </p:cTn>
+                                        <p:tgtEl>
+                                          <p:spTgt spid="3">
+                                            <p:txEl>
+                                              <p:pRg st="6" end="6"/>
+                                            </p:txEl>
+                                          </p:spTgt>
+                                        </p:tgtEl>
+                                        <p:attrNameLst>
+                                          <p:attrName>style.visibility</p:attrName>
+                                        </p:attrNameLst>
+                                      </p:cBhvr>
+                                      <p:to>
+                                        <p:strVal val="visible"/>
+                                      </p:to>
+                                    </p:set>
+                                  </p:childTnLst>
+                                </p:cTn>
+                              </p:par>
+                            </p:childTnLst>
+                          </p:cTn>
+                        </p:par>
+                      </p:childTnLst>
+                    </p:cTn>
+                  </p:par>
+                  <p:par>
+                    <p:cTn id="27" fill="hold">
+                      <p:stCondLst>
+                        <p:cond delay="indefinite"/>
+                      </p:stCondLst>
+                      <p:childTnLst>
+                        <p:par>
+                          <p:cTn id="28" fill="hold">
+                            <p:stCondLst>
+                              <p:cond delay="0"/>
+                            </p:stCondLst>
+                            <p:childTnLst>
+                              <p:par>
+                                <p:cTn id="29" presetID="1" presetClass="entr" presetSubtype="0" fill="hold" nodeType="clickEffect">
+                                  <p:stCondLst>
+                                    <p:cond delay="0"/>
+                                  </p:stCondLst>
+                                  <p:childTnLst>
+                                    <p:set>
+                                      <p:cBhvr>
+                                        <p:cTn id="30" dur="1" fill="hold">
+                                          <p:stCondLst>
+                                            <p:cond delay="0"/>
+                                          </p:stCondLst>
+                                        </p:cTn>
+                                        <p:tgtEl>
+                                          <p:spTgt spid="3">
+                                            <p:txEl>
+                                              <p:pRg st="7" end="7"/>
+                                            </p:txEl>
+                                          </p:spTgt>
+                                        </p:tgtEl>
+                                        <p:attrNameLst>
+                                          <p:attrName>style.visibility</p:attrName>
+                                        </p:attrNameLst>
+                                      </p:cBhvr>
+                                      <p:to>
+                                        <p:strVal val="visible"/>
+                                      </p:to>
+                                    </p:set>
+                                  </p:childTnLst>
+                                </p:cTn>
+                              </p:par>
+                            </p:childTnLst>
+                          </p:cTn>
+                        </p:par>
+                      </p:childTnLst>
+                    </p:cTn>
+                  </p:par>
+                </p:childTnLst>
+              </p:cTn>
+              <p:prevCondLst>
+                <p:cond evt="onPrev" delay="0">
+                  <p:tgtEl>
+                    <p:sldTgt/>
+                  </p:tgtEl>
+                </p:cond>
+              </p:prevCondLst>
+              <p:nextCondLst>
+                <p:cond evt="onNext" delay="0">
+                  <p:tgtEl>
+                    <p:sldTgt/>
+                  </p:tgtEl>
+                </p:cond>
+              </p:nextCondLst>
+            </p:seq>
+          </p:childTnLst>
+        </p:cTn>
+      </p:par>
+    </p:tnLst>
+  </p:timing>
+</p:sld>
+</file>
+
+<file path=ppt/slides/slide5.xml><?xml version="1.0" encoding="utf-8"?>
+<p:sld xmlns:a="http://schemas.openxmlformats.org/drawingml/2006/main" xmlns:r="http://schemas.openxmlformats.org/officeDocument/2006/relationships" xmlns:p="http://schemas.openxmlformats.org/presentationml/2006/main">
+  <p:cSld>
+    <p:bg>
+      <p:bgPr>
+        <a:solidFill>
+          <a:schemeClr val="bg1"/>
+        </a:solidFill>
+        <a:effectLst/>
+      </p:bgPr>
+    </p:bg>
+    <p:spTree>
+      <p:nvGrpSpPr>
+        <p:cNvPr id="1" name=""/>
+        <p:cNvGrpSpPr/>
+        <p:nvPr/>
+      </p:nvGrpSpPr>
+      <p:grpSpPr>
+        <a:xfrm>
+          <a:off x="0" y="0"/>
+          <a:ext cx="0" cy="0"/>
+          <a:chOff x="0" y="0"/>
+          <a:chExt cx="0" cy="0"/>
+        </a:xfrm>
+      </p:grpSpPr>
+      <p:sp>
+        <p:nvSpPr>
+          <p:cNvPr id="3" name="Content Placeholder 2"/>
+          <p:cNvSpPr>
+            <a:spLocks noGrp="1"/>
+          </p:cNvSpPr>
+          <p:nvPr>
+            <p:ph idx="1"/>
+          </p:nvPr>
+        </p:nvSpPr>
+        <p:spPr>
+          <a:xfrm>
+            <a:off x="228600" y="1232858"/>
+            <a:ext cx="8077200" cy="609600"/>
+          </a:xfrm>
+        </p:spPr>
+        <p:txBody>
+          <a:bodyPr>
+            <a:noAutofit/>
+          </a:bodyPr>
+          <a:lstStyle/>
+          <a:p>
+            <a:pPr algn="ctr"/>
+            <a:r>
+              <a:rPr lang="en-CA" dirty="0" smtClean="0"/>
+              <a:t>What’s wrong with this data sheet?</a:t>
+            </a:r>
+            <a:endParaRPr lang="en-CA" b="0" dirty="0"/>
+          </a:p>
+        </p:txBody>
+      </p:sp>
+      <p:pic>
+        <p:nvPicPr>
+          <p:cNvPr id="4" name="Picture 3"/>
+          <p:cNvPicPr>
+            <a:picLocks noChangeAspect="1"/>
+          </p:cNvPicPr>
+          <p:nvPr/>
+        </p:nvPicPr>
+        <p:blipFill>
+          <a:blip r:embed="rId2"/>
+          <a:stretch>
+            <a:fillRect/>
+          </a:stretch>
+        </p:blipFill>
+        <p:spPr>
+          <a:xfrm>
+            <a:off x="228600" y="1869831"/>
+            <a:ext cx="4943475" cy="4686300"/>
+          </a:xfrm>
+          <a:prstGeom prst="rect">
+            <a:avLst/>
+          </a:prstGeom>
+          <a:ln>
+            <a:solidFill>
+              <a:schemeClr val="tx1"/>
+            </a:solidFill>
+          </a:ln>
+        </p:spPr>
+      </p:pic>
+      <p:sp>
+        <p:nvSpPr>
+          <p:cNvPr id="14" name="Title 1"/>
           <p:cNvSpPr>
             <a:spLocks noGrp="1"/>
           </p:cNvSpPr>
@@ -16653,8 +18500,8 @@
         </p:nvSpPr>
         <p:spPr>
           <a:xfrm>
-            <a:off x="457200" y="152718"/>
-            <a:ext cx="8534400" cy="837882"/>
+            <a:off x="457199" y="152718"/>
+            <a:ext cx="8402321" cy="990282"/>
           </a:xfrm>
         </p:spPr>
         <p:txBody>
@@ -16664,206 +18511,42 @@
           <a:lstStyle/>
           <a:p>
             <a:r>
-              <a:rPr lang="en-CA" sz="4000" dirty="0">
-                <a:solidFill>
-                  <a:srgbClr val="7030A0"/>
-                </a:solidFill>
-              </a:rPr>
-              <a:t>best practices: </a:t>
-            </a:r>
-            <a:r>
-              <a:rPr lang="en-CA" dirty="0">
-                <a:solidFill>
-                  <a:srgbClr val="7030A0"/>
-                </a:solidFill>
-              </a:rPr>
-              <a:t>R SCRIPT</a:t>
-            </a:r>
-            <a:endParaRPr lang="en-CA" sz="3300" dirty="0">
+              <a:rPr lang="en-CA" dirty="0" smtClean="0">
+                <a:solidFill>
+                  <a:srgbClr val="C00000"/>
+                </a:solidFill>
+              </a:rPr>
+              <a:t>Spreadsheet organization</a:t>
+            </a:r>
+            <a:endParaRPr lang="en-CA" dirty="0">
               <a:solidFill>
-                <a:srgbClr val="7030A0"/>
+                <a:srgbClr val="C00000"/>
               </a:solidFill>
             </a:endParaRPr>
-          </a:p>
-        </p:txBody>
-      </p:sp>
-      <p:sp>
-        <p:nvSpPr>
-          <p:cNvPr id="3" name="Content Placeholder 2"/>
-          <p:cNvSpPr>
-            <a:spLocks noGrp="1"/>
-          </p:cNvSpPr>
-          <p:nvPr>
-            <p:ph idx="1"/>
-          </p:nvPr>
-        </p:nvSpPr>
-        <p:spPr>
-          <a:xfrm>
-            <a:off x="228600" y="1143000"/>
-            <a:ext cx="8534400" cy="5486400"/>
-          </a:xfrm>
-        </p:spPr>
-        <p:txBody>
-          <a:bodyPr>
-            <a:noAutofit/>
-          </a:bodyPr>
-          <a:lstStyle/>
-          <a:p>
-            <a:pPr marL="457200" indent="-457200">
-              <a:buAutoNum type="arabicPeriod"/>
-            </a:pPr>
-            <a:r>
-              <a:rPr lang="en-CA" b="0" dirty="0"/>
-              <a:t>Always </a:t>
-            </a:r>
-            <a:r>
-              <a:rPr lang="en-CA" b="0" dirty="0">
-                <a:solidFill>
-                  <a:srgbClr val="008000"/>
-                </a:solidFill>
-                <a:latin typeface="Lucida Sans Typewriter" panose="020B0509030504030204" pitchFamily="49" charset="0"/>
-              </a:rPr>
-              <a:t>#comment</a:t>
-            </a:r>
-            <a:r>
-              <a:rPr lang="en-CA" b="0" dirty="0">
-                <a:solidFill>
-                  <a:srgbClr val="007635"/>
-                </a:solidFill>
-              </a:rPr>
-              <a:t> </a:t>
-            </a:r>
-            <a:r>
-              <a:rPr lang="en-CA" b="0" dirty="0"/>
-              <a:t>your code! Always. Seriously… ALWAYS.</a:t>
-            </a:r>
-          </a:p>
-          <a:p>
-            <a:pPr marL="742950" lvl="1" indent="-285750">
-              <a:buClrTx/>
-            </a:pPr>
-            <a:r>
-              <a:rPr lang="en-CA" sz="1700" dirty="0"/>
-              <a:t>R doesn’t try to read or interpret </a:t>
-            </a:r>
-            <a:r>
-              <a:rPr lang="en-CA" sz="1700" dirty="0">
-                <a:solidFill>
-                  <a:srgbClr val="008000"/>
-                </a:solidFill>
-                <a:latin typeface="Lucida Sans Typewriter" panose="020B0509030504030204" pitchFamily="49" charset="0"/>
-              </a:rPr>
-              <a:t>#comments</a:t>
-            </a:r>
-            <a:r>
-              <a:rPr lang="en-CA" sz="1700" dirty="0"/>
-              <a:t>; use them to keep track of what you are doing and why. </a:t>
-            </a:r>
-            <a:endParaRPr lang="en-CA" sz="1700" b="0" dirty="0"/>
-          </a:p>
-          <a:p>
-            <a:pPr marL="457200" indent="-457200">
-              <a:buAutoNum type="arabicPeriod"/>
-            </a:pPr>
-            <a:r>
-              <a:rPr lang="en-CA" b="0" dirty="0"/>
-              <a:t>Your code should have well defined sections, such as:</a:t>
-            </a:r>
-          </a:p>
-          <a:p>
-            <a:pPr marL="914400" lvl="1" indent="-457200">
-              <a:buClrTx/>
-            </a:pPr>
-            <a:r>
-              <a:rPr lang="en-CA" sz="1700" b="0" dirty="0"/>
-              <a:t>Description</a:t>
-            </a:r>
-          </a:p>
-          <a:p>
-            <a:pPr marL="914400" lvl="1" indent="-457200">
-              <a:buClrTx/>
-            </a:pPr>
-            <a:r>
-              <a:rPr lang="en-CA" sz="1700" b="0" dirty="0"/>
-              <a:t>Set Working Directory</a:t>
-            </a:r>
-          </a:p>
-          <a:p>
-            <a:pPr marL="914400" lvl="1" indent="-457200">
-              <a:buClrTx/>
-            </a:pPr>
-            <a:r>
-              <a:rPr lang="en-CA" sz="1700" b="0" dirty="0"/>
-              <a:t>Load Packages</a:t>
-            </a:r>
-          </a:p>
-          <a:p>
-            <a:pPr marL="914400" lvl="1" indent="-457200">
-              <a:buClrTx/>
-            </a:pPr>
-            <a:r>
-              <a:rPr lang="en-CA" sz="1700" b="0" dirty="0"/>
-              <a:t>Import Data</a:t>
-            </a:r>
-          </a:p>
-          <a:p>
-            <a:endParaRPr lang="en-CA" b="0" dirty="0"/>
-          </a:p>
-          <a:p>
-            <a:r>
-              <a:rPr lang="en-CA" b="0" dirty="0"/>
-              <a:t>To create collapsible sections and a drop-down menu in RStudio, use:</a:t>
-            </a:r>
-          </a:p>
-          <a:p>
-            <a:r>
-              <a:rPr lang="en-CA" b="0" dirty="0">
-                <a:solidFill>
-                  <a:srgbClr val="008000"/>
-                </a:solidFill>
-                <a:latin typeface="Lucida Sans Typewriter" panose="020B0509030504030204" pitchFamily="49" charset="0"/>
-              </a:rPr>
-              <a:t># ---- Section Title Here ----</a:t>
-            </a:r>
-          </a:p>
-          <a:p>
-            <a:endParaRPr lang="en-CA" sz="1000" b="0" dirty="0">
-              <a:solidFill>
-                <a:schemeClr val="tx2"/>
-              </a:solidFill>
-              <a:latin typeface="Lucida Sans Typewriter" panose="020B0509030504030204" pitchFamily="49" charset="0"/>
-            </a:endParaRPr>
-          </a:p>
-          <a:p>
-            <a:r>
-              <a:rPr lang="en-CA" b="0" dirty="0"/>
-              <a:t>You need to be aware of what objects exist in the Environment, and remember that </a:t>
-            </a:r>
-            <a:r>
-              <a:rPr lang="en-CA" b="0" i="1" dirty="0"/>
-              <a:t>order matters</a:t>
-            </a:r>
-            <a:r>
-              <a:rPr lang="en-CA" b="0" dirty="0"/>
-              <a:t>!</a:t>
-            </a:r>
           </a:p>
         </p:txBody>
       </p:sp>
     </p:spTree>
     <p:extLst>
       <p:ext uri="{BB962C8B-B14F-4D97-AF65-F5344CB8AC3E}">
-        <p14:creationId xmlns:p14="http://schemas.microsoft.com/office/powerpoint/2010/main" val="3710935003"/>
+        <p14:creationId xmlns:p14="http://schemas.microsoft.com/office/powerpoint/2010/main" val="3786826899"/>
       </p:ext>
     </p:extLst>
   </p:cSld>
   <p:clrMapOvr>
     <a:masterClrMapping/>
   </p:clrMapOvr>
+  <p:timing>
+    <p:tnLst>
+      <p:par>
+        <p:cTn id="1" dur="indefinite" restart="never" nodeType="tmRoot"/>
+      </p:par>
+    </p:tnLst>
+  </p:timing>
 </p:sld>
 </file>
 
-<file path=ppt/slides/slide5.xml><?xml version="1.0" encoding="utf-8"?>
+<file path=ppt/slides/slide6.xml><?xml version="1.0" encoding="utf-8"?>
 <p:sld xmlns:a="http://schemas.openxmlformats.org/drawingml/2006/main" xmlns:r="http://schemas.openxmlformats.org/officeDocument/2006/relationships" xmlns:p="http://schemas.openxmlformats.org/presentationml/2006/main">
   <p:cSld>
     <p:spTree>
@@ -16880,9 +18563,493 @@
           <a:chExt cx="0" cy="0"/>
         </a:xfrm>
       </p:grpSpPr>
-      <p:sp>
-        <p:nvSpPr>
-          <p:cNvPr id="2" name="Title 1"/>
+      <p:pic>
+        <p:nvPicPr>
+          <p:cNvPr id="4" name="Picture 3"/>
+          <p:cNvPicPr>
+            <a:picLocks noChangeAspect="1"/>
+          </p:cNvPicPr>
+          <p:nvPr/>
+        </p:nvPicPr>
+        <p:blipFill>
+          <a:blip r:embed="rId2"/>
+          <a:stretch>
+            <a:fillRect/>
+          </a:stretch>
+        </p:blipFill>
+        <p:spPr>
+          <a:xfrm>
+            <a:off x="228600" y="1869831"/>
+            <a:ext cx="4943475" cy="4686300"/>
+          </a:xfrm>
+          <a:prstGeom prst="rect">
+            <a:avLst/>
+          </a:prstGeom>
+          <a:ln>
+            <a:solidFill>
+              <a:schemeClr val="tx1"/>
+            </a:solidFill>
+          </a:ln>
+        </p:spPr>
+      </p:pic>
+      <p:sp>
+        <p:nvSpPr>
+          <p:cNvPr id="8" name="Content Placeholder 2"/>
+          <p:cNvSpPr txBox="1">
+            <a:spLocks/>
+          </p:cNvSpPr>
+          <p:nvPr/>
+        </p:nvSpPr>
+        <p:spPr>
+          <a:xfrm>
+            <a:off x="5334000" y="1882408"/>
+            <a:ext cx="3415375" cy="4114800"/>
+          </a:xfrm>
+          <a:prstGeom prst="rect">
+            <a:avLst/>
+          </a:prstGeom>
+          <a:ln>
+            <a:noFill/>
+          </a:ln>
+        </p:spPr>
+        <p:txBody>
+          <a:bodyPr vert="horz" lIns="91440" tIns="45720" rIns="91440" bIns="45720" rtlCol="0">
+            <a:noAutofit/>
+          </a:bodyPr>
+          <a:lstStyle>
+            <a:lvl1pPr marL="0" indent="0" algn="l" defTabSz="914400" rtl="0" eaLnBrk="1" latinLnBrk="0" hangingPunct="1">
+              <a:spcBef>
+                <a:spcPct val="20000"/>
+              </a:spcBef>
+              <a:spcAft>
+                <a:spcPts val="600"/>
+              </a:spcAft>
+              <a:buFont typeface="Arial" pitchFamily="34" charset="0"/>
+              <a:buNone/>
+              <a:defRPr sz="2000" b="1" kern="1200">
+                <a:solidFill>
+                  <a:schemeClr val="tx1"/>
+                </a:solidFill>
+                <a:latin typeface="+mn-lt"/>
+                <a:ea typeface="+mn-ea"/>
+                <a:cs typeface="+mn-cs"/>
+              </a:defRPr>
+            </a:lvl1pPr>
+            <a:lvl2pPr marL="457200" indent="-182880" algn="l" defTabSz="914400" rtl="0" eaLnBrk="1" latinLnBrk="0" hangingPunct="1">
+              <a:spcBef>
+                <a:spcPct val="20000"/>
+              </a:spcBef>
+              <a:buClr>
+                <a:schemeClr val="tx2"/>
+              </a:buClr>
+              <a:buFont typeface="Wingdings" pitchFamily="2" charset="2"/>
+              <a:buChar char="q"/>
+              <a:defRPr sz="2000" kern="1200">
+                <a:solidFill>
+                  <a:schemeClr val="tx1"/>
+                </a:solidFill>
+                <a:latin typeface="+mn-lt"/>
+                <a:ea typeface="+mn-ea"/>
+                <a:cs typeface="+mn-cs"/>
+              </a:defRPr>
+            </a:lvl2pPr>
+            <a:lvl3pPr marL="1143000" indent="-228600" algn="l" defTabSz="914400" rtl="0" eaLnBrk="1" latinLnBrk="0" hangingPunct="1">
+              <a:spcBef>
+                <a:spcPct val="20000"/>
+              </a:spcBef>
+              <a:buClr>
+                <a:schemeClr val="tx2"/>
+              </a:buClr>
+              <a:buFont typeface="Wingdings" pitchFamily="2" charset="2"/>
+              <a:buChar char="q"/>
+              <a:defRPr sz="1800" kern="1200">
+                <a:solidFill>
+                  <a:schemeClr val="tx1"/>
+                </a:solidFill>
+                <a:latin typeface="+mn-lt"/>
+                <a:ea typeface="+mn-ea"/>
+                <a:cs typeface="+mn-cs"/>
+              </a:defRPr>
+            </a:lvl3pPr>
+            <a:lvl4pPr marL="1600200" indent="-228600" algn="l" defTabSz="914400" rtl="0" eaLnBrk="1" latinLnBrk="0" hangingPunct="1">
+              <a:spcBef>
+                <a:spcPct val="20000"/>
+              </a:spcBef>
+              <a:buClr>
+                <a:schemeClr val="tx2"/>
+              </a:buClr>
+              <a:buFont typeface="Wingdings" pitchFamily="2" charset="2"/>
+              <a:buChar char="q"/>
+              <a:defRPr sz="1800" kern="1200">
+                <a:solidFill>
+                  <a:schemeClr val="tx1"/>
+                </a:solidFill>
+                <a:latin typeface="+mn-lt"/>
+                <a:ea typeface="+mn-ea"/>
+                <a:cs typeface="+mn-cs"/>
+              </a:defRPr>
+            </a:lvl4pPr>
+            <a:lvl5pPr marL="2057400" indent="-228600" algn="l" defTabSz="914400" rtl="0" eaLnBrk="1" latinLnBrk="0" hangingPunct="1">
+              <a:spcBef>
+                <a:spcPct val="20000"/>
+              </a:spcBef>
+              <a:buClr>
+                <a:schemeClr val="tx2"/>
+              </a:buClr>
+              <a:buFont typeface="Wingdings" pitchFamily="2" charset="2"/>
+              <a:buChar char="q"/>
+              <a:defRPr sz="1800" kern="1200" baseline="0">
+                <a:solidFill>
+                  <a:schemeClr val="tx1"/>
+                </a:solidFill>
+                <a:latin typeface="+mn-lt"/>
+                <a:ea typeface="+mn-ea"/>
+                <a:cs typeface="+mn-cs"/>
+              </a:defRPr>
+            </a:lvl5pPr>
+            <a:lvl6pPr marL="2514600" indent="-228600" algn="l" defTabSz="914400" rtl="0" eaLnBrk="1" latinLnBrk="0" hangingPunct="1">
+              <a:spcBef>
+                <a:spcPct val="20000"/>
+              </a:spcBef>
+              <a:buClr>
+                <a:schemeClr val="tx2"/>
+              </a:buClr>
+              <a:buFont typeface="Arial" pitchFamily="34" charset="0"/>
+              <a:buChar char="•"/>
+              <a:defRPr sz="1600" kern="1200">
+                <a:solidFill>
+                  <a:schemeClr val="tx1"/>
+                </a:solidFill>
+                <a:latin typeface="+mn-lt"/>
+                <a:ea typeface="+mn-ea"/>
+                <a:cs typeface="+mn-cs"/>
+              </a:defRPr>
+            </a:lvl6pPr>
+            <a:lvl7pPr marL="2971800" indent="-228600" algn="l" defTabSz="914400" rtl="0" eaLnBrk="1" latinLnBrk="0" hangingPunct="1">
+              <a:spcBef>
+                <a:spcPct val="20000"/>
+              </a:spcBef>
+              <a:buClr>
+                <a:schemeClr val="tx2"/>
+              </a:buClr>
+              <a:buFont typeface="Arial" pitchFamily="34" charset="0"/>
+              <a:buChar char="•"/>
+              <a:defRPr sz="1600" kern="1200">
+                <a:solidFill>
+                  <a:schemeClr val="tx1"/>
+                </a:solidFill>
+                <a:latin typeface="+mn-lt"/>
+                <a:ea typeface="+mn-ea"/>
+                <a:cs typeface="+mn-cs"/>
+              </a:defRPr>
+            </a:lvl7pPr>
+            <a:lvl8pPr marL="3429000" indent="-228600" algn="l" defTabSz="914400" rtl="0" eaLnBrk="1" latinLnBrk="0" hangingPunct="1">
+              <a:spcBef>
+                <a:spcPct val="20000"/>
+              </a:spcBef>
+              <a:buClr>
+                <a:schemeClr val="tx2"/>
+              </a:buClr>
+              <a:buFont typeface="Arial" pitchFamily="34" charset="0"/>
+              <a:buChar char="•"/>
+              <a:defRPr sz="1600" kern="1200">
+                <a:solidFill>
+                  <a:schemeClr val="tx1"/>
+                </a:solidFill>
+                <a:latin typeface="+mn-lt"/>
+                <a:ea typeface="+mn-ea"/>
+                <a:cs typeface="+mn-cs"/>
+              </a:defRPr>
+            </a:lvl8pPr>
+            <a:lvl9pPr marL="3886200" indent="-228600" algn="l" defTabSz="914400" rtl="0" eaLnBrk="1" latinLnBrk="0" hangingPunct="1">
+              <a:spcBef>
+                <a:spcPct val="20000"/>
+              </a:spcBef>
+              <a:buClr>
+                <a:schemeClr val="tx2"/>
+              </a:buClr>
+              <a:buFont typeface="Arial" pitchFamily="34" charset="0"/>
+              <a:buChar char="•"/>
+              <a:defRPr sz="1600" kern="1200">
+                <a:solidFill>
+                  <a:schemeClr val="tx1"/>
+                </a:solidFill>
+                <a:latin typeface="+mn-lt"/>
+                <a:ea typeface="+mn-ea"/>
+                <a:cs typeface="+mn-cs"/>
+              </a:defRPr>
+            </a:lvl9pPr>
+          </a:lstStyle>
+          <a:p>
+            <a:pPr marL="285750" indent="-285750">
+              <a:buFont typeface="Arial" panose="020B0604020202020204" pitchFamily="34" charset="0"/>
+              <a:buChar char="•"/>
+            </a:pPr>
+            <a:r>
+              <a:rPr lang="en-US" sz="1600" b="0" dirty="0" smtClean="0"/>
+              <a:t>site should be a variable</a:t>
+            </a:r>
+          </a:p>
+          <a:p>
+            <a:pPr marL="285750" indent="-285750">
+              <a:buFont typeface="Arial" panose="020B0604020202020204" pitchFamily="34" charset="0"/>
+              <a:buChar char="•"/>
+            </a:pPr>
+            <a:r>
+              <a:rPr lang="en-US" sz="1600" b="0" dirty="0" smtClean="0"/>
+              <a:t>remove capitals and punctuation</a:t>
+            </a:r>
+          </a:p>
+          <a:p>
+            <a:pPr marL="285750" indent="-285750">
+              <a:buFont typeface="Arial" panose="020B0604020202020204" pitchFamily="34" charset="0"/>
+              <a:buChar char="•"/>
+            </a:pPr>
+            <a:r>
+              <a:rPr lang="en-US" sz="1600" b="0" dirty="0" smtClean="0"/>
+              <a:t>each column needs unique header</a:t>
+            </a:r>
+          </a:p>
+          <a:p>
+            <a:pPr marL="285750" indent="-285750">
+              <a:buFont typeface="Arial" panose="020B0604020202020204" pitchFamily="34" charset="0"/>
+              <a:buChar char="•"/>
+            </a:pPr>
+            <a:r>
+              <a:rPr lang="en-US" sz="1600" b="0" dirty="0" smtClean="0"/>
+              <a:t>calculations included in flat file</a:t>
+            </a:r>
+          </a:p>
+          <a:p>
+            <a:pPr marL="285750" indent="-285750">
+              <a:buFont typeface="Arial" panose="020B0604020202020204" pitchFamily="34" charset="0"/>
+              <a:buChar char="•"/>
+            </a:pPr>
+            <a:r>
+              <a:rPr lang="en-US" sz="1600" b="0" dirty="0" smtClean="0"/>
+              <a:t>units included in cells</a:t>
+            </a:r>
+          </a:p>
+          <a:p>
+            <a:pPr marL="285750" indent="-285750">
+              <a:buFont typeface="Arial" panose="020B0604020202020204" pitchFamily="34" charset="0"/>
+              <a:buChar char="•"/>
+            </a:pPr>
+            <a:r>
+              <a:rPr lang="en-US" sz="1600" b="0" dirty="0" smtClean="0"/>
+              <a:t>date components should be separated</a:t>
+            </a:r>
+          </a:p>
+          <a:p>
+            <a:pPr marL="285750" indent="-285750">
+              <a:buFont typeface="Arial" panose="020B0604020202020204" pitchFamily="34" charset="0"/>
+              <a:buChar char="•"/>
+            </a:pPr>
+            <a:r>
+              <a:rPr lang="en-US" sz="1600" b="0" dirty="0" smtClean="0"/>
+              <a:t>missing data should be blank or NA</a:t>
+            </a:r>
+          </a:p>
+        </p:txBody>
+      </p:sp>
+      <p:sp>
+        <p:nvSpPr>
+          <p:cNvPr id="12" name="Content Placeholder 2"/>
+          <p:cNvSpPr txBox="1">
+            <a:spLocks/>
+          </p:cNvSpPr>
+          <p:nvPr/>
+        </p:nvSpPr>
+        <p:spPr>
+          <a:xfrm>
+            <a:off x="228600" y="1232858"/>
+            <a:ext cx="8077200" cy="609600"/>
+          </a:xfrm>
+          <a:prstGeom prst="rect">
+            <a:avLst/>
+          </a:prstGeom>
+        </p:spPr>
+        <p:txBody>
+          <a:bodyPr vert="horz" lIns="91440" tIns="45720" rIns="91440" bIns="45720" rtlCol="0">
+            <a:noAutofit/>
+          </a:bodyPr>
+          <a:lstStyle>
+            <a:lvl1pPr marL="0" indent="0" algn="l" defTabSz="914400" rtl="0" eaLnBrk="1" latinLnBrk="0" hangingPunct="1">
+              <a:spcBef>
+                <a:spcPct val="20000"/>
+              </a:spcBef>
+              <a:spcAft>
+                <a:spcPts val="600"/>
+              </a:spcAft>
+              <a:buFont typeface="Arial" pitchFamily="34" charset="0"/>
+              <a:buNone/>
+              <a:defRPr sz="2000" b="1" kern="1200">
+                <a:solidFill>
+                  <a:schemeClr val="tx1"/>
+                </a:solidFill>
+                <a:latin typeface="+mn-lt"/>
+                <a:ea typeface="+mn-ea"/>
+                <a:cs typeface="+mn-cs"/>
+              </a:defRPr>
+            </a:lvl1pPr>
+            <a:lvl2pPr marL="457200" indent="-182880" algn="l" defTabSz="914400" rtl="0" eaLnBrk="1" latinLnBrk="0" hangingPunct="1">
+              <a:spcBef>
+                <a:spcPct val="20000"/>
+              </a:spcBef>
+              <a:buClr>
+                <a:schemeClr val="tx2"/>
+              </a:buClr>
+              <a:buFont typeface="Wingdings" pitchFamily="2" charset="2"/>
+              <a:buChar char="q"/>
+              <a:defRPr sz="2000" kern="1200">
+                <a:solidFill>
+                  <a:schemeClr val="tx1"/>
+                </a:solidFill>
+                <a:latin typeface="+mn-lt"/>
+                <a:ea typeface="+mn-ea"/>
+                <a:cs typeface="+mn-cs"/>
+              </a:defRPr>
+            </a:lvl2pPr>
+            <a:lvl3pPr marL="1143000" indent="-228600" algn="l" defTabSz="914400" rtl="0" eaLnBrk="1" latinLnBrk="0" hangingPunct="1">
+              <a:spcBef>
+                <a:spcPct val="20000"/>
+              </a:spcBef>
+              <a:buClr>
+                <a:schemeClr val="tx2"/>
+              </a:buClr>
+              <a:buFont typeface="Wingdings" pitchFamily="2" charset="2"/>
+              <a:buChar char="q"/>
+              <a:defRPr sz="1800" kern="1200">
+                <a:solidFill>
+                  <a:schemeClr val="tx1"/>
+                </a:solidFill>
+                <a:latin typeface="+mn-lt"/>
+                <a:ea typeface="+mn-ea"/>
+                <a:cs typeface="+mn-cs"/>
+              </a:defRPr>
+            </a:lvl3pPr>
+            <a:lvl4pPr marL="1600200" indent="-228600" algn="l" defTabSz="914400" rtl="0" eaLnBrk="1" latinLnBrk="0" hangingPunct="1">
+              <a:spcBef>
+                <a:spcPct val="20000"/>
+              </a:spcBef>
+              <a:buClr>
+                <a:schemeClr val="tx2"/>
+              </a:buClr>
+              <a:buFont typeface="Wingdings" pitchFamily="2" charset="2"/>
+              <a:buChar char="q"/>
+              <a:defRPr sz="1800" kern="1200">
+                <a:solidFill>
+                  <a:schemeClr val="tx1"/>
+                </a:solidFill>
+                <a:latin typeface="+mn-lt"/>
+                <a:ea typeface="+mn-ea"/>
+                <a:cs typeface="+mn-cs"/>
+              </a:defRPr>
+            </a:lvl4pPr>
+            <a:lvl5pPr marL="2057400" indent="-228600" algn="l" defTabSz="914400" rtl="0" eaLnBrk="1" latinLnBrk="0" hangingPunct="1">
+              <a:spcBef>
+                <a:spcPct val="20000"/>
+              </a:spcBef>
+              <a:buClr>
+                <a:schemeClr val="tx2"/>
+              </a:buClr>
+              <a:buFont typeface="Wingdings" pitchFamily="2" charset="2"/>
+              <a:buChar char="q"/>
+              <a:defRPr sz="1800" kern="1200" baseline="0">
+                <a:solidFill>
+                  <a:schemeClr val="tx1"/>
+                </a:solidFill>
+                <a:latin typeface="+mn-lt"/>
+                <a:ea typeface="+mn-ea"/>
+                <a:cs typeface="+mn-cs"/>
+              </a:defRPr>
+            </a:lvl5pPr>
+            <a:lvl6pPr marL="2514600" indent="-228600" algn="l" defTabSz="914400" rtl="0" eaLnBrk="1" latinLnBrk="0" hangingPunct="1">
+              <a:spcBef>
+                <a:spcPct val="20000"/>
+              </a:spcBef>
+              <a:buClr>
+                <a:schemeClr val="tx2"/>
+              </a:buClr>
+              <a:buFont typeface="Arial" pitchFamily="34" charset="0"/>
+              <a:buChar char="•"/>
+              <a:defRPr sz="1600" kern="1200">
+                <a:solidFill>
+                  <a:schemeClr val="tx1"/>
+                </a:solidFill>
+                <a:latin typeface="+mn-lt"/>
+                <a:ea typeface="+mn-ea"/>
+                <a:cs typeface="+mn-cs"/>
+              </a:defRPr>
+            </a:lvl6pPr>
+            <a:lvl7pPr marL="2971800" indent="-228600" algn="l" defTabSz="914400" rtl="0" eaLnBrk="1" latinLnBrk="0" hangingPunct="1">
+              <a:spcBef>
+                <a:spcPct val="20000"/>
+              </a:spcBef>
+              <a:buClr>
+                <a:schemeClr val="tx2"/>
+              </a:buClr>
+              <a:buFont typeface="Arial" pitchFamily="34" charset="0"/>
+              <a:buChar char="•"/>
+              <a:defRPr sz="1600" kern="1200">
+                <a:solidFill>
+                  <a:schemeClr val="tx1"/>
+                </a:solidFill>
+                <a:latin typeface="+mn-lt"/>
+                <a:ea typeface="+mn-ea"/>
+                <a:cs typeface="+mn-cs"/>
+              </a:defRPr>
+            </a:lvl7pPr>
+            <a:lvl8pPr marL="3429000" indent="-228600" algn="l" defTabSz="914400" rtl="0" eaLnBrk="1" latinLnBrk="0" hangingPunct="1">
+              <a:spcBef>
+                <a:spcPct val="20000"/>
+              </a:spcBef>
+              <a:buClr>
+                <a:schemeClr val="tx2"/>
+              </a:buClr>
+              <a:buFont typeface="Arial" pitchFamily="34" charset="0"/>
+              <a:buChar char="•"/>
+              <a:defRPr sz="1600" kern="1200">
+                <a:solidFill>
+                  <a:schemeClr val="tx1"/>
+                </a:solidFill>
+                <a:latin typeface="+mn-lt"/>
+                <a:ea typeface="+mn-ea"/>
+                <a:cs typeface="+mn-cs"/>
+              </a:defRPr>
+            </a:lvl8pPr>
+            <a:lvl9pPr marL="3886200" indent="-228600" algn="l" defTabSz="914400" rtl="0" eaLnBrk="1" latinLnBrk="0" hangingPunct="1">
+              <a:spcBef>
+                <a:spcPct val="20000"/>
+              </a:spcBef>
+              <a:buClr>
+                <a:schemeClr val="tx2"/>
+              </a:buClr>
+              <a:buFont typeface="Arial" pitchFamily="34" charset="0"/>
+              <a:buChar char="•"/>
+              <a:defRPr sz="1600" kern="1200">
+                <a:solidFill>
+                  <a:schemeClr val="tx1"/>
+                </a:solidFill>
+                <a:latin typeface="+mn-lt"/>
+                <a:ea typeface="+mn-ea"/>
+                <a:cs typeface="+mn-cs"/>
+              </a:defRPr>
+            </a:lvl9pPr>
+          </a:lstStyle>
+          <a:p>
+            <a:pPr algn="ctr"/>
+            <a:r>
+              <a:rPr lang="en-CA" smtClean="0"/>
+              <a:t>What’s wrong with this data sheet?</a:t>
+            </a:r>
+            <a:endParaRPr lang="en-CA" b="0" dirty="0"/>
+          </a:p>
+        </p:txBody>
+      </p:sp>
+      <p:sp>
+        <p:nvSpPr>
+          <p:cNvPr id="18" name="Title 1"/>
           <p:cNvSpPr>
             <a:spLocks noGrp="1"/>
           </p:cNvSpPr>
@@ -16903,6 +19070,293 @@
           <a:lstStyle/>
           <a:p>
             <a:r>
+              <a:rPr lang="en-CA" dirty="0" smtClean="0">
+                <a:solidFill>
+                  <a:srgbClr val="C00000"/>
+                </a:solidFill>
+              </a:rPr>
+              <a:t>Spreadsheet organization</a:t>
+            </a:r>
+            <a:endParaRPr lang="en-CA" dirty="0">
+              <a:solidFill>
+                <a:srgbClr val="C00000"/>
+              </a:solidFill>
+            </a:endParaRPr>
+          </a:p>
+        </p:txBody>
+      </p:sp>
+    </p:spTree>
+    <p:extLst>
+      <p:ext uri="{BB962C8B-B14F-4D97-AF65-F5344CB8AC3E}">
+        <p14:creationId xmlns:p14="http://schemas.microsoft.com/office/powerpoint/2010/main" val="1468768071"/>
+      </p:ext>
+    </p:extLst>
+  </p:cSld>
+  <p:clrMapOvr>
+    <a:masterClrMapping/>
+  </p:clrMapOvr>
+  <p:timing>
+    <p:tnLst>
+      <p:par>
+        <p:cTn id="1" dur="indefinite" restart="never" nodeType="tmRoot"/>
+      </p:par>
+    </p:tnLst>
+  </p:timing>
+</p:sld>
+</file>
+
+<file path=ppt/slides/slide7.xml><?xml version="1.0" encoding="utf-8"?>
+<p:sld xmlns:a="http://schemas.openxmlformats.org/drawingml/2006/main" xmlns:r="http://schemas.openxmlformats.org/officeDocument/2006/relationships" xmlns:p="http://schemas.openxmlformats.org/presentationml/2006/main">
+  <p:cSld>
+    <p:spTree>
+      <p:nvGrpSpPr>
+        <p:cNvPr id="1" name=""/>
+        <p:cNvGrpSpPr/>
+        <p:nvPr/>
+      </p:nvGrpSpPr>
+      <p:grpSpPr>
+        <a:xfrm>
+          <a:off x="0" y="0"/>
+          <a:ext cx="0" cy="0"/>
+          <a:chOff x="0" y="0"/>
+          <a:chExt cx="0" cy="0"/>
+        </a:xfrm>
+      </p:grpSpPr>
+      <p:pic>
+        <p:nvPicPr>
+          <p:cNvPr id="4" name="Picture 3"/>
+          <p:cNvPicPr>
+            <a:picLocks noChangeAspect="1"/>
+          </p:cNvPicPr>
+          <p:nvPr/>
+        </p:nvPicPr>
+        <p:blipFill>
+          <a:blip r:embed="rId2"/>
+          <a:stretch>
+            <a:fillRect/>
+          </a:stretch>
+        </p:blipFill>
+        <p:spPr>
+          <a:xfrm>
+            <a:off x="228600" y="1869831"/>
+            <a:ext cx="4943475" cy="4686300"/>
+          </a:xfrm>
+          <a:prstGeom prst="rect">
+            <a:avLst/>
+          </a:prstGeom>
+          <a:ln>
+            <a:solidFill>
+              <a:schemeClr val="tx1"/>
+            </a:solidFill>
+          </a:ln>
+        </p:spPr>
+      </p:pic>
+      <p:pic>
+        <p:nvPicPr>
+          <p:cNvPr id="12" name="Picture 11"/>
+          <p:cNvPicPr>
+            <a:picLocks noChangeAspect="1"/>
+          </p:cNvPicPr>
+          <p:nvPr/>
+        </p:nvPicPr>
+        <p:blipFill>
+          <a:blip r:embed="rId3"/>
+          <a:stretch>
+            <a:fillRect/>
+          </a:stretch>
+        </p:blipFill>
+        <p:spPr>
+          <a:xfrm>
+            <a:off x="5334000" y="2667000"/>
+            <a:ext cx="3543300" cy="2809875"/>
+          </a:xfrm>
+          <a:prstGeom prst="rect">
+            <a:avLst/>
+          </a:prstGeom>
+          <a:ln>
+            <a:solidFill>
+              <a:schemeClr val="tx1"/>
+            </a:solidFill>
+          </a:ln>
+        </p:spPr>
+      </p:pic>
+      <p:sp>
+        <p:nvSpPr>
+          <p:cNvPr id="13" name="Right Arrow 12"/>
+          <p:cNvSpPr/>
+          <p:nvPr/>
+        </p:nvSpPr>
+        <p:spPr>
+          <a:xfrm>
+            <a:off x="4724400" y="4495800"/>
+            <a:ext cx="838200" cy="533400"/>
+          </a:xfrm>
+          <a:prstGeom prst="rightArrow">
+            <a:avLst/>
+          </a:prstGeom>
+          <a:solidFill>
+            <a:srgbClr val="008000"/>
+          </a:solidFill>
+          <a:ln>
+            <a:solidFill>
+              <a:schemeClr val="tx1"/>
+            </a:solidFill>
+          </a:ln>
+        </p:spPr>
+        <p:style>
+          <a:lnRef idx="2">
+            <a:schemeClr val="accent1">
+              <a:shade val="50000"/>
+            </a:schemeClr>
+          </a:lnRef>
+          <a:fillRef idx="1">
+            <a:schemeClr val="accent1"/>
+          </a:fillRef>
+          <a:effectRef idx="0">
+            <a:schemeClr val="accent1"/>
+          </a:effectRef>
+          <a:fontRef idx="minor">
+            <a:schemeClr val="lt1"/>
+          </a:fontRef>
+        </p:style>
+        <p:txBody>
+          <a:bodyPr rtlCol="0" anchor="ctr"/>
+          <a:lstStyle/>
+          <a:p>
+            <a:pPr algn="ctr"/>
+            <a:endParaRPr lang="en-CA"/>
+          </a:p>
+        </p:txBody>
+      </p:sp>
+      <p:sp>
+        <p:nvSpPr>
+          <p:cNvPr id="15" name="Content Placeholder 2"/>
+          <p:cNvSpPr>
+            <a:spLocks noGrp="1"/>
+          </p:cNvSpPr>
+          <p:nvPr>
+            <p:ph idx="1"/>
+          </p:nvPr>
+        </p:nvSpPr>
+        <p:spPr>
+          <a:xfrm>
+            <a:off x="228600" y="1232858"/>
+            <a:ext cx="8077200" cy="609600"/>
+          </a:xfrm>
+        </p:spPr>
+        <p:txBody>
+          <a:bodyPr>
+            <a:noAutofit/>
+          </a:bodyPr>
+          <a:lstStyle/>
+          <a:p>
+            <a:pPr algn="ctr"/>
+            <a:r>
+              <a:rPr lang="en-CA" dirty="0" smtClean="0"/>
+              <a:t>What’s wrong with this data sheet?</a:t>
+            </a:r>
+            <a:endParaRPr lang="en-CA" b="0" dirty="0"/>
+          </a:p>
+        </p:txBody>
+      </p:sp>
+      <p:sp>
+        <p:nvSpPr>
+          <p:cNvPr id="21" name="Title 1"/>
+          <p:cNvSpPr>
+            <a:spLocks noGrp="1"/>
+          </p:cNvSpPr>
+          <p:nvPr>
+            <p:ph type="title"/>
+          </p:nvPr>
+        </p:nvSpPr>
+        <p:spPr>
+          <a:xfrm>
+            <a:off x="457199" y="152718"/>
+            <a:ext cx="8402321" cy="990282"/>
+          </a:xfrm>
+        </p:spPr>
+        <p:txBody>
+          <a:bodyPr>
+            <a:normAutofit/>
+          </a:bodyPr>
+          <a:lstStyle/>
+          <a:p>
+            <a:r>
+              <a:rPr lang="en-CA" dirty="0" smtClean="0">
+                <a:solidFill>
+                  <a:srgbClr val="C00000"/>
+                </a:solidFill>
+              </a:rPr>
+              <a:t>Spreadsheet organization</a:t>
+            </a:r>
+            <a:endParaRPr lang="en-CA" dirty="0">
+              <a:solidFill>
+                <a:srgbClr val="C00000"/>
+              </a:solidFill>
+            </a:endParaRPr>
+          </a:p>
+        </p:txBody>
+      </p:sp>
+    </p:spTree>
+    <p:extLst>
+      <p:ext uri="{BB962C8B-B14F-4D97-AF65-F5344CB8AC3E}">
+        <p14:creationId xmlns:p14="http://schemas.microsoft.com/office/powerpoint/2010/main" val="3685600353"/>
+      </p:ext>
+    </p:extLst>
+  </p:cSld>
+  <p:clrMapOvr>
+    <a:masterClrMapping/>
+  </p:clrMapOvr>
+  <p:timing>
+    <p:tnLst>
+      <p:par>
+        <p:cTn id="1" dur="indefinite" restart="never" nodeType="tmRoot"/>
+      </p:par>
+    </p:tnLst>
+  </p:timing>
+</p:sld>
+</file>
+
+<file path=ppt/slides/slide8.xml><?xml version="1.0" encoding="utf-8"?>
+<p:sld xmlns:a="http://schemas.openxmlformats.org/drawingml/2006/main" xmlns:r="http://schemas.openxmlformats.org/officeDocument/2006/relationships" xmlns:p="http://schemas.openxmlformats.org/presentationml/2006/main">
+  <p:cSld>
+    <p:spTree>
+      <p:nvGrpSpPr>
+        <p:cNvPr id="1" name=""/>
+        <p:cNvGrpSpPr/>
+        <p:nvPr/>
+      </p:nvGrpSpPr>
+      <p:grpSpPr>
+        <a:xfrm>
+          <a:off x="0" y="0"/>
+          <a:ext cx="0" cy="0"/>
+          <a:chOff x="0" y="0"/>
+          <a:chExt cx="0" cy="0"/>
+        </a:xfrm>
+      </p:grpSpPr>
+      <p:sp>
+        <p:nvSpPr>
+          <p:cNvPr id="2" name="Title 1"/>
+          <p:cNvSpPr>
+            <a:spLocks noGrp="1"/>
+          </p:cNvSpPr>
+          <p:nvPr>
+            <p:ph type="title"/>
+          </p:nvPr>
+        </p:nvSpPr>
+        <p:spPr>
+          <a:xfrm>
+            <a:off x="457199" y="152718"/>
+            <a:ext cx="8402321" cy="990282"/>
+          </a:xfrm>
+        </p:spPr>
+        <p:txBody>
+          <a:bodyPr>
+            <a:normAutofit/>
+          </a:bodyPr>
+          <a:lstStyle/>
+          <a:p>
+            <a:r>
               <a:rPr lang="en-CA" dirty="0">
                 <a:solidFill>
                   <a:srgbClr val="C00000"/>
@@ -16915,7 +19369,7 @@
       </p:sp>
       <p:sp>
         <p:nvSpPr>
-          <p:cNvPr id="7" name="Content Placeholder 2"/>
+          <p:cNvPr id="4" name="Content Placeholder 2"/>
           <p:cNvSpPr txBox="1">
             <a:spLocks/>
           </p:cNvSpPr>
@@ -16923,7 +19377,7 @@
         </p:nvSpPr>
         <p:spPr>
           <a:xfrm>
-            <a:off x="381000" y="1295400"/>
+            <a:off x="533400" y="1447800"/>
             <a:ext cx="8153400" cy="3962400"/>
           </a:xfrm>
           <a:prstGeom prst="rect">
@@ -17109,103 +19563,72 @@
             </a:r>
           </a:p>
           <a:p>
+            <a:r>
+              <a:rPr lang="en-CA" b="0" dirty="0" smtClean="0">
+                <a:solidFill>
+                  <a:srgbClr val="C00000"/>
+                </a:solidFill>
+                <a:latin typeface="Lucida Sans Typewriter" panose="020B0509030504030204" pitchFamily="49" charset="0"/>
+              </a:rPr>
+              <a:t>	</a:t>
+            </a:r>
+            <a:r>
+              <a:rPr lang="en-CA" b="0" dirty="0" err="1" smtClean="0">
+                <a:solidFill>
+                  <a:srgbClr val="C00000"/>
+                </a:solidFill>
+                <a:latin typeface="Lucida Sans Typewriter" panose="020B0509030504030204" pitchFamily="49" charset="0"/>
+              </a:rPr>
+              <a:t>getwd</a:t>
+            </a:r>
+            <a:r>
+              <a:rPr lang="en-CA" b="0" dirty="0" smtClean="0">
+                <a:solidFill>
+                  <a:srgbClr val="C00000"/>
+                </a:solidFill>
+                <a:latin typeface="Lucida Sans Typewriter" panose="020B0509030504030204" pitchFamily="49" charset="0"/>
+              </a:rPr>
+              <a:t>()</a:t>
+            </a:r>
+            <a:r>
+              <a:rPr lang="en-US" b="0" dirty="0">
+                <a:solidFill>
+                  <a:srgbClr val="008000"/>
+                </a:solidFill>
+                <a:latin typeface="Lucida Sans Typewriter" panose="020B0509030504030204" pitchFamily="49" charset="0"/>
+              </a:rPr>
+              <a:t> # </a:t>
+            </a:r>
+            <a:r>
+              <a:rPr lang="en-US" b="0" dirty="0" smtClean="0">
+                <a:solidFill>
+                  <a:srgbClr val="008000"/>
+                </a:solidFill>
+                <a:latin typeface="Lucida Sans Typewriter" panose="020B0509030504030204" pitchFamily="49" charset="0"/>
+              </a:rPr>
+              <a:t>Prints your current working 			    directory; no arguments needed</a:t>
+            </a:r>
+          </a:p>
+          <a:p>
             <a:endParaRPr lang="en-US" b="0" dirty="0">
               <a:solidFill>
-                <a:schemeClr val="tx2"/>
+                <a:srgbClr val="008000"/>
               </a:solidFill>
               <a:latin typeface="Lucida Sans Typewriter" panose="020B0509030504030204" pitchFamily="49" charset="0"/>
             </a:endParaRPr>
           </a:p>
           <a:p>
-            <a:pPr lvl="1" indent="0">
-              <a:buNone/>
-            </a:pPr>
-            <a:r>
-              <a:rPr lang="en-US" b="1" dirty="0"/>
-              <a:t>Option A:</a:t>
-            </a:r>
-            <a:r>
-              <a:rPr lang="en-US" dirty="0"/>
-              <a:t> Create a Project</a:t>
-            </a:r>
-          </a:p>
-          <a:p>
-            <a:pPr lvl="1" indent="0" algn="ctr">
-              <a:buNone/>
-            </a:pPr>
-            <a:r>
-              <a:rPr lang="en-US" dirty="0">
-                <a:solidFill>
-                  <a:srgbClr val="7030A0"/>
-                </a:solidFill>
-              </a:rPr>
-              <a:t>File &gt; New Project &gt; Existing Directory &gt; </a:t>
-            </a:r>
-            <a:r>
-              <a:rPr lang="en-US" dirty="0" err="1">
-                <a:solidFill>
-                  <a:srgbClr val="7030A0"/>
-                </a:solidFill>
-              </a:rPr>
-              <a:t>RBarMUN</a:t>
-            </a:r>
-            <a:endParaRPr lang="en-US" dirty="0">
-              <a:solidFill>
-                <a:srgbClr val="7030A0"/>
-              </a:solidFill>
-            </a:endParaRPr>
-          </a:p>
-          <a:p>
-            <a:pPr lvl="1" indent="0">
-              <a:buNone/>
-            </a:pPr>
-            <a:r>
-              <a:rPr lang="en-US" i="1" dirty="0"/>
-              <a:t>Pro</a:t>
-            </a:r>
-            <a:r>
-              <a:rPr lang="en-US" dirty="0"/>
-              <a:t>: Saves you from needing to explicitly specify; relational</a:t>
-            </a:r>
-          </a:p>
-          <a:p>
-            <a:pPr lvl="1" indent="0">
-              <a:buNone/>
-            </a:pPr>
-            <a:r>
-              <a:rPr lang="en-US" i="1" dirty="0"/>
-              <a:t>Con</a:t>
-            </a:r>
-            <a:r>
-              <a:rPr lang="en-US" dirty="0"/>
-              <a:t>: Need to open script using the project shortcut</a:t>
-            </a:r>
-          </a:p>
-          <a:p>
-            <a:pPr lvl="1" indent="0">
-              <a:buNone/>
-            </a:pPr>
-            <a:endParaRPr lang="en-US" b="1" dirty="0"/>
-          </a:p>
-          <a:p>
-            <a:pPr lvl="1" indent="0">
-              <a:buNone/>
-            </a:pPr>
-            <a:r>
-              <a:rPr lang="en-US" b="1" dirty="0"/>
-              <a:t>Option B:</a:t>
-            </a:r>
-            <a:r>
-              <a:rPr lang="en-US" dirty="0"/>
-              <a:t> Manually Set a Working Directory</a:t>
-            </a:r>
-          </a:p>
-          <a:p>
-            <a:pPr lvl="1" indent="0" algn="ctr">
-              <a:buNone/>
-            </a:pPr>
-            <a:r>
-              <a:rPr lang="en-CA" dirty="0" err="1">
+            <a:r>
+              <a:rPr lang="en-CA" b="0" dirty="0">
+                <a:solidFill>
+                  <a:srgbClr val="C00000"/>
+                </a:solidFill>
+                <a:latin typeface="Lucida Sans Typewriter" panose="020B0509030504030204" pitchFamily="49" charset="0"/>
+              </a:rPr>
+              <a:t>	</a:t>
+            </a:r>
+            <a:r>
+              <a:rPr lang="en-CA" b="0" dirty="0" err="1" smtClean="0">
                 <a:solidFill>
                   <a:srgbClr val="C00000"/>
                 </a:solidFill>
@@ -17214,296 +19637,889 @@
               <a:t>setwd</a:t>
             </a:r>
             <a:r>
-              <a:rPr lang="en-CA" dirty="0">
-                <a:solidFill>
-                  <a:srgbClr val="C00000"/>
-                </a:solidFill>
-                <a:latin typeface="Lucida Sans Typewriter" panose="020B0509030504030204" pitchFamily="49" charset="0"/>
-              </a:rPr>
-              <a:t>(“C:/Users/</a:t>
-            </a:r>
-            <a:r>
-              <a:rPr lang="en-CA" dirty="0" err="1">
-                <a:solidFill>
-                  <a:srgbClr val="C00000"/>
-                </a:solidFill>
-                <a:latin typeface="Lucida Sans Typewriter" panose="020B0509030504030204" pitchFamily="49" charset="0"/>
-              </a:rPr>
-              <a:t>danie</a:t>
-            </a:r>
-            <a:r>
-              <a:rPr lang="en-CA" dirty="0">
-                <a:solidFill>
-                  <a:srgbClr val="C00000"/>
-                </a:solidFill>
-                <a:latin typeface="Lucida Sans Typewriter" panose="020B0509030504030204" pitchFamily="49" charset="0"/>
-              </a:rPr>
-              <a:t>/Desktop/</a:t>
-            </a:r>
-            <a:r>
-              <a:rPr lang="en-CA" dirty="0" err="1">
-                <a:solidFill>
-                  <a:srgbClr val="C00000"/>
-                </a:solidFill>
-                <a:latin typeface="Lucida Sans Typewriter" panose="020B0509030504030204" pitchFamily="49" charset="0"/>
-              </a:rPr>
-              <a:t>RBarMUN</a:t>
-            </a:r>
-            <a:r>
-              <a:rPr lang="en-CA" dirty="0">
-                <a:solidFill>
-                  <a:srgbClr val="C00000"/>
-                </a:solidFill>
-                <a:latin typeface="Lucida Sans Typewriter" panose="020B0509030504030204" pitchFamily="49" charset="0"/>
-              </a:rPr>
-              <a:t>”)</a:t>
-            </a:r>
-            <a:endParaRPr lang="en-US" dirty="0">
-              <a:solidFill>
-                <a:srgbClr val="C00000"/>
-              </a:solidFill>
-            </a:endParaRPr>
-          </a:p>
-          <a:p>
-            <a:pPr lvl="1" indent="0">
-              <a:buNone/>
-            </a:pPr>
-            <a:r>
-              <a:rPr lang="en-US" i="1" dirty="0"/>
-              <a:t>Pro</a:t>
-            </a:r>
-            <a:r>
-              <a:rPr lang="en-US" dirty="0"/>
-              <a:t>: Can open RStudio directly and have multiple scripts ongoing</a:t>
-            </a:r>
-          </a:p>
-          <a:p>
-            <a:pPr lvl="1" indent="0">
-              <a:buNone/>
-            </a:pPr>
-            <a:r>
-              <a:rPr lang="en-US" i="1" dirty="0"/>
-              <a:t>Con</a:t>
-            </a:r>
-            <a:r>
-              <a:rPr lang="en-US" dirty="0"/>
-              <a:t>: Need to update if files are moved or folders renamed</a:t>
-            </a:r>
-          </a:p>
-          <a:p>
+              <a:rPr lang="en-CA" b="0" dirty="0" smtClean="0">
+                <a:solidFill>
+                  <a:srgbClr val="C00000"/>
+                </a:solidFill>
+                <a:latin typeface="Lucida Sans Typewriter" panose="020B0509030504030204" pitchFamily="49" charset="0"/>
+              </a:rPr>
+              <a:t>(</a:t>
+            </a:r>
+            <a:r>
+              <a:rPr lang="en-CA" b="0" dirty="0" err="1" smtClean="0">
+                <a:solidFill>
+                  <a:srgbClr val="C00000"/>
+                </a:solidFill>
+                <a:latin typeface="Lucida Sans Typewriter" panose="020B0509030504030204" pitchFamily="49" charset="0"/>
+              </a:rPr>
+              <a:t>dir</a:t>
+            </a:r>
+            <a:r>
+              <a:rPr lang="en-CA" b="0" dirty="0" smtClean="0">
+                <a:solidFill>
+                  <a:srgbClr val="C00000"/>
+                </a:solidFill>
+                <a:latin typeface="Lucida Sans Typewriter" panose="020B0509030504030204" pitchFamily="49" charset="0"/>
+              </a:rPr>
+              <a:t>)</a:t>
+            </a:r>
+            <a:r>
+              <a:rPr lang="en-US" b="0" dirty="0" smtClean="0">
+                <a:solidFill>
+                  <a:srgbClr val="008000"/>
+                </a:solidFill>
+                <a:latin typeface="Lucida Sans Typewriter" panose="020B0509030504030204" pitchFamily="49" charset="0"/>
+              </a:rPr>
+              <a:t> </a:t>
+            </a:r>
+            <a:r>
+              <a:rPr lang="en-US" b="0" dirty="0">
+                <a:solidFill>
+                  <a:srgbClr val="008000"/>
+                </a:solidFill>
+                <a:latin typeface="Lucida Sans Typewriter" panose="020B0509030504030204" pitchFamily="49" charset="0"/>
+              </a:rPr>
+              <a:t># </a:t>
+            </a:r>
+            <a:r>
+              <a:rPr lang="en-US" b="0" dirty="0" smtClean="0">
+                <a:solidFill>
+                  <a:srgbClr val="008000"/>
+                </a:solidFill>
+                <a:latin typeface="Lucida Sans Typewriter" panose="020B0509030504030204" pitchFamily="49" charset="0"/>
+              </a:rPr>
+              <a:t>Defines </a:t>
+            </a:r>
+            <a:r>
+              <a:rPr lang="en-US" b="0" dirty="0">
+                <a:solidFill>
+                  <a:srgbClr val="008000"/>
+                </a:solidFill>
+                <a:latin typeface="Lucida Sans Typewriter" panose="020B0509030504030204" pitchFamily="49" charset="0"/>
+              </a:rPr>
+              <a:t>your </a:t>
+            </a:r>
+            <a:r>
+              <a:rPr lang="en-US" b="0" dirty="0" smtClean="0">
+                <a:solidFill>
+                  <a:srgbClr val="008000"/>
+                </a:solidFill>
+                <a:latin typeface="Lucida Sans Typewriter" panose="020B0509030504030204" pitchFamily="49" charset="0"/>
+              </a:rPr>
+              <a:t>working directory; 			 </a:t>
+            </a:r>
+            <a:r>
+              <a:rPr lang="en-US" b="0" dirty="0" err="1" smtClean="0">
+                <a:solidFill>
+                  <a:srgbClr val="008000"/>
+                </a:solidFill>
+                <a:latin typeface="Lucida Sans Typewriter" panose="020B0509030504030204" pitchFamily="49" charset="0"/>
+              </a:rPr>
+              <a:t>dir</a:t>
+            </a:r>
+            <a:r>
+              <a:rPr lang="en-US" b="0" dirty="0" smtClean="0">
+                <a:solidFill>
+                  <a:srgbClr val="008000"/>
+                </a:solidFill>
+                <a:latin typeface="Lucida Sans Typewriter" panose="020B0509030504030204" pitchFamily="49" charset="0"/>
+              </a:rPr>
+              <a:t> argument needed</a:t>
+            </a:r>
             <a:endParaRPr lang="en-US" b="0" dirty="0">
               <a:solidFill>
-                <a:schemeClr val="tx2"/>
+                <a:srgbClr val="008000"/>
               </a:solidFill>
               <a:latin typeface="Lucida Sans Typewriter" panose="020B0509030504030204" pitchFamily="49" charset="0"/>
             </a:endParaRPr>
           </a:p>
+          <a:p>
+            <a:endParaRPr lang="en-US" b="0" dirty="0" smtClean="0">
+              <a:solidFill>
+                <a:srgbClr val="008000"/>
+              </a:solidFill>
+              <a:latin typeface="Lucida Sans Typewriter" panose="020B0509030504030204" pitchFamily="49" charset="0"/>
+            </a:endParaRPr>
+          </a:p>
+        </p:txBody>
+      </p:sp>
+      <p:sp>
+        <p:nvSpPr>
+          <p:cNvPr id="5" name="Content Placeholder 2"/>
+          <p:cNvSpPr txBox="1">
+            <a:spLocks/>
+          </p:cNvSpPr>
+          <p:nvPr/>
+        </p:nvSpPr>
+        <p:spPr>
+          <a:xfrm>
+            <a:off x="436417" y="4419600"/>
+            <a:ext cx="6449753" cy="838200"/>
+          </a:xfrm>
+          <a:prstGeom prst="rect">
+            <a:avLst/>
+          </a:prstGeom>
+          <a:ln>
+            <a:solidFill>
+              <a:schemeClr val="tx1"/>
+            </a:solidFill>
+          </a:ln>
+        </p:spPr>
+        <p:txBody>
+          <a:bodyPr vert="horz" lIns="91440" tIns="45720" rIns="91440" bIns="45720" rtlCol="0">
+            <a:noAutofit/>
+          </a:bodyPr>
+          <a:lstStyle>
+            <a:lvl1pPr marL="0" indent="0" algn="l" defTabSz="914400" rtl="0" eaLnBrk="1" latinLnBrk="0" hangingPunct="1">
+              <a:spcBef>
+                <a:spcPct val="20000"/>
+              </a:spcBef>
+              <a:spcAft>
+                <a:spcPts val="600"/>
+              </a:spcAft>
+              <a:buFont typeface="Arial" pitchFamily="34" charset="0"/>
+              <a:buNone/>
+              <a:defRPr sz="2000" b="1" kern="1200">
+                <a:solidFill>
+                  <a:schemeClr val="tx1"/>
+                </a:solidFill>
+                <a:latin typeface="+mn-lt"/>
+                <a:ea typeface="+mn-ea"/>
+                <a:cs typeface="+mn-cs"/>
+              </a:defRPr>
+            </a:lvl1pPr>
+            <a:lvl2pPr marL="457200" indent="-182880" algn="l" defTabSz="914400" rtl="0" eaLnBrk="1" latinLnBrk="0" hangingPunct="1">
+              <a:spcBef>
+                <a:spcPct val="20000"/>
+              </a:spcBef>
+              <a:buClr>
+                <a:schemeClr val="tx2"/>
+              </a:buClr>
+              <a:buFont typeface="Wingdings" pitchFamily="2" charset="2"/>
+              <a:buChar char="q"/>
+              <a:defRPr sz="2000" kern="1200">
+                <a:solidFill>
+                  <a:schemeClr val="tx1"/>
+                </a:solidFill>
+                <a:latin typeface="+mn-lt"/>
+                <a:ea typeface="+mn-ea"/>
+                <a:cs typeface="+mn-cs"/>
+              </a:defRPr>
+            </a:lvl2pPr>
+            <a:lvl3pPr marL="1143000" indent="-228600" algn="l" defTabSz="914400" rtl="0" eaLnBrk="1" latinLnBrk="0" hangingPunct="1">
+              <a:spcBef>
+                <a:spcPct val="20000"/>
+              </a:spcBef>
+              <a:buClr>
+                <a:schemeClr val="tx2"/>
+              </a:buClr>
+              <a:buFont typeface="Wingdings" pitchFamily="2" charset="2"/>
+              <a:buChar char="q"/>
+              <a:defRPr sz="1800" kern="1200">
+                <a:solidFill>
+                  <a:schemeClr val="tx1"/>
+                </a:solidFill>
+                <a:latin typeface="+mn-lt"/>
+                <a:ea typeface="+mn-ea"/>
+                <a:cs typeface="+mn-cs"/>
+              </a:defRPr>
+            </a:lvl3pPr>
+            <a:lvl4pPr marL="1600200" indent="-228600" algn="l" defTabSz="914400" rtl="0" eaLnBrk="1" latinLnBrk="0" hangingPunct="1">
+              <a:spcBef>
+                <a:spcPct val="20000"/>
+              </a:spcBef>
+              <a:buClr>
+                <a:schemeClr val="tx2"/>
+              </a:buClr>
+              <a:buFont typeface="Wingdings" pitchFamily="2" charset="2"/>
+              <a:buChar char="q"/>
+              <a:defRPr sz="1800" kern="1200">
+                <a:solidFill>
+                  <a:schemeClr val="tx1"/>
+                </a:solidFill>
+                <a:latin typeface="+mn-lt"/>
+                <a:ea typeface="+mn-ea"/>
+                <a:cs typeface="+mn-cs"/>
+              </a:defRPr>
+            </a:lvl4pPr>
+            <a:lvl5pPr marL="2057400" indent="-228600" algn="l" defTabSz="914400" rtl="0" eaLnBrk="1" latinLnBrk="0" hangingPunct="1">
+              <a:spcBef>
+                <a:spcPct val="20000"/>
+              </a:spcBef>
+              <a:buClr>
+                <a:schemeClr val="tx2"/>
+              </a:buClr>
+              <a:buFont typeface="Wingdings" pitchFamily="2" charset="2"/>
+              <a:buChar char="q"/>
+              <a:defRPr sz="1800" kern="1200" baseline="0">
+                <a:solidFill>
+                  <a:schemeClr val="tx1"/>
+                </a:solidFill>
+                <a:latin typeface="+mn-lt"/>
+                <a:ea typeface="+mn-ea"/>
+                <a:cs typeface="+mn-cs"/>
+              </a:defRPr>
+            </a:lvl5pPr>
+            <a:lvl6pPr marL="2514600" indent="-228600" algn="l" defTabSz="914400" rtl="0" eaLnBrk="1" latinLnBrk="0" hangingPunct="1">
+              <a:spcBef>
+                <a:spcPct val="20000"/>
+              </a:spcBef>
+              <a:buClr>
+                <a:schemeClr val="tx2"/>
+              </a:buClr>
+              <a:buFont typeface="Arial" pitchFamily="34" charset="0"/>
+              <a:buChar char="•"/>
+              <a:defRPr sz="1600" kern="1200">
+                <a:solidFill>
+                  <a:schemeClr val="tx1"/>
+                </a:solidFill>
+                <a:latin typeface="+mn-lt"/>
+                <a:ea typeface="+mn-ea"/>
+                <a:cs typeface="+mn-cs"/>
+              </a:defRPr>
+            </a:lvl6pPr>
+            <a:lvl7pPr marL="2971800" indent="-228600" algn="l" defTabSz="914400" rtl="0" eaLnBrk="1" latinLnBrk="0" hangingPunct="1">
+              <a:spcBef>
+                <a:spcPct val="20000"/>
+              </a:spcBef>
+              <a:buClr>
+                <a:schemeClr val="tx2"/>
+              </a:buClr>
+              <a:buFont typeface="Arial" pitchFamily="34" charset="0"/>
+              <a:buChar char="•"/>
+              <a:defRPr sz="1600" kern="1200">
+                <a:solidFill>
+                  <a:schemeClr val="tx1"/>
+                </a:solidFill>
+                <a:latin typeface="+mn-lt"/>
+                <a:ea typeface="+mn-ea"/>
+                <a:cs typeface="+mn-cs"/>
+              </a:defRPr>
+            </a:lvl7pPr>
+            <a:lvl8pPr marL="3429000" indent="-228600" algn="l" defTabSz="914400" rtl="0" eaLnBrk="1" latinLnBrk="0" hangingPunct="1">
+              <a:spcBef>
+                <a:spcPct val="20000"/>
+              </a:spcBef>
+              <a:buClr>
+                <a:schemeClr val="tx2"/>
+              </a:buClr>
+              <a:buFont typeface="Arial" pitchFamily="34" charset="0"/>
+              <a:buChar char="•"/>
+              <a:defRPr sz="1600" kern="1200">
+                <a:solidFill>
+                  <a:schemeClr val="tx1"/>
+                </a:solidFill>
+                <a:latin typeface="+mn-lt"/>
+                <a:ea typeface="+mn-ea"/>
+                <a:cs typeface="+mn-cs"/>
+              </a:defRPr>
+            </a:lvl8pPr>
+            <a:lvl9pPr marL="3886200" indent="-228600" algn="l" defTabSz="914400" rtl="0" eaLnBrk="1" latinLnBrk="0" hangingPunct="1">
+              <a:spcBef>
+                <a:spcPct val="20000"/>
+              </a:spcBef>
+              <a:buClr>
+                <a:schemeClr val="tx2"/>
+              </a:buClr>
+              <a:buFont typeface="Arial" pitchFamily="34" charset="0"/>
+              <a:buChar char="•"/>
+              <a:defRPr sz="1600" kern="1200">
+                <a:solidFill>
+                  <a:schemeClr val="tx1"/>
+                </a:solidFill>
+                <a:latin typeface="+mn-lt"/>
+                <a:ea typeface="+mn-ea"/>
+                <a:cs typeface="+mn-cs"/>
+              </a:defRPr>
+            </a:lvl9pPr>
+          </a:lstStyle>
+          <a:p>
+            <a:pPr algn="ctr"/>
+            <a:r>
+              <a:rPr lang="en-US" sz="2200" b="0" dirty="0" smtClean="0"/>
+              <a:t>the path to the</a:t>
+            </a:r>
+            <a:r>
+              <a:rPr lang="en-US" sz="2200" b="0" dirty="0" smtClean="0"/>
+              <a:t> directory (folder) that you want R to communicate with, as a character string (quotes)</a:t>
+            </a:r>
+            <a:endParaRPr lang="en-US" b="0" dirty="0" smtClean="0">
+              <a:solidFill>
+                <a:srgbClr val="008000"/>
+              </a:solidFill>
+              <a:latin typeface="Lucida Sans Typewriter" panose="020B0509030504030204" pitchFamily="49" charset="0"/>
+            </a:endParaRPr>
+          </a:p>
+        </p:txBody>
+      </p:sp>
+      <p:cxnSp>
+        <p:nvCxnSpPr>
+          <p:cNvPr id="10" name="Straight Arrow Connector 9"/>
+          <p:cNvCxnSpPr/>
+          <p:nvPr/>
+        </p:nvCxnSpPr>
+        <p:spPr>
+          <a:xfrm flipV="1">
+            <a:off x="2667000" y="3860006"/>
+            <a:ext cx="9525" cy="509588"/>
+          </a:xfrm>
+          <a:prstGeom prst="straightConnector1">
+            <a:avLst/>
+          </a:prstGeom>
+          <a:ln>
+            <a:tailEnd type="triangle"/>
+          </a:ln>
+        </p:spPr>
+        <p:style>
+          <a:lnRef idx="2">
+            <a:schemeClr val="dk1"/>
+          </a:lnRef>
+          <a:fillRef idx="0">
+            <a:schemeClr val="dk1"/>
+          </a:fillRef>
+          <a:effectRef idx="1">
+            <a:schemeClr val="dk1"/>
+          </a:effectRef>
+          <a:fontRef idx="minor">
+            <a:schemeClr val="tx1"/>
+          </a:fontRef>
+        </p:style>
+      </p:cxnSp>
+      <p:sp>
+        <p:nvSpPr>
+          <p:cNvPr id="11" name="Content Placeholder 2"/>
+          <p:cNvSpPr txBox="1">
+            <a:spLocks/>
+          </p:cNvSpPr>
+          <p:nvPr/>
+        </p:nvSpPr>
+        <p:spPr>
+          <a:xfrm>
+            <a:off x="533400" y="5435203"/>
+            <a:ext cx="7668953" cy="559594"/>
+          </a:xfrm>
+          <a:prstGeom prst="rect">
+            <a:avLst/>
+          </a:prstGeom>
+          <a:ln>
+            <a:noFill/>
+          </a:ln>
+        </p:spPr>
+        <p:txBody>
+          <a:bodyPr vert="horz" lIns="91440" tIns="45720" rIns="91440" bIns="45720" rtlCol="0">
+            <a:noAutofit/>
+          </a:bodyPr>
+          <a:lstStyle>
+            <a:lvl1pPr marL="0" indent="0" algn="l" defTabSz="914400" rtl="0" eaLnBrk="1" latinLnBrk="0" hangingPunct="1">
+              <a:spcBef>
+                <a:spcPct val="20000"/>
+              </a:spcBef>
+              <a:spcAft>
+                <a:spcPts val="600"/>
+              </a:spcAft>
+              <a:buFont typeface="Arial" pitchFamily="34" charset="0"/>
+              <a:buNone/>
+              <a:defRPr sz="2000" b="1" kern="1200">
+                <a:solidFill>
+                  <a:schemeClr val="tx1"/>
+                </a:solidFill>
+                <a:latin typeface="+mn-lt"/>
+                <a:ea typeface="+mn-ea"/>
+                <a:cs typeface="+mn-cs"/>
+              </a:defRPr>
+            </a:lvl1pPr>
+            <a:lvl2pPr marL="457200" indent="-182880" algn="l" defTabSz="914400" rtl="0" eaLnBrk="1" latinLnBrk="0" hangingPunct="1">
+              <a:spcBef>
+                <a:spcPct val="20000"/>
+              </a:spcBef>
+              <a:buClr>
+                <a:schemeClr val="tx2"/>
+              </a:buClr>
+              <a:buFont typeface="Wingdings" pitchFamily="2" charset="2"/>
+              <a:buChar char="q"/>
+              <a:defRPr sz="2000" kern="1200">
+                <a:solidFill>
+                  <a:schemeClr val="tx1"/>
+                </a:solidFill>
+                <a:latin typeface="+mn-lt"/>
+                <a:ea typeface="+mn-ea"/>
+                <a:cs typeface="+mn-cs"/>
+              </a:defRPr>
+            </a:lvl2pPr>
+            <a:lvl3pPr marL="1143000" indent="-228600" algn="l" defTabSz="914400" rtl="0" eaLnBrk="1" latinLnBrk="0" hangingPunct="1">
+              <a:spcBef>
+                <a:spcPct val="20000"/>
+              </a:spcBef>
+              <a:buClr>
+                <a:schemeClr val="tx2"/>
+              </a:buClr>
+              <a:buFont typeface="Wingdings" pitchFamily="2" charset="2"/>
+              <a:buChar char="q"/>
+              <a:defRPr sz="1800" kern="1200">
+                <a:solidFill>
+                  <a:schemeClr val="tx1"/>
+                </a:solidFill>
+                <a:latin typeface="+mn-lt"/>
+                <a:ea typeface="+mn-ea"/>
+                <a:cs typeface="+mn-cs"/>
+              </a:defRPr>
+            </a:lvl3pPr>
+            <a:lvl4pPr marL="1600200" indent="-228600" algn="l" defTabSz="914400" rtl="0" eaLnBrk="1" latinLnBrk="0" hangingPunct="1">
+              <a:spcBef>
+                <a:spcPct val="20000"/>
+              </a:spcBef>
+              <a:buClr>
+                <a:schemeClr val="tx2"/>
+              </a:buClr>
+              <a:buFont typeface="Wingdings" pitchFamily="2" charset="2"/>
+              <a:buChar char="q"/>
+              <a:defRPr sz="1800" kern="1200">
+                <a:solidFill>
+                  <a:schemeClr val="tx1"/>
+                </a:solidFill>
+                <a:latin typeface="+mn-lt"/>
+                <a:ea typeface="+mn-ea"/>
+                <a:cs typeface="+mn-cs"/>
+              </a:defRPr>
+            </a:lvl4pPr>
+            <a:lvl5pPr marL="2057400" indent="-228600" algn="l" defTabSz="914400" rtl="0" eaLnBrk="1" latinLnBrk="0" hangingPunct="1">
+              <a:spcBef>
+                <a:spcPct val="20000"/>
+              </a:spcBef>
+              <a:buClr>
+                <a:schemeClr val="tx2"/>
+              </a:buClr>
+              <a:buFont typeface="Wingdings" pitchFamily="2" charset="2"/>
+              <a:buChar char="q"/>
+              <a:defRPr sz="1800" kern="1200" baseline="0">
+                <a:solidFill>
+                  <a:schemeClr val="tx1"/>
+                </a:solidFill>
+                <a:latin typeface="+mn-lt"/>
+                <a:ea typeface="+mn-ea"/>
+                <a:cs typeface="+mn-cs"/>
+              </a:defRPr>
+            </a:lvl5pPr>
+            <a:lvl6pPr marL="2514600" indent="-228600" algn="l" defTabSz="914400" rtl="0" eaLnBrk="1" latinLnBrk="0" hangingPunct="1">
+              <a:spcBef>
+                <a:spcPct val="20000"/>
+              </a:spcBef>
+              <a:buClr>
+                <a:schemeClr val="tx2"/>
+              </a:buClr>
+              <a:buFont typeface="Arial" pitchFamily="34" charset="0"/>
+              <a:buChar char="•"/>
+              <a:defRPr sz="1600" kern="1200">
+                <a:solidFill>
+                  <a:schemeClr val="tx1"/>
+                </a:solidFill>
+                <a:latin typeface="+mn-lt"/>
+                <a:ea typeface="+mn-ea"/>
+                <a:cs typeface="+mn-cs"/>
+              </a:defRPr>
+            </a:lvl6pPr>
+            <a:lvl7pPr marL="2971800" indent="-228600" algn="l" defTabSz="914400" rtl="0" eaLnBrk="1" latinLnBrk="0" hangingPunct="1">
+              <a:spcBef>
+                <a:spcPct val="20000"/>
+              </a:spcBef>
+              <a:buClr>
+                <a:schemeClr val="tx2"/>
+              </a:buClr>
+              <a:buFont typeface="Arial" pitchFamily="34" charset="0"/>
+              <a:buChar char="•"/>
+              <a:defRPr sz="1600" kern="1200">
+                <a:solidFill>
+                  <a:schemeClr val="tx1"/>
+                </a:solidFill>
+                <a:latin typeface="+mn-lt"/>
+                <a:ea typeface="+mn-ea"/>
+                <a:cs typeface="+mn-cs"/>
+              </a:defRPr>
+            </a:lvl7pPr>
+            <a:lvl8pPr marL="3429000" indent="-228600" algn="l" defTabSz="914400" rtl="0" eaLnBrk="1" latinLnBrk="0" hangingPunct="1">
+              <a:spcBef>
+                <a:spcPct val="20000"/>
+              </a:spcBef>
+              <a:buClr>
+                <a:schemeClr val="tx2"/>
+              </a:buClr>
+              <a:buFont typeface="Arial" pitchFamily="34" charset="0"/>
+              <a:buChar char="•"/>
+              <a:defRPr sz="1600" kern="1200">
+                <a:solidFill>
+                  <a:schemeClr val="tx1"/>
+                </a:solidFill>
+                <a:latin typeface="+mn-lt"/>
+                <a:ea typeface="+mn-ea"/>
+                <a:cs typeface="+mn-cs"/>
+              </a:defRPr>
+            </a:lvl8pPr>
+            <a:lvl9pPr marL="3886200" indent="-228600" algn="l" defTabSz="914400" rtl="0" eaLnBrk="1" latinLnBrk="0" hangingPunct="1">
+              <a:spcBef>
+                <a:spcPct val="20000"/>
+              </a:spcBef>
+              <a:buClr>
+                <a:schemeClr val="tx2"/>
+              </a:buClr>
+              <a:buFont typeface="Arial" pitchFamily="34" charset="0"/>
+              <a:buChar char="•"/>
+              <a:defRPr sz="1600" kern="1200">
+                <a:solidFill>
+                  <a:schemeClr val="tx1"/>
+                </a:solidFill>
+                <a:latin typeface="+mn-lt"/>
+                <a:ea typeface="+mn-ea"/>
+                <a:cs typeface="+mn-cs"/>
+              </a:defRPr>
+            </a:lvl9pPr>
+          </a:lstStyle>
+          <a:p>
+            <a:r>
+              <a:rPr lang="en-US" b="0" dirty="0">
+                <a:solidFill>
+                  <a:srgbClr val="008000"/>
+                </a:solidFill>
+                <a:latin typeface="Lucida Sans Typewriter" panose="020B0509030504030204" pitchFamily="49" charset="0"/>
+              </a:rPr>
+              <a:t># </a:t>
+            </a:r>
+            <a:r>
+              <a:rPr lang="en-US" b="0" dirty="0" smtClean="0">
+                <a:solidFill>
+                  <a:srgbClr val="008000"/>
+                </a:solidFill>
+                <a:latin typeface="Lucida Sans Typewriter" panose="020B0509030504030204" pitchFamily="49" charset="0"/>
+              </a:rPr>
+              <a:t>Example: defines my working directory to be a folder on my Desktop called </a:t>
+            </a:r>
+            <a:r>
+              <a:rPr lang="en-US" b="0" dirty="0" err="1" smtClean="0">
+                <a:solidFill>
+                  <a:srgbClr val="008000"/>
+                </a:solidFill>
+                <a:latin typeface="Lucida Sans Typewriter" panose="020B0509030504030204" pitchFamily="49" charset="0"/>
+              </a:rPr>
+              <a:t>RBarMUN</a:t>
+            </a:r>
+            <a:r>
+              <a:rPr lang="en-US" b="0" dirty="0" smtClean="0">
+                <a:solidFill>
+                  <a:srgbClr val="008000"/>
+                </a:solidFill>
+                <a:latin typeface="Lucida Sans Typewriter" panose="020B0509030504030204" pitchFamily="49" charset="0"/>
+              </a:rPr>
+              <a:t> </a:t>
+            </a:r>
+          </a:p>
+          <a:p>
+            <a:r>
+              <a:rPr lang="en-CA" b="0" dirty="0" err="1" smtClean="0">
+                <a:solidFill>
+                  <a:srgbClr val="C00000"/>
+                </a:solidFill>
+                <a:latin typeface="Lucida Sans Typewriter" panose="020B0509030504030204" pitchFamily="49" charset="0"/>
+              </a:rPr>
+              <a:t>setwd</a:t>
+            </a:r>
+            <a:r>
+              <a:rPr lang="en-CA" b="0" dirty="0">
+                <a:solidFill>
+                  <a:srgbClr val="C00000"/>
+                </a:solidFill>
+                <a:latin typeface="Lucida Sans Typewriter" panose="020B0509030504030204" pitchFamily="49" charset="0"/>
+              </a:rPr>
+              <a:t>(“C:/Users/</a:t>
+            </a:r>
+            <a:r>
+              <a:rPr lang="en-CA" b="0" dirty="0" err="1">
+                <a:solidFill>
+                  <a:srgbClr val="C00000"/>
+                </a:solidFill>
+                <a:latin typeface="Lucida Sans Typewriter" panose="020B0509030504030204" pitchFamily="49" charset="0"/>
+              </a:rPr>
+              <a:t>danie</a:t>
+            </a:r>
+            <a:r>
+              <a:rPr lang="en-CA" b="0" dirty="0">
+                <a:solidFill>
+                  <a:srgbClr val="C00000"/>
+                </a:solidFill>
+                <a:latin typeface="Lucida Sans Typewriter" panose="020B0509030504030204" pitchFamily="49" charset="0"/>
+              </a:rPr>
+              <a:t>/Desktop/</a:t>
+            </a:r>
+            <a:r>
+              <a:rPr lang="en-CA" b="0" dirty="0" err="1">
+                <a:solidFill>
+                  <a:srgbClr val="C00000"/>
+                </a:solidFill>
+                <a:latin typeface="Lucida Sans Typewriter" panose="020B0509030504030204" pitchFamily="49" charset="0"/>
+              </a:rPr>
+              <a:t>RBarMUN</a:t>
+            </a:r>
+            <a:r>
+              <a:rPr lang="en-CA" b="0" dirty="0" smtClean="0">
+                <a:solidFill>
+                  <a:srgbClr val="C00000"/>
+                </a:solidFill>
+                <a:latin typeface="Lucida Sans Typewriter" panose="020B0509030504030204" pitchFamily="49" charset="0"/>
+              </a:rPr>
+              <a:t>”) </a:t>
+            </a:r>
+            <a:endParaRPr lang="en-US" b="0" dirty="0" smtClean="0">
+              <a:solidFill>
+                <a:srgbClr val="008000"/>
+              </a:solidFill>
+              <a:latin typeface="Lucida Sans Typewriter" panose="020B0509030504030204" pitchFamily="49" charset="0"/>
+            </a:endParaRPr>
+          </a:p>
         </p:txBody>
       </p:sp>
     </p:spTree>
     <p:extLst>
       <p:ext uri="{BB962C8B-B14F-4D97-AF65-F5344CB8AC3E}">
-        <p14:creationId xmlns:p14="http://schemas.microsoft.com/office/powerpoint/2010/main" val="3826331358"/>
+        <p14:creationId xmlns:p14="http://schemas.microsoft.com/office/powerpoint/2010/main" val="3331739178"/>
       </p:ext>
     </p:extLst>
   </p:cSld>
   <p:clrMapOvr>
     <a:masterClrMapping/>
   </p:clrMapOvr>
+  <p:timing>
+    <p:tnLst>
+      <p:par>
+        <p:cTn id="1" dur="indefinite" restart="never" nodeType="tmRoot">
+          <p:childTnLst>
+            <p:seq concurrent="1" nextAc="seek">
+              <p:cTn id="2" dur="indefinite" nodeType="mainSeq">
+                <p:childTnLst>
+                  <p:par>
+                    <p:cTn id="3" fill="hold">
+                      <p:stCondLst>
+                        <p:cond delay="indefinite"/>
+                      </p:stCondLst>
+                      <p:childTnLst>
+                        <p:par>
+                          <p:cTn id="4" fill="hold">
+                            <p:stCondLst>
+                              <p:cond delay="0"/>
+                            </p:stCondLst>
+                            <p:childTnLst>
+                              <p:par>
+                                <p:cTn id="5" presetID="1" presetClass="entr" presetSubtype="0" fill="hold" nodeType="clickEffect">
+                                  <p:stCondLst>
+                                    <p:cond delay="0"/>
+                                  </p:stCondLst>
+                                  <p:childTnLst>
+                                    <p:set>
+                                      <p:cBhvr>
+                                        <p:cTn id="6" dur="1" fill="hold">
+                                          <p:stCondLst>
+                                            <p:cond delay="0"/>
+                                          </p:stCondLst>
+                                        </p:cTn>
+                                        <p:tgtEl>
+                                          <p:spTgt spid="4">
+                                            <p:txEl>
+                                              <p:pRg st="1" end="1"/>
+                                            </p:txEl>
+                                          </p:spTgt>
+                                        </p:tgtEl>
+                                        <p:attrNameLst>
+                                          <p:attrName>style.visibility</p:attrName>
+                                        </p:attrNameLst>
+                                      </p:cBhvr>
+                                      <p:to>
+                                        <p:strVal val="visible"/>
+                                      </p:to>
+                                    </p:set>
+                                  </p:childTnLst>
+                                </p:cTn>
+                              </p:par>
+                            </p:childTnLst>
+                          </p:cTn>
+                        </p:par>
+                      </p:childTnLst>
+                    </p:cTn>
+                  </p:par>
+                  <p:par>
+                    <p:cTn id="7" fill="hold">
+                      <p:stCondLst>
+                        <p:cond delay="indefinite"/>
+                      </p:stCondLst>
+                      <p:childTnLst>
+                        <p:par>
+                          <p:cTn id="8" fill="hold">
+                            <p:stCondLst>
+                              <p:cond delay="0"/>
+                            </p:stCondLst>
+                            <p:childTnLst>
+                              <p:par>
+                                <p:cTn id="9" presetID="1" presetClass="entr" presetSubtype="0" fill="hold" nodeType="clickEffect">
+                                  <p:stCondLst>
+                                    <p:cond delay="0"/>
+                                  </p:stCondLst>
+                                  <p:childTnLst>
+                                    <p:set>
+                                      <p:cBhvr>
+                                        <p:cTn id="10" dur="1" fill="hold">
+                                          <p:stCondLst>
+                                            <p:cond delay="0"/>
+                                          </p:stCondLst>
+                                        </p:cTn>
+                                        <p:tgtEl>
+                                          <p:spTgt spid="4">
+                                            <p:txEl>
+                                              <p:pRg st="3" end="3"/>
+                                            </p:txEl>
+                                          </p:spTgt>
+                                        </p:tgtEl>
+                                        <p:attrNameLst>
+                                          <p:attrName>style.visibility</p:attrName>
+                                        </p:attrNameLst>
+                                      </p:cBhvr>
+                                      <p:to>
+                                        <p:strVal val="visible"/>
+                                      </p:to>
+                                    </p:set>
+                                  </p:childTnLst>
+                                </p:cTn>
+                              </p:par>
+                              <p:par>
+                                <p:cTn id="11" presetID="1" presetClass="entr" presetSubtype="0" fill="hold" nodeType="withEffect">
+                                  <p:stCondLst>
+                                    <p:cond delay="0"/>
+                                  </p:stCondLst>
+                                  <p:childTnLst>
+                                    <p:set>
+                                      <p:cBhvr>
+                                        <p:cTn id="12" dur="1" fill="hold">
+                                          <p:stCondLst>
+                                            <p:cond delay="0"/>
+                                          </p:stCondLst>
+                                        </p:cTn>
+                                        <p:tgtEl>
+                                          <p:spTgt spid="10"/>
+                                        </p:tgtEl>
+                                        <p:attrNameLst>
+                                          <p:attrName>style.visibility</p:attrName>
+                                        </p:attrNameLst>
+                                      </p:cBhvr>
+                                      <p:to>
+                                        <p:strVal val="visible"/>
+                                      </p:to>
+                                    </p:set>
+                                  </p:childTnLst>
+                                </p:cTn>
+                              </p:par>
+                              <p:par>
+                                <p:cTn id="13" presetID="1" presetClass="entr" presetSubtype="0" fill="hold" grpId="0" nodeType="withEffect">
+                                  <p:stCondLst>
+                                    <p:cond delay="0"/>
+                                  </p:stCondLst>
+                                  <p:childTnLst>
+                                    <p:set>
+                                      <p:cBhvr>
+                                        <p:cTn id="14" dur="1" fill="hold">
+                                          <p:stCondLst>
+                                            <p:cond delay="0"/>
+                                          </p:stCondLst>
+                                        </p:cTn>
+                                        <p:tgtEl>
+                                          <p:spTgt spid="5"/>
+                                        </p:tgtEl>
+                                        <p:attrNameLst>
+                                          <p:attrName>style.visibility</p:attrName>
+                                        </p:attrNameLst>
+                                      </p:cBhvr>
+                                      <p:to>
+                                        <p:strVal val="visible"/>
+                                      </p:to>
+                                    </p:set>
+                                  </p:childTnLst>
+                                </p:cTn>
+                              </p:par>
+                            </p:childTnLst>
+                          </p:cTn>
+                        </p:par>
+                      </p:childTnLst>
+                    </p:cTn>
+                  </p:par>
+                  <p:par>
+                    <p:cTn id="15" fill="hold">
+                      <p:stCondLst>
+                        <p:cond delay="indefinite"/>
+                      </p:stCondLst>
+                      <p:childTnLst>
+                        <p:par>
+                          <p:cTn id="16" fill="hold">
+                            <p:stCondLst>
+                              <p:cond delay="0"/>
+                            </p:stCondLst>
+                            <p:childTnLst>
+                              <p:par>
+                                <p:cTn id="17" presetID="1" presetClass="entr" presetSubtype="0" fill="hold" grpId="0" nodeType="clickEffect">
+                                  <p:stCondLst>
+                                    <p:cond delay="0"/>
+                                  </p:stCondLst>
+                                  <p:childTnLst>
+                                    <p:set>
+                                      <p:cBhvr>
+                                        <p:cTn id="18" dur="1" fill="hold">
+                                          <p:stCondLst>
+                                            <p:cond delay="0"/>
+                                          </p:stCondLst>
+                                        </p:cTn>
+                                        <p:tgtEl>
+                                          <p:spTgt spid="11"/>
+                                        </p:tgtEl>
+                                        <p:attrNameLst>
+                                          <p:attrName>style.visibility</p:attrName>
+                                        </p:attrNameLst>
+                                      </p:cBhvr>
+                                      <p:to>
+                                        <p:strVal val="visible"/>
+                                      </p:to>
+                                    </p:set>
+                                  </p:childTnLst>
+                                </p:cTn>
+                              </p:par>
+                            </p:childTnLst>
+                          </p:cTn>
+                        </p:par>
+                      </p:childTnLst>
+                    </p:cTn>
+                  </p:par>
+                </p:childTnLst>
+              </p:cTn>
+              <p:prevCondLst>
+                <p:cond evt="onPrev" delay="0">
+                  <p:tgtEl>
+                    <p:sldTgt/>
+                  </p:tgtEl>
+                </p:cond>
+              </p:prevCondLst>
+              <p:nextCondLst>
+                <p:cond evt="onNext" delay="0">
+                  <p:tgtEl>
+                    <p:sldTgt/>
+                  </p:tgtEl>
+                </p:cond>
+              </p:nextCondLst>
+            </p:seq>
+          </p:childTnLst>
+        </p:cTn>
+      </p:par>
+    </p:tnLst>
+    <p:bldLst>
+      <p:bldP spid="5" grpId="0" animBg="1"/>
+      <p:bldP spid="11" grpId="0"/>
+    </p:bldLst>
+  </p:timing>
 </p:sld>
 </file>
 
-<file path=ppt/slides/slide6.xml><?xml version="1.0" encoding="utf-8"?>
-<p:sld xmlns:a="http://schemas.openxmlformats.org/drawingml/2006/main" xmlns:r="http://schemas.openxmlformats.org/officeDocument/2006/relationships" xmlns:p="http://schemas.openxmlformats.org/presentationml/2006/main">
-  <p:cSld>
-    <p:bg>
-      <p:bgPr>
-        <a:solidFill>
-          <a:schemeClr val="accent3">
-            <a:lumMod val="20000"/>
-            <a:lumOff val="80000"/>
-          </a:schemeClr>
-        </a:solidFill>
-        <a:effectLst/>
-      </p:bgPr>
-    </p:bg>
-    <p:spTree>
-      <p:nvGrpSpPr>
-        <p:cNvPr id="1" name=""/>
-        <p:cNvGrpSpPr/>
-        <p:nvPr/>
-      </p:nvGrpSpPr>
-      <p:grpSpPr>
-        <a:xfrm>
-          <a:off x="0" y="0"/>
-          <a:ext cx="0" cy="0"/>
-          <a:chOff x="0" y="0"/>
-          <a:chExt cx="0" cy="0"/>
-        </a:xfrm>
-      </p:grpSpPr>
-      <p:sp>
-        <p:nvSpPr>
-          <p:cNvPr id="2" name="Title 1"/>
-          <p:cNvSpPr>
-            <a:spLocks noGrp="1"/>
-          </p:cNvSpPr>
-          <p:nvPr>
-            <p:ph type="title"/>
-          </p:nvPr>
-        </p:nvSpPr>
-        <p:spPr>
-          <a:xfrm>
-            <a:off x="457200" y="152718"/>
-            <a:ext cx="8534400" cy="837882"/>
-          </a:xfrm>
-        </p:spPr>
-        <p:txBody>
-          <a:bodyPr>
-            <a:normAutofit/>
-          </a:bodyPr>
-          <a:lstStyle/>
-          <a:p>
-            <a:r>
-              <a:rPr lang="en-CA" sz="4000" dirty="0">
-                <a:solidFill>
-                  <a:srgbClr val="7030A0"/>
-                </a:solidFill>
-              </a:rPr>
-              <a:t>best practices: </a:t>
-            </a:r>
-            <a:r>
-              <a:rPr lang="en-CA" dirty="0">
-                <a:solidFill>
-                  <a:srgbClr val="7030A0"/>
-                </a:solidFill>
-              </a:rPr>
-              <a:t>Flat file</a:t>
-            </a:r>
-          </a:p>
-        </p:txBody>
-      </p:sp>
-      <p:sp>
-        <p:nvSpPr>
-          <p:cNvPr id="3" name="Content Placeholder 2"/>
-          <p:cNvSpPr>
-            <a:spLocks noGrp="1"/>
-          </p:cNvSpPr>
-          <p:nvPr>
-            <p:ph idx="1"/>
-          </p:nvPr>
-        </p:nvSpPr>
-        <p:spPr>
-          <a:xfrm>
-            <a:off x="457200" y="1143000"/>
-            <a:ext cx="8077200" cy="5486400"/>
-          </a:xfrm>
-        </p:spPr>
-        <p:txBody>
-          <a:bodyPr>
-            <a:noAutofit/>
-          </a:bodyPr>
-          <a:lstStyle/>
-          <a:p>
-            <a:r>
-              <a:rPr lang="en-CA" dirty="0"/>
-              <a:t>Avoid dealing with frustrating issues later by following some simple rules now:</a:t>
-            </a:r>
-            <a:endParaRPr lang="en-CA" b="0" dirty="0"/>
-          </a:p>
-          <a:p>
-            <a:pPr marL="457200" indent="-457200">
-              <a:buAutoNum type="arabicPeriod"/>
-            </a:pPr>
-            <a:r>
-              <a:rPr lang="en-CA" b="0" dirty="0"/>
-              <a:t>Single flat file </a:t>
-            </a:r>
-            <a:r>
-              <a:rPr lang="en-CA" b="0" i="1" dirty="0"/>
-              <a:t>(at least to start…)</a:t>
-            </a:r>
-          </a:p>
-          <a:p>
-            <a:pPr marL="457200" indent="-457200">
-              <a:buAutoNum type="arabicPeriod"/>
-            </a:pPr>
-            <a:r>
-              <a:rPr lang="en-CA" b="0" dirty="0"/>
-              <a:t>Save as a .txt or .csv</a:t>
-            </a:r>
-          </a:p>
-          <a:p>
-            <a:pPr marL="457200" indent="-457200">
-              <a:buAutoNum type="arabicPeriod"/>
-            </a:pPr>
-            <a:r>
-              <a:rPr lang="en-CA" b="0" dirty="0"/>
-              <a:t>Every column uniquely and simply named</a:t>
-            </a:r>
-          </a:p>
-          <a:p>
-            <a:pPr marL="457200" indent="-457200">
-              <a:buAutoNum type="arabicPeriod"/>
-            </a:pPr>
-            <a:r>
-              <a:rPr lang="en-CA" b="0" dirty="0"/>
-              <a:t>Individual column for each component of date/time</a:t>
-            </a:r>
-          </a:p>
-          <a:p>
-            <a:r>
-              <a:rPr lang="en-CA" sz="1700" b="0" i="1" dirty="0"/>
-              <a:t>			(We’ll cover this in more detail later.)</a:t>
-            </a:r>
-            <a:endParaRPr lang="en-CA" b="0" dirty="0"/>
-          </a:p>
-          <a:p>
-            <a:pPr marL="457200" indent="-457200">
-              <a:buFont typeface="+mj-lt"/>
-              <a:buAutoNum type="arabicPeriod" startAt="5"/>
-            </a:pPr>
-            <a:r>
-              <a:rPr lang="en-CA" b="0" dirty="0"/>
-              <a:t>everything lowercase with no punctuation</a:t>
-            </a:r>
-          </a:p>
-          <a:p>
-            <a:pPr marL="457200" indent="-457200">
-              <a:buAutoNum type="arabicPeriod" startAt="5"/>
-            </a:pPr>
-            <a:r>
-              <a:rPr lang="en-CA" b="0" dirty="0"/>
-              <a:t>Create a variable key</a:t>
-            </a:r>
-          </a:p>
-          <a:p>
-            <a:pPr marL="457200" indent="-457200">
-              <a:buAutoNum type="arabicPeriod" startAt="5"/>
-            </a:pPr>
-            <a:r>
-              <a:rPr lang="en-CA" b="0" dirty="0"/>
-              <a:t>No data? Leave it blank or use NA … but be consistent!</a:t>
-            </a:r>
-          </a:p>
-          <a:p>
-            <a:endParaRPr lang="en-CA" b="0" dirty="0"/>
-          </a:p>
-        </p:txBody>
-      </p:sp>
-    </p:spTree>
-    <p:extLst>
-      <p:ext uri="{BB962C8B-B14F-4D97-AF65-F5344CB8AC3E}">
-        <p14:creationId xmlns:p14="http://schemas.microsoft.com/office/powerpoint/2010/main" val="167620596"/>
-      </p:ext>
-    </p:extLst>
-  </p:cSld>
-  <p:clrMapOvr>
-    <a:masterClrMapping/>
-  </p:clrMapOvr>
-</p:sld>
-</file>
-
-<file path=ppt/slides/slide7.xml><?xml version="1.0" encoding="utf-8"?>
+<file path=ppt/slides/slide9.xml><?xml version="1.0" encoding="utf-8"?>
 <p:sld xmlns:a="http://schemas.openxmlformats.org/drawingml/2006/main" xmlns:r="http://schemas.openxmlformats.org/officeDocument/2006/relationships" xmlns:p="http://schemas.openxmlformats.org/presentationml/2006/main">
   <p:cSld>
     <p:spTree>
@@ -17870,512 +20886,13 @@
   <p:clrMapOvr>
     <a:masterClrMapping/>
   </p:clrMapOvr>
-</p:sld>
-</file>
-
-<file path=ppt/slides/slide8.xml><?xml version="1.0" encoding="utf-8"?>
-<p:sld xmlns:a="http://schemas.openxmlformats.org/drawingml/2006/main" xmlns:r="http://schemas.openxmlformats.org/officeDocument/2006/relationships" xmlns:p="http://schemas.openxmlformats.org/presentationml/2006/main">
-  <p:cSld>
-    <p:spTree>
-      <p:nvGrpSpPr>
-        <p:cNvPr id="1" name=""/>
-        <p:cNvGrpSpPr/>
-        <p:nvPr/>
-      </p:nvGrpSpPr>
-      <p:grpSpPr>
-        <a:xfrm>
-          <a:off x="0" y="0"/>
-          <a:ext cx="0" cy="0"/>
-          <a:chOff x="0" y="0"/>
-          <a:chExt cx="0" cy="0"/>
-        </a:xfrm>
-      </p:grpSpPr>
-      <p:sp>
-        <p:nvSpPr>
-          <p:cNvPr id="2" name="Title 1"/>
-          <p:cNvSpPr>
-            <a:spLocks noGrp="1"/>
-          </p:cNvSpPr>
-          <p:nvPr>
-            <p:ph type="title"/>
-          </p:nvPr>
-        </p:nvSpPr>
-        <p:spPr>
-          <a:xfrm>
-            <a:off x="457199" y="152718"/>
-            <a:ext cx="8402321" cy="990282"/>
-          </a:xfrm>
-        </p:spPr>
-        <p:txBody>
-          <a:bodyPr>
-            <a:normAutofit/>
-          </a:bodyPr>
-          <a:lstStyle/>
-          <a:p>
-            <a:r>
-              <a:rPr lang="en-CA" dirty="0">
-                <a:solidFill>
-                  <a:srgbClr val="C00000"/>
-                </a:solidFill>
-              </a:rPr>
-              <a:t>Problems importing data</a:t>
-            </a:r>
-          </a:p>
-        </p:txBody>
-      </p:sp>
-      <p:sp>
-        <p:nvSpPr>
-          <p:cNvPr id="5" name="Content Placeholder 2"/>
-          <p:cNvSpPr>
-            <a:spLocks noGrp="1"/>
-          </p:cNvSpPr>
-          <p:nvPr>
-            <p:ph idx="1"/>
-          </p:nvPr>
-        </p:nvSpPr>
-        <p:spPr>
-          <a:xfrm>
-            <a:off x="457200" y="1295400"/>
-            <a:ext cx="7620000" cy="5562600"/>
-          </a:xfrm>
-        </p:spPr>
-        <p:txBody>
-          <a:bodyPr>
-            <a:normAutofit/>
-          </a:bodyPr>
-          <a:lstStyle/>
-          <a:p>
-            <a:r>
-              <a:rPr lang="en-US" dirty="0"/>
-              <a:t>Error Message:</a:t>
-            </a:r>
-            <a:r>
-              <a:rPr lang="en-US" b="0" dirty="0">
-                <a:solidFill>
-                  <a:schemeClr val="tx2"/>
-                </a:solidFill>
-                <a:latin typeface="Lucida Sans Typewriter" panose="020B0509030504030204" pitchFamily="49" charset="0"/>
-              </a:rPr>
-              <a:t> </a:t>
-            </a:r>
-            <a:r>
-              <a:rPr lang="en-US" b="0" dirty="0">
-                <a:solidFill>
-                  <a:srgbClr val="C00000"/>
-                </a:solidFill>
-                <a:latin typeface="Lucida Sans Typewriter" panose="020B0509030504030204" pitchFamily="49" charset="0"/>
-              </a:rPr>
-              <a:t>Error in file(file, “</a:t>
-            </a:r>
-            <a:r>
-              <a:rPr lang="en-US" b="0" dirty="0" err="1">
-                <a:solidFill>
-                  <a:srgbClr val="C00000"/>
-                </a:solidFill>
-                <a:latin typeface="Lucida Sans Typewriter" panose="020B0509030504030204" pitchFamily="49" charset="0"/>
-              </a:rPr>
-              <a:t>rt</a:t>
-            </a:r>
-            <a:r>
-              <a:rPr lang="en-US" b="0" dirty="0">
-                <a:solidFill>
-                  <a:srgbClr val="C00000"/>
-                </a:solidFill>
-                <a:latin typeface="Lucida Sans Typewriter" panose="020B0509030504030204" pitchFamily="49" charset="0"/>
-              </a:rPr>
-              <a:t>”) : cannot open the connection In addition: Warning message: In file(file, “</a:t>
-            </a:r>
-            <a:r>
-              <a:rPr lang="en-US" b="0" dirty="0" err="1">
-                <a:solidFill>
-                  <a:srgbClr val="C00000"/>
-                </a:solidFill>
-                <a:latin typeface="Lucida Sans Typewriter" panose="020B0509030504030204" pitchFamily="49" charset="0"/>
-              </a:rPr>
-              <a:t>rt</a:t>
-            </a:r>
-            <a:r>
-              <a:rPr lang="en-US" b="0" dirty="0">
-                <a:solidFill>
-                  <a:srgbClr val="C00000"/>
-                </a:solidFill>
-                <a:latin typeface="Lucida Sans Typewriter" panose="020B0509030504030204" pitchFamily="49" charset="0"/>
-              </a:rPr>
-              <a:t>”): cannot open file ‘sample’: No such file or directory</a:t>
-            </a:r>
-          </a:p>
-          <a:p>
-            <a:r>
-              <a:rPr lang="en-US" dirty="0"/>
-              <a:t>Issue:</a:t>
-            </a:r>
-            <a:r>
-              <a:rPr lang="en-US" b="0" dirty="0"/>
-              <a:t> R can’t find your file in the working directory you specified</a:t>
-            </a:r>
-          </a:p>
-          <a:p>
-            <a:r>
-              <a:rPr lang="en-US" dirty="0"/>
-              <a:t>Check:</a:t>
-            </a:r>
-            <a:r>
-              <a:rPr lang="en-US" b="0" dirty="0"/>
-              <a:t>	Did you set your working directory correctly</a:t>
-            </a:r>
-            <a:r>
-              <a:rPr lang="en-CA" b="0" dirty="0"/>
-              <a:t>?</a:t>
-            </a:r>
-          </a:p>
-          <a:p>
-            <a:r>
-              <a:rPr lang="en-CA" b="0" dirty="0"/>
-              <a:t>	Did you s</a:t>
-            </a:r>
-            <a:r>
-              <a:rPr lang="en-US" b="0" dirty="0" err="1"/>
-              <a:t>pell</a:t>
-            </a:r>
-            <a:r>
-              <a:rPr lang="en-US" b="0" dirty="0"/>
-              <a:t> the filename correctly?</a:t>
-            </a:r>
-          </a:p>
-          <a:p>
-            <a:r>
-              <a:rPr lang="en-US" b="0" dirty="0"/>
-              <a:t>	Did you include “.txt” in your filename?</a:t>
-            </a:r>
-          </a:p>
-          <a:p>
-            <a:r>
-              <a:rPr lang="en-US" b="0" dirty="0"/>
-              <a:t>	Did you save your file as a .txt in the correct folder?</a:t>
-            </a:r>
-          </a:p>
-          <a:p>
-            <a:r>
-              <a:rPr lang="en-US" dirty="0"/>
-              <a:t>Troubleshooting: </a:t>
-            </a:r>
-            <a:r>
-              <a:rPr lang="en-US" b="0" dirty="0"/>
-              <a:t>Use </a:t>
-            </a:r>
-            <a:r>
-              <a:rPr lang="en-US" b="0" dirty="0" err="1">
-                <a:solidFill>
-                  <a:srgbClr val="C00000"/>
-                </a:solidFill>
-                <a:latin typeface="Lucida Sans Typewriter" panose="020B0509030504030204" pitchFamily="49" charset="0"/>
-              </a:rPr>
-              <a:t>list.files</a:t>
-            </a:r>
-            <a:r>
-              <a:rPr lang="en-US" b="0" dirty="0">
-                <a:solidFill>
-                  <a:srgbClr val="C00000"/>
-                </a:solidFill>
-                <a:latin typeface="Lucida Sans Typewriter" panose="020B0509030504030204" pitchFamily="49" charset="0"/>
-              </a:rPr>
-              <a:t>()</a:t>
-            </a:r>
-            <a:r>
-              <a:rPr lang="en-US" b="0" dirty="0"/>
-              <a:t> to see a list of all the files available in your current working directory.</a:t>
-            </a:r>
-            <a:endParaRPr lang="en-US" dirty="0"/>
-          </a:p>
-          <a:p>
-            <a:pPr algn="ctr"/>
-            <a:endParaRPr lang="en-US" dirty="0"/>
-          </a:p>
-        </p:txBody>
-      </p:sp>
-    </p:spTree>
-    <p:extLst>
-      <p:ext uri="{BB962C8B-B14F-4D97-AF65-F5344CB8AC3E}">
-        <p14:creationId xmlns:p14="http://schemas.microsoft.com/office/powerpoint/2010/main" val="1105153398"/>
-      </p:ext>
-    </p:extLst>
-  </p:cSld>
-  <p:clrMapOvr>
-    <a:masterClrMapping/>
-  </p:clrMapOvr>
-</p:sld>
-</file>
-
-<file path=ppt/slides/slide9.xml><?xml version="1.0" encoding="utf-8"?>
-<p:sld xmlns:a="http://schemas.openxmlformats.org/drawingml/2006/main" xmlns:r="http://schemas.openxmlformats.org/officeDocument/2006/relationships" xmlns:p="http://schemas.openxmlformats.org/presentationml/2006/main">
-  <p:cSld>
-    <p:spTree>
-      <p:nvGrpSpPr>
-        <p:cNvPr id="1" name=""/>
-        <p:cNvGrpSpPr/>
-        <p:nvPr/>
-      </p:nvGrpSpPr>
-      <p:grpSpPr>
-        <a:xfrm>
-          <a:off x="0" y="0"/>
-          <a:ext cx="0" cy="0"/>
-          <a:chOff x="0" y="0"/>
-          <a:chExt cx="0" cy="0"/>
-        </a:xfrm>
-      </p:grpSpPr>
-      <p:sp>
-        <p:nvSpPr>
-          <p:cNvPr id="2" name="Title 1"/>
-          <p:cNvSpPr>
-            <a:spLocks noGrp="1"/>
-          </p:cNvSpPr>
-          <p:nvPr>
-            <p:ph type="title"/>
-          </p:nvPr>
-        </p:nvSpPr>
-        <p:spPr>
-          <a:xfrm>
-            <a:off x="457199" y="152718"/>
-            <a:ext cx="8402321" cy="990282"/>
-          </a:xfrm>
-        </p:spPr>
-        <p:txBody>
-          <a:bodyPr>
-            <a:normAutofit/>
-          </a:bodyPr>
-          <a:lstStyle/>
-          <a:p>
-            <a:r>
-              <a:rPr lang="en-CA" dirty="0">
-                <a:solidFill>
-                  <a:srgbClr val="C00000"/>
-                </a:solidFill>
-              </a:rPr>
-              <a:t>Problems importing data</a:t>
-            </a:r>
-          </a:p>
-        </p:txBody>
-      </p:sp>
-      <p:sp>
-        <p:nvSpPr>
-          <p:cNvPr id="5" name="Content Placeholder 2"/>
-          <p:cNvSpPr>
-            <a:spLocks noGrp="1"/>
-          </p:cNvSpPr>
-          <p:nvPr>
-            <p:ph idx="1"/>
-          </p:nvPr>
-        </p:nvSpPr>
-        <p:spPr>
-          <a:xfrm>
-            <a:off x="457200" y="1295400"/>
-            <a:ext cx="7620000" cy="5562600"/>
-          </a:xfrm>
-        </p:spPr>
-        <p:txBody>
-          <a:bodyPr>
-            <a:normAutofit/>
-          </a:bodyPr>
-          <a:lstStyle/>
-          <a:p>
-            <a:r>
-              <a:rPr lang="en-US" dirty="0"/>
-              <a:t>Error Message:</a:t>
-            </a:r>
-            <a:r>
-              <a:rPr lang="en-US" b="0" dirty="0">
-                <a:solidFill>
-                  <a:schemeClr val="tx2"/>
-                </a:solidFill>
-                <a:latin typeface="Lucida Sans Typewriter" panose="020B0509030504030204" pitchFamily="49" charset="0"/>
-              </a:rPr>
-              <a:t> </a:t>
-            </a:r>
-            <a:r>
-              <a:rPr lang="en-US" b="0" dirty="0"/>
-              <a:t>None</a:t>
-            </a:r>
-          </a:p>
-          <a:p>
-            <a:r>
-              <a:rPr lang="en-US" dirty="0"/>
-              <a:t>Issue:</a:t>
-            </a:r>
-            <a:r>
-              <a:rPr lang="en-US" b="0" dirty="0"/>
-              <a:t> The dataset just doesn’t look right!</a:t>
-            </a:r>
-          </a:p>
-          <a:p>
-            <a:r>
-              <a:rPr lang="en-US" dirty="0"/>
-              <a:t>Check:</a:t>
-            </a:r>
-            <a:r>
-              <a:rPr lang="en-US" b="0" dirty="0"/>
-              <a:t>	Is your spreadsheet set up right?</a:t>
-            </a:r>
-          </a:p>
-          <a:p>
-            <a:pPr marL="1485900" lvl="2" indent="-342900">
-              <a:buFont typeface="Arial" panose="020B0604020202020204" pitchFamily="34" charset="0"/>
-              <a:buChar char="•"/>
-            </a:pPr>
-            <a:r>
-              <a:rPr lang="en-US" b="0" dirty="0"/>
-              <a:t>no merged cells</a:t>
-            </a:r>
-          </a:p>
-          <a:p>
-            <a:pPr marL="1485900" lvl="2" indent="-342900">
-              <a:buFont typeface="Arial" panose="020B0604020202020204" pitchFamily="34" charset="0"/>
-              <a:buChar char="•"/>
-            </a:pPr>
-            <a:r>
-              <a:rPr lang="en-US" b="0" dirty="0"/>
-              <a:t>no extra rows (i.e. first row are variable names, data begins on second row) or blank rows</a:t>
-            </a:r>
-          </a:p>
-          <a:p>
-            <a:pPr marL="1485900" lvl="2" indent="-342900">
-              <a:buFont typeface="Arial" panose="020B0604020202020204" pitchFamily="34" charset="0"/>
-              <a:buChar char="•"/>
-            </a:pPr>
-            <a:r>
-              <a:rPr lang="en-US" b="0" dirty="0"/>
-              <a:t>no spaces or punctuation in variable names (may or may not cause issues, depending on specific circumstances)</a:t>
-            </a:r>
-          </a:p>
-          <a:p>
-            <a:pPr marL="1485900" lvl="2" indent="-342900">
-              <a:buFont typeface="Arial" panose="020B0604020202020204" pitchFamily="34" charset="0"/>
-              <a:buChar char="•"/>
-            </a:pPr>
-            <a:r>
-              <a:rPr lang="en-US" b="0" dirty="0"/>
-              <a:t>Excel can be finicky, and “activate” empty cells in extra rows and/or columns. Do you see columns “X.1”, “X.2”?</a:t>
-            </a:r>
-          </a:p>
-          <a:p>
-            <a:pPr marL="1485900" lvl="2" indent="-342900">
-              <a:buFont typeface="Arial" panose="020B0604020202020204" pitchFamily="34" charset="0"/>
-              <a:buChar char="•"/>
-            </a:pPr>
-            <a:r>
-              <a:rPr lang="en-US" b="0" dirty="0"/>
-              <a:t>if you don’t have headers (column names) in your dataset, you need to </a:t>
-            </a:r>
-            <a:r>
-              <a:rPr lang="en-US" dirty="0"/>
-              <a:t>change the </a:t>
-            </a:r>
-            <a:r>
-              <a:rPr lang="en-US" dirty="0">
-                <a:solidFill>
-                  <a:schemeClr val="tx2"/>
-                </a:solidFill>
-                <a:latin typeface="Lucida Sans Typewriter" panose="020B0509030504030204" pitchFamily="49" charset="0"/>
-              </a:rPr>
-              <a:t>header</a:t>
-            </a:r>
-            <a:r>
-              <a:rPr lang="en-US" dirty="0"/>
-              <a:t> argument from </a:t>
-            </a:r>
-            <a:r>
-              <a:rPr lang="en-US" dirty="0">
-                <a:solidFill>
-                  <a:srgbClr val="C00000"/>
-                </a:solidFill>
-                <a:latin typeface="Lucida Sans Typewriter" panose="020B0509030504030204" pitchFamily="49" charset="0"/>
-              </a:rPr>
-              <a:t>TRUE</a:t>
-            </a:r>
-            <a:r>
-              <a:rPr lang="en-US" dirty="0">
-                <a:solidFill>
-                  <a:srgbClr val="C00000"/>
-                </a:solidFill>
-              </a:rPr>
-              <a:t> </a:t>
-            </a:r>
-            <a:r>
-              <a:rPr lang="en-US" dirty="0"/>
-              <a:t>(default) to </a:t>
-            </a:r>
-            <a:r>
-              <a:rPr lang="en-US" dirty="0">
-                <a:solidFill>
-                  <a:srgbClr val="C00000"/>
-                </a:solidFill>
-                <a:latin typeface="Lucida Sans Typewriter" panose="020B0509030504030204" pitchFamily="49" charset="0"/>
-              </a:rPr>
-              <a:t>FALSE</a:t>
-            </a:r>
-            <a:endParaRPr lang="en-US" b="0" dirty="0">
-              <a:solidFill>
-                <a:srgbClr val="C00000"/>
-              </a:solidFill>
-              <a:latin typeface="Lucida Sans Typewriter" panose="020B0509030504030204" pitchFamily="49" charset="0"/>
-            </a:endParaRPr>
-          </a:p>
-          <a:p>
-            <a:pPr algn="ctr"/>
-            <a:r>
-              <a:rPr lang="en-US" sz="1700" b="0" dirty="0" err="1">
-                <a:solidFill>
-                  <a:srgbClr val="C00000"/>
-                </a:solidFill>
-                <a:latin typeface="Lucida Sans Typewriter" panose="020B0509030504030204" pitchFamily="49" charset="0"/>
-              </a:rPr>
-              <a:t>mydata</a:t>
-            </a:r>
-            <a:r>
-              <a:rPr lang="en-US" sz="1700" b="0" dirty="0">
-                <a:solidFill>
-                  <a:srgbClr val="C00000"/>
-                </a:solidFill>
-                <a:latin typeface="Lucida Sans Typewriter" panose="020B0509030504030204" pitchFamily="49" charset="0"/>
-              </a:rPr>
-              <a:t>&lt;-</a:t>
-            </a:r>
-            <a:r>
-              <a:rPr lang="en-US" sz="1700" b="0" dirty="0" err="1">
-                <a:solidFill>
-                  <a:srgbClr val="C00000"/>
-                </a:solidFill>
-                <a:latin typeface="Lucida Sans Typewriter" panose="020B0509030504030204" pitchFamily="49" charset="0"/>
-              </a:rPr>
-              <a:t>read.delim</a:t>
-            </a:r>
-            <a:r>
-              <a:rPr lang="en-US" sz="1700" b="0" dirty="0">
-                <a:solidFill>
-                  <a:srgbClr val="C00000"/>
-                </a:solidFill>
-                <a:latin typeface="Lucida Sans Typewriter" panose="020B0509030504030204" pitchFamily="49" charset="0"/>
-              </a:rPr>
-              <a:t>(“filename.txt”, header=FALSE)</a:t>
-            </a:r>
-            <a:endParaRPr lang="en-US" sz="1700" dirty="0">
-              <a:solidFill>
-                <a:srgbClr val="C00000"/>
-              </a:solidFill>
-              <a:latin typeface="Lucida Sans Typewriter" panose="020B0509030504030204" pitchFamily="49" charset="0"/>
-            </a:endParaRPr>
-          </a:p>
-        </p:txBody>
-      </p:sp>
-    </p:spTree>
-    <p:extLst>
-      <p:ext uri="{BB962C8B-B14F-4D97-AF65-F5344CB8AC3E}">
-        <p14:creationId xmlns:p14="http://schemas.microsoft.com/office/powerpoint/2010/main" val="2471810845"/>
-      </p:ext>
-    </p:extLst>
-  </p:cSld>
-  <p:clrMapOvr>
-    <a:masterClrMapping/>
-  </p:clrMapOvr>
+  <p:timing>
+    <p:tnLst>
+      <p:par>
+        <p:cTn id="1" dur="indefinite" restart="never" nodeType="tmRoot"/>
+      </p:par>
+    </p:tnLst>
+  </p:timing>
 </p:sld>
 </file>
 
